--- a/AI_Cursor_Presentation.pptx
+++ b/AI_Cursor_Presentation.pptx
@@ -12,10 +12,13 @@
     <p:sldId id="260" r:id="rId6"/>
     <p:sldId id="261" r:id="rId7"/>
     <p:sldId id="262" r:id="rId8"/>
-    <p:sldId id="263" r:id="rId9"/>
-    <p:sldId id="264" r:id="rId10"/>
-    <p:sldId id="265" r:id="rId11"/>
-    <p:sldId id="266" r:id="rId12"/>
+    <p:sldId id="267" r:id="rId9"/>
+    <p:sldId id="268" r:id="rId10"/>
+    <p:sldId id="269" r:id="rId11"/>
+    <p:sldId id="263" r:id="rId12"/>
+    <p:sldId id="264" r:id="rId13"/>
+    <p:sldId id="265" r:id="rId14"/>
+    <p:sldId id="266" r:id="rId15"/>
   </p:sldIdLst>
   <p:sldSz cx="9144000" cy="6858000" type="screen4x3"/>
   <p:notesSz cx="6858000" cy="9144000"/>
@@ -136,7 +139,7 @@
 <file path=ppt/revisionInfo.xml><?xml version="1.0" encoding="utf-8"?>
 <p1510:revInfo xmlns:a="http://schemas.openxmlformats.org/drawingml/2006/main" xmlns:r="http://schemas.openxmlformats.org/officeDocument/2006/relationships" xmlns:p1510="http://schemas.microsoft.com/office/powerpoint/2015/10/main">
   <p1510:revLst>
-    <p1510:client id="{DF8107A9-90C0-F046-BD7A-D1958FDE702C}" v="69" dt="2025-03-10T18:17:15.810"/>
+    <p1510:client id="{DF8107A9-90C0-F046-BD7A-D1958FDE702C}" v="75" dt="2025-03-10T18:40:31.694"/>
   </p1510:revLst>
 </p1510:revInfo>
 </file>
@@ -145,17 +148,41 @@
 <pc:chgInfo xmlns:a="http://schemas.openxmlformats.org/drawingml/2006/main" xmlns:r="http://schemas.openxmlformats.org/officeDocument/2006/relationships" xmlns:ac="http://schemas.microsoft.com/office/drawing/2013/main/command" xmlns:pc="http://schemas.microsoft.com/office/powerpoint/2013/main/command">
   <pc:docChgLst>
     <pc:chgData name="Hatice Sennur Demir" userId="f27ac27a-1382-48c4-9d5e-ecc1551422d3" providerId="ADAL" clId="{DF8107A9-90C0-F046-BD7A-D1958FDE702C}"/>
-    <pc:docChg chg="undo custSel addSld modSld">
-      <pc:chgData name="Hatice Sennur Demir" userId="f27ac27a-1382-48c4-9d5e-ecc1551422d3" providerId="ADAL" clId="{DF8107A9-90C0-F046-BD7A-D1958FDE702C}" dt="2025-03-10T18:17:15.810" v="93"/>
+    <pc:docChg chg="undo custSel addSld modSld sldOrd">
+      <pc:chgData name="Hatice Sennur Demir" userId="f27ac27a-1382-48c4-9d5e-ecc1551422d3" providerId="ADAL" clId="{DF8107A9-90C0-F046-BD7A-D1958FDE702C}" dt="2025-03-10T18:41:47.357" v="199" actId="26606"/>
       <pc:docMkLst>
         <pc:docMk/>
       </pc:docMkLst>
-      <pc:sldChg chg="delSp delDesignElem">
-        <pc:chgData name="Hatice Sennur Demir" userId="f27ac27a-1382-48c4-9d5e-ecc1551422d3" providerId="ADAL" clId="{DF8107A9-90C0-F046-BD7A-D1958FDE702C}" dt="2025-03-10T18:07:21.211" v="11"/>
+      <pc:sldChg chg="addSp delSp modSp mod delDesignElem">
+        <pc:chgData name="Hatice Sennur Demir" userId="f27ac27a-1382-48c4-9d5e-ecc1551422d3" providerId="ADAL" clId="{DF8107A9-90C0-F046-BD7A-D1958FDE702C}" dt="2025-03-10T18:40:41.524" v="188" actId="26606"/>
         <pc:sldMkLst>
           <pc:docMk/>
           <pc:sldMk cId="0" sldId="258"/>
         </pc:sldMkLst>
+        <pc:spChg chg="mod">
+          <ac:chgData name="Hatice Sennur Demir" userId="f27ac27a-1382-48c4-9d5e-ecc1551422d3" providerId="ADAL" clId="{DF8107A9-90C0-F046-BD7A-D1958FDE702C}" dt="2025-03-10T18:40:41.524" v="188" actId="26606"/>
+          <ac:spMkLst>
+            <pc:docMk/>
+            <pc:sldMk cId="0" sldId="258"/>
+            <ac:spMk id="2" creationId="{00000000-0000-0000-0000-000000000000}"/>
+          </ac:spMkLst>
+        </pc:spChg>
+        <pc:spChg chg="add">
+          <ac:chgData name="Hatice Sennur Demir" userId="f27ac27a-1382-48c4-9d5e-ecc1551422d3" providerId="ADAL" clId="{DF8107A9-90C0-F046-BD7A-D1958FDE702C}" dt="2025-03-10T18:40:41.524" v="188" actId="26606"/>
+          <ac:spMkLst>
+            <pc:docMk/>
+            <pc:sldMk cId="0" sldId="258"/>
+            <ac:spMk id="7" creationId="{6A166780-9337-4437-95D3-5EA9D55AAAC5}"/>
+          </ac:spMkLst>
+        </pc:spChg>
+        <pc:spChg chg="add">
+          <ac:chgData name="Hatice Sennur Demir" userId="f27ac27a-1382-48c4-9d5e-ecc1551422d3" providerId="ADAL" clId="{DF8107A9-90C0-F046-BD7A-D1958FDE702C}" dt="2025-03-10T18:40:41.524" v="188" actId="26606"/>
+          <ac:spMkLst>
+            <pc:docMk/>
+            <pc:sldMk cId="0" sldId="258"/>
+            <ac:spMk id="8" creationId="{EB3D0F40-BF1F-4120-945D-90C5AAD6E35A}"/>
+          </ac:spMkLst>
+        </pc:spChg>
         <pc:spChg chg="del">
           <ac:chgData name="Hatice Sennur Demir" userId="f27ac27a-1382-48c4-9d5e-ecc1551422d3" providerId="ADAL" clId="{DF8107A9-90C0-F046-BD7A-D1958FDE702C}" dt="2025-03-10T18:07:21.211" v="11"/>
           <ac:spMkLst>
@@ -172,13 +199,45 @@
             <ac:spMk id="12" creationId="{B2F64C47-BE0B-4DA4-A62F-C6922DD2082F}"/>
           </ac:spMkLst>
         </pc:spChg>
+        <pc:spChg chg="add">
+          <ac:chgData name="Hatice Sennur Demir" userId="f27ac27a-1382-48c4-9d5e-ecc1551422d3" providerId="ADAL" clId="{DF8107A9-90C0-F046-BD7A-D1958FDE702C}" dt="2025-03-10T18:40:41.524" v="188" actId="26606"/>
+          <ac:spMkLst>
+            <pc:docMk/>
+            <pc:sldMk cId="0" sldId="258"/>
+            <ac:spMk id="16" creationId="{66F4F323-644B-4A47-97E9-BFB73840F402}"/>
+          </ac:spMkLst>
+        </pc:spChg>
+        <pc:graphicFrameChg chg="mod modGraphic">
+          <ac:chgData name="Hatice Sennur Demir" userId="f27ac27a-1382-48c4-9d5e-ecc1551422d3" providerId="ADAL" clId="{DF8107A9-90C0-F046-BD7A-D1958FDE702C}" dt="2025-03-10T18:40:41.524" v="188" actId="26606"/>
+          <ac:graphicFrameMkLst>
+            <pc:docMk/>
+            <pc:sldMk cId="0" sldId="258"/>
+            <ac:graphicFrameMk id="5" creationId="{94736FE7-F4A8-2559-C4A8-A093F892E6CB}"/>
+          </ac:graphicFrameMkLst>
+        </pc:graphicFrameChg>
+        <pc:picChg chg="add">
+          <ac:chgData name="Hatice Sennur Demir" userId="f27ac27a-1382-48c4-9d5e-ecc1551422d3" providerId="ADAL" clId="{DF8107A9-90C0-F046-BD7A-D1958FDE702C}" dt="2025-03-10T18:40:41.524" v="188" actId="26606"/>
+          <ac:picMkLst>
+            <pc:docMk/>
+            <pc:sldMk cId="0" sldId="258"/>
+            <ac:picMk id="14" creationId="{15640A69-3748-450C-8DDB-B2051AC04BC7}"/>
+          </ac:picMkLst>
+        </pc:picChg>
       </pc:sldChg>
-      <pc:sldChg chg="delSp delDesignElem">
-        <pc:chgData name="Hatice Sennur Demir" userId="f27ac27a-1382-48c4-9d5e-ecc1551422d3" providerId="ADAL" clId="{DF8107A9-90C0-F046-BD7A-D1958FDE702C}" dt="2025-03-10T18:07:21.211" v="11"/>
+      <pc:sldChg chg="delSp modSp mod setBg setClrOvrMap delDesignElem">
+        <pc:chgData name="Hatice Sennur Demir" userId="f27ac27a-1382-48c4-9d5e-ecc1551422d3" providerId="ADAL" clId="{DF8107A9-90C0-F046-BD7A-D1958FDE702C}" dt="2025-03-10T18:40:35.257" v="187" actId="26606"/>
         <pc:sldMkLst>
           <pc:docMk/>
           <pc:sldMk cId="0" sldId="259"/>
         </pc:sldMkLst>
+        <pc:spChg chg="mod">
+          <ac:chgData name="Hatice Sennur Demir" userId="f27ac27a-1382-48c4-9d5e-ecc1551422d3" providerId="ADAL" clId="{DF8107A9-90C0-F046-BD7A-D1958FDE702C}" dt="2025-03-10T18:40:35.257" v="187" actId="26606"/>
+          <ac:spMkLst>
+            <pc:docMk/>
+            <pc:sldMk cId="0" sldId="259"/>
+            <ac:spMk id="2" creationId="{00000000-0000-0000-0000-000000000000}"/>
+          </ac:spMkLst>
+        </pc:spChg>
         <pc:spChg chg="del">
           <ac:chgData name="Hatice Sennur Demir" userId="f27ac27a-1382-48c4-9d5e-ecc1551422d3" providerId="ADAL" clId="{DF8107A9-90C0-F046-BD7A-D1958FDE702C}" dt="2025-03-10T18:07:21.211" v="11"/>
           <ac:spMkLst>
@@ -203,6 +262,14 @@
             <ac:spMk id="16" creationId="{61D03B64-A2F8-4473-8457-9A6A36B67B89}"/>
           </ac:spMkLst>
         </pc:spChg>
+        <pc:graphicFrameChg chg="mod modGraphic">
+          <ac:chgData name="Hatice Sennur Demir" userId="f27ac27a-1382-48c4-9d5e-ecc1551422d3" providerId="ADAL" clId="{DF8107A9-90C0-F046-BD7A-D1958FDE702C}" dt="2025-03-10T18:40:35.257" v="187" actId="26606"/>
+          <ac:graphicFrameMkLst>
+            <pc:docMk/>
+            <pc:sldMk cId="0" sldId="259"/>
+            <ac:graphicFrameMk id="7" creationId="{25787DA9-DCE5-98CF-A5BB-583D833822DE}"/>
+          </ac:graphicFrameMkLst>
+        </pc:graphicFrameChg>
         <pc:picChg chg="del">
           <ac:chgData name="Hatice Sennur Demir" userId="f27ac27a-1382-48c4-9d5e-ecc1551422d3" providerId="ADAL" clId="{DF8107A9-90C0-F046-BD7A-D1958FDE702C}" dt="2025-03-10T18:07:21.211" v="11"/>
           <ac:picMkLst>
@@ -212,12 +279,36 @@
           </ac:picMkLst>
         </pc:picChg>
       </pc:sldChg>
-      <pc:sldChg chg="delSp delDesignElem">
-        <pc:chgData name="Hatice Sennur Demir" userId="f27ac27a-1382-48c4-9d5e-ecc1551422d3" providerId="ADAL" clId="{DF8107A9-90C0-F046-BD7A-D1958FDE702C}" dt="2025-03-10T18:07:21.211" v="11"/>
+      <pc:sldChg chg="addSp delSp modSp mod setClrOvrMap delDesignElem">
+        <pc:chgData name="Hatice Sennur Demir" userId="f27ac27a-1382-48c4-9d5e-ecc1551422d3" providerId="ADAL" clId="{DF8107A9-90C0-F046-BD7A-D1958FDE702C}" dt="2025-03-10T18:40:56.694" v="191" actId="26606"/>
         <pc:sldMkLst>
           <pc:docMk/>
           <pc:sldMk cId="0" sldId="260"/>
         </pc:sldMkLst>
+        <pc:spChg chg="mod">
+          <ac:chgData name="Hatice Sennur Demir" userId="f27ac27a-1382-48c4-9d5e-ecc1551422d3" providerId="ADAL" clId="{DF8107A9-90C0-F046-BD7A-D1958FDE702C}" dt="2025-03-10T18:40:56.690" v="190" actId="26606"/>
+          <ac:spMkLst>
+            <pc:docMk/>
+            <pc:sldMk cId="0" sldId="260"/>
+            <ac:spMk id="2" creationId="{00000000-0000-0000-0000-000000000000}"/>
+          </ac:spMkLst>
+        </pc:spChg>
+        <pc:spChg chg="mod">
+          <ac:chgData name="Hatice Sennur Demir" userId="f27ac27a-1382-48c4-9d5e-ecc1551422d3" providerId="ADAL" clId="{DF8107A9-90C0-F046-BD7A-D1958FDE702C}" dt="2025-03-10T18:40:56.690" v="190" actId="26606"/>
+          <ac:spMkLst>
+            <pc:docMk/>
+            <pc:sldMk cId="0" sldId="260"/>
+            <ac:spMk id="3" creationId="{00000000-0000-0000-0000-000000000000}"/>
+          </ac:spMkLst>
+        </pc:spChg>
+        <pc:spChg chg="add del">
+          <ac:chgData name="Hatice Sennur Demir" userId="f27ac27a-1382-48c4-9d5e-ecc1551422d3" providerId="ADAL" clId="{DF8107A9-90C0-F046-BD7A-D1958FDE702C}" dt="2025-03-10T18:40:56.690" v="190" actId="26606"/>
+          <ac:spMkLst>
+            <pc:docMk/>
+            <pc:sldMk cId="0" sldId="260"/>
+            <ac:spMk id="5" creationId="{C1709A45-C6F3-4CEE-AA0F-887FAC5CAE7D}"/>
+          </ac:spMkLst>
+        </pc:spChg>
         <pc:spChg chg="del">
           <ac:chgData name="Hatice Sennur Demir" userId="f27ac27a-1382-48c4-9d5e-ecc1551422d3" providerId="ADAL" clId="{DF8107A9-90C0-F046-BD7A-D1958FDE702C}" dt="2025-03-10T18:07:21.211" v="11"/>
           <ac:spMkLst>
@@ -226,15 +317,31 @@
             <ac:spMk id="8" creationId="{54309F57-B331-41A7-9154-15EC2AF45A60}"/>
           </ac:spMkLst>
         </pc:spChg>
+        <pc:spChg chg="add">
+          <ac:chgData name="Hatice Sennur Demir" userId="f27ac27a-1382-48c4-9d5e-ecc1551422d3" providerId="ADAL" clId="{DF8107A9-90C0-F046-BD7A-D1958FDE702C}" dt="2025-03-10T18:40:56.694" v="191" actId="26606"/>
+          <ac:spMkLst>
+            <pc:docMk/>
+            <pc:sldMk cId="0" sldId="260"/>
+            <ac:spMk id="12" creationId="{54309F57-B331-41A7-9154-15EC2AF45A60}"/>
+          </ac:spMkLst>
+        </pc:spChg>
+        <pc:cxnChg chg="add del">
+          <ac:chgData name="Hatice Sennur Demir" userId="f27ac27a-1382-48c4-9d5e-ecc1551422d3" providerId="ADAL" clId="{DF8107A9-90C0-F046-BD7A-D1958FDE702C}" dt="2025-03-10T18:40:56.690" v="190" actId="26606"/>
+          <ac:cxnSpMkLst>
+            <pc:docMk/>
+            <pc:sldMk cId="0" sldId="260"/>
+            <ac:cxnSpMk id="10" creationId="{26E963D7-0A73-484A-B8A2-DDBFEA123C2F}"/>
+          </ac:cxnSpMkLst>
+        </pc:cxnChg>
       </pc:sldChg>
       <pc:sldChg chg="modSp">
-        <pc:chgData name="Hatice Sennur Demir" userId="f27ac27a-1382-48c4-9d5e-ecc1551422d3" providerId="ADAL" clId="{DF8107A9-90C0-F046-BD7A-D1958FDE702C}" dt="2025-03-10T18:11:45.677" v="26"/>
+        <pc:chgData name="Hatice Sennur Demir" userId="f27ac27a-1382-48c4-9d5e-ecc1551422d3" providerId="ADAL" clId="{DF8107A9-90C0-F046-BD7A-D1958FDE702C}" dt="2025-03-10T18:40:31.694" v="186"/>
         <pc:sldMkLst>
           <pc:docMk/>
           <pc:sldMk cId="0" sldId="262"/>
         </pc:sldMkLst>
         <pc:spChg chg="mod">
-          <ac:chgData name="Hatice Sennur Demir" userId="f27ac27a-1382-48c4-9d5e-ecc1551422d3" providerId="ADAL" clId="{DF8107A9-90C0-F046-BD7A-D1958FDE702C}" dt="2025-03-10T18:11:45.677" v="26"/>
+          <ac:chgData name="Hatice Sennur Demir" userId="f27ac27a-1382-48c4-9d5e-ecc1551422d3" providerId="ADAL" clId="{DF8107A9-90C0-F046-BD7A-D1958FDE702C}" dt="2025-03-10T18:40:31.694" v="186"/>
           <ac:spMkLst>
             <pc:docMk/>
             <pc:sldMk cId="0" sldId="262"/>
@@ -242,7 +349,7 @@
           </ac:spMkLst>
         </pc:spChg>
         <pc:graphicFrameChg chg="mod">
-          <ac:chgData name="Hatice Sennur Demir" userId="f27ac27a-1382-48c4-9d5e-ecc1551422d3" providerId="ADAL" clId="{DF8107A9-90C0-F046-BD7A-D1958FDE702C}" dt="2025-03-10T18:07:21.211" v="11"/>
+          <ac:chgData name="Hatice Sennur Demir" userId="f27ac27a-1382-48c4-9d5e-ecc1551422d3" providerId="ADAL" clId="{DF8107A9-90C0-F046-BD7A-D1958FDE702C}" dt="2025-03-10T18:40:31.694" v="186"/>
           <ac:graphicFrameMkLst>
             <pc:docMk/>
             <pc:sldMk cId="0" sldId="262"/>
@@ -250,14 +357,14 @@
           </ac:graphicFrameMkLst>
         </pc:graphicFrameChg>
       </pc:sldChg>
-      <pc:sldChg chg="modSp">
-        <pc:chgData name="Hatice Sennur Demir" userId="f27ac27a-1382-48c4-9d5e-ecc1551422d3" providerId="ADAL" clId="{DF8107A9-90C0-F046-BD7A-D1958FDE702C}" dt="2025-03-10T18:11:45.677" v="26"/>
+      <pc:sldChg chg="addSp delSp modSp mod ord setBg">
+        <pc:chgData name="Hatice Sennur Demir" userId="f27ac27a-1382-48c4-9d5e-ecc1551422d3" providerId="ADAL" clId="{DF8107A9-90C0-F046-BD7A-D1958FDE702C}" dt="2025-03-10T18:41:47.357" v="199" actId="26606"/>
         <pc:sldMkLst>
           <pc:docMk/>
           <pc:sldMk cId="0" sldId="263"/>
         </pc:sldMkLst>
         <pc:spChg chg="mod">
-          <ac:chgData name="Hatice Sennur Demir" userId="f27ac27a-1382-48c4-9d5e-ecc1551422d3" providerId="ADAL" clId="{DF8107A9-90C0-F046-BD7A-D1958FDE702C}" dt="2025-03-10T18:11:45.677" v="26"/>
+          <ac:chgData name="Hatice Sennur Demir" userId="f27ac27a-1382-48c4-9d5e-ecc1551422d3" providerId="ADAL" clId="{DF8107A9-90C0-F046-BD7A-D1958FDE702C}" dt="2025-03-10T18:41:47.357" v="199" actId="26606"/>
           <ac:spMkLst>
             <pc:docMk/>
             <pc:sldMk cId="0" sldId="263"/>
@@ -265,22 +372,54 @@
           </ac:spMkLst>
         </pc:spChg>
         <pc:spChg chg="mod">
-          <ac:chgData name="Hatice Sennur Demir" userId="f27ac27a-1382-48c4-9d5e-ecc1551422d3" providerId="ADAL" clId="{DF8107A9-90C0-F046-BD7A-D1958FDE702C}" dt="2025-03-10T18:11:45.677" v="26"/>
+          <ac:chgData name="Hatice Sennur Demir" userId="f27ac27a-1382-48c4-9d5e-ecc1551422d3" providerId="ADAL" clId="{DF8107A9-90C0-F046-BD7A-D1958FDE702C}" dt="2025-03-10T18:41:47.357" v="199" actId="26606"/>
           <ac:spMkLst>
             <pc:docMk/>
             <pc:sldMk cId="0" sldId="263"/>
             <ac:spMk id="3" creationId="{00000000-0000-0000-0000-000000000000}"/>
           </ac:spMkLst>
         </pc:spChg>
+        <pc:spChg chg="add del">
+          <ac:chgData name="Hatice Sennur Demir" userId="f27ac27a-1382-48c4-9d5e-ecc1551422d3" providerId="ADAL" clId="{DF8107A9-90C0-F046-BD7A-D1958FDE702C}" dt="2025-03-10T18:41:47.334" v="198" actId="26606"/>
+          <ac:spMkLst>
+            <pc:docMk/>
+            <pc:sldMk cId="0" sldId="263"/>
+            <ac:spMk id="8" creationId="{058E2874-C2DD-423B-8BAD-6F0EF6FB29D0}"/>
+          </ac:spMkLst>
+        </pc:spChg>
+        <pc:spChg chg="add">
+          <ac:chgData name="Hatice Sennur Demir" userId="f27ac27a-1382-48c4-9d5e-ecc1551422d3" providerId="ADAL" clId="{DF8107A9-90C0-F046-BD7A-D1958FDE702C}" dt="2025-03-10T18:41:47.357" v="199" actId="26606"/>
+          <ac:spMkLst>
+            <pc:docMk/>
+            <pc:sldMk cId="0" sldId="263"/>
+            <ac:spMk id="11" creationId="{50E53EDA-3B94-4F6B-9E86-D3BB9EBB9616}"/>
+          </ac:spMkLst>
+        </pc:spChg>
+        <pc:picChg chg="add del">
+          <ac:chgData name="Hatice Sennur Demir" userId="f27ac27a-1382-48c4-9d5e-ecc1551422d3" providerId="ADAL" clId="{DF8107A9-90C0-F046-BD7A-D1958FDE702C}" dt="2025-03-10T18:41:44.084" v="196" actId="26606"/>
+          <ac:picMkLst>
+            <pc:docMk/>
+            <pc:sldMk cId="0" sldId="263"/>
+            <ac:picMk id="5" creationId="{D905EEAC-5869-F1D1-3007-793F812D8EDB}"/>
+          </ac:picMkLst>
+        </pc:picChg>
+        <pc:cxnChg chg="add">
+          <ac:chgData name="Hatice Sennur Demir" userId="f27ac27a-1382-48c4-9d5e-ecc1551422d3" providerId="ADAL" clId="{DF8107A9-90C0-F046-BD7A-D1958FDE702C}" dt="2025-03-10T18:41:47.357" v="199" actId="26606"/>
+          <ac:cxnSpMkLst>
+            <pc:docMk/>
+            <pc:sldMk cId="0" sldId="263"/>
+            <ac:cxnSpMk id="10" creationId="{30EFD79F-7790-479B-B7DB-BD0D8C101DDD}"/>
+          </ac:cxnSpMkLst>
+        </pc:cxnChg>
       </pc:sldChg>
       <pc:sldChg chg="addSp delSp modSp mod">
-        <pc:chgData name="Hatice Sennur Demir" userId="f27ac27a-1382-48c4-9d5e-ecc1551422d3" providerId="ADAL" clId="{DF8107A9-90C0-F046-BD7A-D1958FDE702C}" dt="2025-03-10T18:17:15.810" v="93"/>
+        <pc:chgData name="Hatice Sennur Demir" userId="f27ac27a-1382-48c4-9d5e-ecc1551422d3" providerId="ADAL" clId="{DF8107A9-90C0-F046-BD7A-D1958FDE702C}" dt="2025-03-10T18:40:31.694" v="186"/>
         <pc:sldMkLst>
           <pc:docMk/>
           <pc:sldMk cId="0" sldId="264"/>
         </pc:sldMkLst>
         <pc:spChg chg="mod">
-          <ac:chgData name="Hatice Sennur Demir" userId="f27ac27a-1382-48c4-9d5e-ecc1551422d3" providerId="ADAL" clId="{DF8107A9-90C0-F046-BD7A-D1958FDE702C}" dt="2025-03-10T18:11:45.677" v="26"/>
+          <ac:chgData name="Hatice Sennur Demir" userId="f27ac27a-1382-48c4-9d5e-ecc1551422d3" providerId="ADAL" clId="{DF8107A9-90C0-F046-BD7A-D1958FDE702C}" dt="2025-03-10T18:40:31.694" v="186"/>
           <ac:spMkLst>
             <pc:docMk/>
             <pc:sldMk cId="0" sldId="264"/>
@@ -359,6 +498,131 @@
           </ac:cxnSpMkLst>
         </pc:cxnChg>
       </pc:sldChg>
+      <pc:sldChg chg="addSp delSp modSp new mod">
+        <pc:chgData name="Hatice Sennur Demir" userId="f27ac27a-1382-48c4-9d5e-ecc1551422d3" providerId="ADAL" clId="{DF8107A9-90C0-F046-BD7A-D1958FDE702C}" dt="2025-03-10T18:40:31.694" v="186"/>
+        <pc:sldMkLst>
+          <pc:docMk/>
+          <pc:sldMk cId="4251740519" sldId="267"/>
+        </pc:sldMkLst>
+        <pc:spChg chg="mod">
+          <ac:chgData name="Hatice Sennur Demir" userId="f27ac27a-1382-48c4-9d5e-ecc1551422d3" providerId="ADAL" clId="{DF8107A9-90C0-F046-BD7A-D1958FDE702C}" dt="2025-03-10T18:40:31.694" v="186"/>
+          <ac:spMkLst>
+            <pc:docMk/>
+            <pc:sldMk cId="4251740519" sldId="267"/>
+            <ac:spMk id="2" creationId="{4929B292-15F6-D85C-BEB5-7FAC9FDD847D}"/>
+          </ac:spMkLst>
+        </pc:spChg>
+        <pc:spChg chg="del">
+          <ac:chgData name="Hatice Sennur Demir" userId="f27ac27a-1382-48c4-9d5e-ecc1551422d3" providerId="ADAL" clId="{DF8107A9-90C0-F046-BD7A-D1958FDE702C}" dt="2025-03-10T18:34:55.003" v="132" actId="931"/>
+          <ac:spMkLst>
+            <pc:docMk/>
+            <pc:sldMk cId="4251740519" sldId="267"/>
+            <ac:spMk id="3" creationId="{42645D4F-3EBF-1AD0-9486-3742726B2243}"/>
+          </ac:spMkLst>
+        </pc:spChg>
+        <pc:picChg chg="add mod">
+          <ac:chgData name="Hatice Sennur Demir" userId="f27ac27a-1382-48c4-9d5e-ecc1551422d3" providerId="ADAL" clId="{DF8107A9-90C0-F046-BD7A-D1958FDE702C}" dt="2025-03-10T18:40:31.694" v="186"/>
+          <ac:picMkLst>
+            <pc:docMk/>
+            <pc:sldMk cId="4251740519" sldId="267"/>
+            <ac:picMk id="5" creationId="{A4191299-F543-AD05-1AC0-3FEFFD6AE00D}"/>
+          </ac:picMkLst>
+        </pc:picChg>
+      </pc:sldChg>
+      <pc:sldChg chg="addSp delSp modSp new mod">
+        <pc:chgData name="Hatice Sennur Demir" userId="f27ac27a-1382-48c4-9d5e-ecc1551422d3" providerId="ADAL" clId="{DF8107A9-90C0-F046-BD7A-D1958FDE702C}" dt="2025-03-10T18:41:18.341" v="193" actId="14100"/>
+        <pc:sldMkLst>
+          <pc:docMk/>
+          <pc:sldMk cId="1013122552" sldId="268"/>
+        </pc:sldMkLst>
+        <pc:spChg chg="mod">
+          <ac:chgData name="Hatice Sennur Demir" userId="f27ac27a-1382-48c4-9d5e-ecc1551422d3" providerId="ADAL" clId="{DF8107A9-90C0-F046-BD7A-D1958FDE702C}" dt="2025-03-10T18:35:44.591" v="159" actId="14100"/>
+          <ac:spMkLst>
+            <pc:docMk/>
+            <pc:sldMk cId="1013122552" sldId="268"/>
+            <ac:spMk id="2" creationId="{48250AAF-A39A-DE69-9132-B705E0F0DB0D}"/>
+          </ac:spMkLst>
+        </pc:spChg>
+        <pc:spChg chg="del">
+          <ac:chgData name="Hatice Sennur Demir" userId="f27ac27a-1382-48c4-9d5e-ecc1551422d3" providerId="ADAL" clId="{DF8107A9-90C0-F046-BD7A-D1958FDE702C}" dt="2025-03-10T18:35:35.058" v="155" actId="931"/>
+          <ac:spMkLst>
+            <pc:docMk/>
+            <pc:sldMk cId="1013122552" sldId="268"/>
+            <ac:spMk id="3" creationId="{B17E0599-ABDA-E279-DF02-6B267F099C7E}"/>
+          </ac:spMkLst>
+        </pc:spChg>
+        <pc:picChg chg="add mod">
+          <ac:chgData name="Hatice Sennur Demir" userId="f27ac27a-1382-48c4-9d5e-ecc1551422d3" providerId="ADAL" clId="{DF8107A9-90C0-F046-BD7A-D1958FDE702C}" dt="2025-03-10T18:41:18.341" v="193" actId="14100"/>
+          <ac:picMkLst>
+            <pc:docMk/>
+            <pc:sldMk cId="1013122552" sldId="268"/>
+            <ac:picMk id="5" creationId="{C75B3EA1-5214-2E55-42C4-06D80BB07A20}"/>
+          </ac:picMkLst>
+        </pc:picChg>
+      </pc:sldChg>
+      <pc:sldChg chg="addSp delSp modSp new mod">
+        <pc:chgData name="Hatice Sennur Demir" userId="f27ac27a-1382-48c4-9d5e-ecc1551422d3" providerId="ADAL" clId="{DF8107A9-90C0-F046-BD7A-D1958FDE702C}" dt="2025-03-10T18:41:24.542" v="194" actId="14100"/>
+        <pc:sldMkLst>
+          <pc:docMk/>
+          <pc:sldMk cId="1401180299" sldId="269"/>
+        </pc:sldMkLst>
+        <pc:spChg chg="mod">
+          <ac:chgData name="Hatice Sennur Demir" userId="f27ac27a-1382-48c4-9d5e-ecc1551422d3" providerId="ADAL" clId="{DF8107A9-90C0-F046-BD7A-D1958FDE702C}" dt="2025-03-10T18:40:31.694" v="186"/>
+          <ac:spMkLst>
+            <pc:docMk/>
+            <pc:sldMk cId="1401180299" sldId="269"/>
+            <ac:spMk id="2" creationId="{7F2D1783-0AFF-4E73-5FC7-EA9FB8A1C3FD}"/>
+          </ac:spMkLst>
+        </pc:spChg>
+        <pc:spChg chg="del">
+          <ac:chgData name="Hatice Sennur Demir" userId="f27ac27a-1382-48c4-9d5e-ecc1551422d3" providerId="ADAL" clId="{DF8107A9-90C0-F046-BD7A-D1958FDE702C}" dt="2025-03-10T18:36:26.820" v="169" actId="931"/>
+          <ac:spMkLst>
+            <pc:docMk/>
+            <pc:sldMk cId="1401180299" sldId="269"/>
+            <ac:spMk id="3" creationId="{84B7541E-E726-89FF-5FF4-43FB05FBAAC4}"/>
+          </ac:spMkLst>
+        </pc:spChg>
+        <pc:spChg chg="add del mod">
+          <ac:chgData name="Hatice Sennur Demir" userId="f27ac27a-1382-48c4-9d5e-ecc1551422d3" providerId="ADAL" clId="{DF8107A9-90C0-F046-BD7A-D1958FDE702C}" dt="2025-03-10T18:37:35.658" v="178"/>
+          <ac:spMkLst>
+            <pc:docMk/>
+            <pc:sldMk cId="1401180299" sldId="269"/>
+            <ac:spMk id="7" creationId="{138638B7-DC78-BBB7-4376-1AF1BAC0D633}"/>
+          </ac:spMkLst>
+        </pc:spChg>
+        <pc:spChg chg="add del mod">
+          <ac:chgData name="Hatice Sennur Demir" userId="f27ac27a-1382-48c4-9d5e-ecc1551422d3" providerId="ADAL" clId="{DF8107A9-90C0-F046-BD7A-D1958FDE702C}" dt="2025-03-10T18:38:21.793" v="180" actId="931"/>
+          <ac:spMkLst>
+            <pc:docMk/>
+            <pc:sldMk cId="1401180299" sldId="269"/>
+            <ac:spMk id="10" creationId="{F1597422-C5CE-137D-7216-1C7DD07AE93E}"/>
+          </ac:spMkLst>
+        </pc:spChg>
+        <pc:picChg chg="add del mod modCrop">
+          <ac:chgData name="Hatice Sennur Demir" userId="f27ac27a-1382-48c4-9d5e-ecc1551422d3" providerId="ADAL" clId="{DF8107A9-90C0-F046-BD7A-D1958FDE702C}" dt="2025-03-10T18:37:04.117" v="177" actId="21"/>
+          <ac:picMkLst>
+            <pc:docMk/>
+            <pc:sldMk cId="1401180299" sldId="269"/>
+            <ac:picMk id="5" creationId="{58F27814-8F72-F53B-323E-CAFB11D2780A}"/>
+          </ac:picMkLst>
+        </pc:picChg>
+        <pc:picChg chg="add del mod">
+          <ac:chgData name="Hatice Sennur Demir" userId="f27ac27a-1382-48c4-9d5e-ecc1551422d3" providerId="ADAL" clId="{DF8107A9-90C0-F046-BD7A-D1958FDE702C}" dt="2025-03-10T18:37:38.918" v="179" actId="21"/>
+          <ac:picMkLst>
+            <pc:docMk/>
+            <pc:sldMk cId="1401180299" sldId="269"/>
+            <ac:picMk id="8" creationId="{BCC8D733-3E2B-9CBA-5535-F1045BD34F1B}"/>
+          </ac:picMkLst>
+        </pc:picChg>
+        <pc:picChg chg="add mod">
+          <ac:chgData name="Hatice Sennur Demir" userId="f27ac27a-1382-48c4-9d5e-ecc1551422d3" providerId="ADAL" clId="{DF8107A9-90C0-F046-BD7A-D1958FDE702C}" dt="2025-03-10T18:41:24.542" v="194" actId="14100"/>
+          <ac:picMkLst>
+            <pc:docMk/>
+            <pc:sldMk cId="1401180299" sldId="269"/>
+            <ac:picMk id="12" creationId="{C7C0A604-68B3-A17E-5126-00E3EF84B9EC}"/>
+          </ac:picMkLst>
+        </pc:picChg>
+      </pc:sldChg>
     </pc:docChg>
   </pc:docChgLst>
 </pc:chgInfo>
@@ -1149,788 +1413,6 @@
 </file>
 
 <file path=ppt/diagrams/colors2.xml><?xml version="1.0" encoding="utf-8"?>
-<dgm:colorsDef xmlns:dgm="http://schemas.openxmlformats.org/drawingml/2006/diagram" xmlns:a="http://schemas.openxmlformats.org/drawingml/2006/main" uniqueId="urn:microsoft.com/office/officeart/2005/8/colors/colorful2">
-  <dgm:title val=""/>
-  <dgm:desc val=""/>
-  <dgm:catLst>
-    <dgm:cat type="colorful" pri="10200"/>
-  </dgm:catLst>
-  <dgm:styleLbl name="node0">
-    <dgm:fillClrLst meth="repeat">
-      <a:schemeClr val="accent1"/>
-    </dgm:fillClrLst>
-    <dgm:linClrLst meth="repeat">
-      <a:schemeClr val="lt1"/>
-    </dgm:linClrLst>
-    <dgm:effectClrLst/>
-    <dgm:txLinClrLst/>
-    <dgm:txFillClrLst/>
-    <dgm:txEffectClrLst/>
-  </dgm:styleLbl>
-  <dgm:styleLbl name="node1">
-    <dgm:fillClrLst>
-      <a:schemeClr val="accent2"/>
-      <a:schemeClr val="accent3"/>
-    </dgm:fillClrLst>
-    <dgm:linClrLst meth="repeat">
-      <a:schemeClr val="lt1"/>
-    </dgm:linClrLst>
-    <dgm:effectClrLst/>
-    <dgm:txLinClrLst/>
-    <dgm:txFillClrLst/>
-    <dgm:txEffectClrLst/>
-  </dgm:styleLbl>
-  <dgm:styleLbl name="alignNode1">
-    <dgm:fillClrLst>
-      <a:schemeClr val="accent2"/>
-      <a:schemeClr val="accent3"/>
-    </dgm:fillClrLst>
-    <dgm:linClrLst>
-      <a:schemeClr val="accent2"/>
-      <a:schemeClr val="accent3"/>
-    </dgm:linClrLst>
-    <dgm:effectClrLst/>
-    <dgm:txLinClrLst/>
-    <dgm:txFillClrLst/>
-    <dgm:txEffectClrLst/>
-  </dgm:styleLbl>
-  <dgm:styleLbl name="lnNode1">
-    <dgm:fillClrLst>
-      <a:schemeClr val="accent2"/>
-      <a:schemeClr val="accent3"/>
-    </dgm:fillClrLst>
-    <dgm:linClrLst meth="repeat">
-      <a:schemeClr val="lt1"/>
-    </dgm:linClrLst>
-    <dgm:effectClrLst/>
-    <dgm:txLinClrLst/>
-    <dgm:txFillClrLst/>
-    <dgm:txEffectClrLst/>
-  </dgm:styleLbl>
-  <dgm:styleLbl name="vennNode1">
-    <dgm:fillClrLst>
-      <a:schemeClr val="accent2">
-        <a:alpha val="50000"/>
-      </a:schemeClr>
-      <a:schemeClr val="accent3">
-        <a:alpha val="50000"/>
-      </a:schemeClr>
-    </dgm:fillClrLst>
-    <dgm:linClrLst meth="repeat">
-      <a:schemeClr val="lt1"/>
-    </dgm:linClrLst>
-    <dgm:effectClrLst/>
-    <dgm:txLinClrLst/>
-    <dgm:txFillClrLst/>
-    <dgm:txEffectClrLst/>
-  </dgm:styleLbl>
-  <dgm:styleLbl name="node2">
-    <dgm:fillClrLst>
-      <a:schemeClr val="accent3"/>
-    </dgm:fillClrLst>
-    <dgm:linClrLst meth="repeat">
-      <a:schemeClr val="lt1"/>
-    </dgm:linClrLst>
-    <dgm:effectClrLst/>
-    <dgm:txLinClrLst/>
-    <dgm:txFillClrLst/>
-    <dgm:txEffectClrLst/>
-  </dgm:styleLbl>
-  <dgm:styleLbl name="node3">
-    <dgm:fillClrLst>
-      <a:schemeClr val="accent4"/>
-    </dgm:fillClrLst>
-    <dgm:linClrLst meth="repeat">
-      <a:schemeClr val="lt1"/>
-    </dgm:linClrLst>
-    <dgm:effectClrLst/>
-    <dgm:txLinClrLst/>
-    <dgm:txFillClrLst/>
-    <dgm:txEffectClrLst/>
-  </dgm:styleLbl>
-  <dgm:styleLbl name="node4">
-    <dgm:fillClrLst>
-      <a:schemeClr val="accent5"/>
-    </dgm:fillClrLst>
-    <dgm:linClrLst meth="repeat">
-      <a:schemeClr val="lt1"/>
-    </dgm:linClrLst>
-    <dgm:effectClrLst/>
-    <dgm:txLinClrLst/>
-    <dgm:txFillClrLst/>
-    <dgm:txEffectClrLst/>
-  </dgm:styleLbl>
-  <dgm:styleLbl name="fgImgPlace1">
-    <dgm:fillClrLst>
-      <a:schemeClr val="accent2">
-        <a:tint val="50000"/>
-      </a:schemeClr>
-      <a:schemeClr val="accent3">
-        <a:tint val="50000"/>
-      </a:schemeClr>
-    </dgm:fillClrLst>
-    <dgm:linClrLst meth="repeat">
-      <a:schemeClr val="lt1"/>
-    </dgm:linClrLst>
-    <dgm:effectClrLst/>
-    <dgm:txLinClrLst/>
-    <dgm:txFillClrLst meth="repeat">
-      <a:schemeClr val="lt1"/>
-    </dgm:txFillClrLst>
-    <dgm:txEffectClrLst/>
-  </dgm:styleLbl>
-  <dgm:styleLbl name="alignImgPlace1">
-    <dgm:fillClrLst>
-      <a:schemeClr val="accent2">
-        <a:tint val="50000"/>
-      </a:schemeClr>
-      <a:schemeClr val="accent3">
-        <a:tint val="20000"/>
-      </a:schemeClr>
-    </dgm:fillClrLst>
-    <dgm:linClrLst meth="repeat">
-      <a:schemeClr val="lt1"/>
-    </dgm:linClrLst>
-    <dgm:effectClrLst/>
-    <dgm:txLinClrLst/>
-    <dgm:txFillClrLst meth="repeat">
-      <a:schemeClr val="lt1"/>
-    </dgm:txFillClrLst>
-    <dgm:txEffectClrLst/>
-  </dgm:styleLbl>
-  <dgm:styleLbl name="bgImgPlace1">
-    <dgm:fillClrLst>
-      <a:schemeClr val="accent2">
-        <a:tint val="50000"/>
-      </a:schemeClr>
-      <a:schemeClr val="accent3">
-        <a:tint val="20000"/>
-      </a:schemeClr>
-    </dgm:fillClrLst>
-    <dgm:linClrLst meth="repeat">
-      <a:schemeClr val="lt1"/>
-    </dgm:linClrLst>
-    <dgm:effectClrLst/>
-    <dgm:txLinClrLst/>
-    <dgm:txFillClrLst meth="repeat">
-      <a:schemeClr val="lt1"/>
-    </dgm:txFillClrLst>
-    <dgm:txEffectClrLst/>
-  </dgm:styleLbl>
-  <dgm:styleLbl name="sibTrans2D1">
-    <dgm:fillClrLst>
-      <a:schemeClr val="accent2"/>
-      <a:schemeClr val="accent3"/>
-    </dgm:fillClrLst>
-    <dgm:linClrLst meth="repeat">
-      <a:schemeClr val="lt1"/>
-    </dgm:linClrLst>
-    <dgm:effectClrLst/>
-    <dgm:txLinClrLst/>
-    <dgm:txFillClrLst/>
-    <dgm:txEffectClrLst/>
-  </dgm:styleLbl>
-  <dgm:styleLbl name="fgSibTrans2D1">
-    <dgm:fillClrLst>
-      <a:schemeClr val="accent2"/>
-      <a:schemeClr val="accent3"/>
-    </dgm:fillClrLst>
-    <dgm:linClrLst meth="repeat">
-      <a:schemeClr val="lt1"/>
-    </dgm:linClrLst>
-    <dgm:effectClrLst/>
-    <dgm:txLinClrLst/>
-    <dgm:txFillClrLst meth="repeat">
-      <a:schemeClr val="lt1"/>
-    </dgm:txFillClrLst>
-    <dgm:txEffectClrLst/>
-  </dgm:styleLbl>
-  <dgm:styleLbl name="bgSibTrans2D1">
-    <dgm:fillClrLst>
-      <a:schemeClr val="accent2"/>
-      <a:schemeClr val="accent3"/>
-    </dgm:fillClrLst>
-    <dgm:linClrLst meth="repeat">
-      <a:schemeClr val="lt1"/>
-    </dgm:linClrLst>
-    <dgm:effectClrLst/>
-    <dgm:txLinClrLst/>
-    <dgm:txFillClrLst meth="repeat">
-      <a:schemeClr val="lt1"/>
-    </dgm:txFillClrLst>
-    <dgm:txEffectClrLst/>
-  </dgm:styleLbl>
-  <dgm:styleLbl name="sibTrans1D1">
-    <dgm:fillClrLst/>
-    <dgm:linClrLst>
-      <a:schemeClr val="accent2"/>
-      <a:schemeClr val="accent3"/>
-    </dgm:linClrLst>
-    <dgm:effectClrLst/>
-    <dgm:txLinClrLst/>
-    <dgm:txFillClrLst meth="repeat">
-      <a:schemeClr val="tx1"/>
-    </dgm:txFillClrLst>
-    <dgm:txEffectClrLst/>
-  </dgm:styleLbl>
-  <dgm:styleLbl name="callout">
-    <dgm:fillClrLst meth="repeat">
-      <a:schemeClr val="accent2"/>
-    </dgm:fillClrLst>
-    <dgm:linClrLst meth="repeat">
-      <a:schemeClr val="accent2">
-        <a:tint val="50000"/>
-      </a:schemeClr>
-    </dgm:linClrLst>
-    <dgm:effectClrLst/>
-    <dgm:txLinClrLst/>
-    <dgm:txFillClrLst meth="repeat">
-      <a:schemeClr val="tx1"/>
-    </dgm:txFillClrLst>
-    <dgm:txEffectClrLst/>
-  </dgm:styleLbl>
-  <dgm:styleLbl name="asst0">
-    <dgm:fillClrLst meth="repeat">
-      <a:schemeClr val="accent2"/>
-    </dgm:fillClrLst>
-    <dgm:linClrLst meth="repeat">
-      <a:schemeClr val="lt1">
-        <a:shade val="80000"/>
-      </a:schemeClr>
-    </dgm:linClrLst>
-    <dgm:effectClrLst/>
-    <dgm:txLinClrLst/>
-    <dgm:txFillClrLst/>
-    <dgm:txEffectClrLst/>
-  </dgm:styleLbl>
-  <dgm:styleLbl name="asst1">
-    <dgm:fillClrLst meth="repeat">
-      <a:schemeClr val="accent3"/>
-    </dgm:fillClrLst>
-    <dgm:linClrLst meth="repeat">
-      <a:schemeClr val="lt1">
-        <a:shade val="80000"/>
-      </a:schemeClr>
-    </dgm:linClrLst>
-    <dgm:effectClrLst/>
-    <dgm:txLinClrLst/>
-    <dgm:txFillClrLst/>
-    <dgm:txEffectClrLst/>
-  </dgm:styleLbl>
-  <dgm:styleLbl name="asst2">
-    <dgm:fillClrLst>
-      <a:schemeClr val="accent4"/>
-    </dgm:fillClrLst>
-    <dgm:linClrLst meth="repeat">
-      <a:schemeClr val="lt1"/>
-    </dgm:linClrLst>
-    <dgm:effectClrLst/>
-    <dgm:txLinClrLst/>
-    <dgm:txFillClrLst/>
-    <dgm:txEffectClrLst/>
-  </dgm:styleLbl>
-  <dgm:styleLbl name="asst3">
-    <dgm:fillClrLst>
-      <a:schemeClr val="accent5"/>
-    </dgm:fillClrLst>
-    <dgm:linClrLst meth="repeat">
-      <a:schemeClr val="lt1"/>
-    </dgm:linClrLst>
-    <dgm:effectClrLst/>
-    <dgm:txLinClrLst/>
-    <dgm:txFillClrLst/>
-    <dgm:txEffectClrLst/>
-  </dgm:styleLbl>
-  <dgm:styleLbl name="asst4">
-    <dgm:fillClrLst>
-      <a:schemeClr val="accent6"/>
-    </dgm:fillClrLst>
-    <dgm:linClrLst meth="repeat">
-      <a:schemeClr val="lt1"/>
-    </dgm:linClrLst>
-    <dgm:effectClrLst/>
-    <dgm:txLinClrLst/>
-    <dgm:txFillClrLst/>
-    <dgm:txEffectClrLst/>
-  </dgm:styleLbl>
-  <dgm:styleLbl name="parChTrans2D1">
-    <dgm:fillClrLst meth="repeat">
-      <a:schemeClr val="accent2"/>
-    </dgm:fillClrLst>
-    <dgm:linClrLst meth="repeat">
-      <a:schemeClr val="lt1"/>
-    </dgm:linClrLst>
-    <dgm:effectClrLst/>
-    <dgm:txLinClrLst/>
-    <dgm:txFillClrLst meth="repeat">
-      <a:schemeClr val="lt1"/>
-    </dgm:txFillClrLst>
-    <dgm:txEffectClrLst/>
-  </dgm:styleLbl>
-  <dgm:styleLbl name="parChTrans2D2">
-    <dgm:fillClrLst meth="repeat">
-      <a:schemeClr val="accent3"/>
-    </dgm:fillClrLst>
-    <dgm:linClrLst meth="repeat">
-      <a:schemeClr val="lt1"/>
-    </dgm:linClrLst>
-    <dgm:effectClrLst/>
-    <dgm:txLinClrLst/>
-    <dgm:txFillClrLst/>
-    <dgm:txEffectClrLst/>
-  </dgm:styleLbl>
-  <dgm:styleLbl name="parChTrans2D3">
-    <dgm:fillClrLst meth="repeat">
-      <a:schemeClr val="accent4"/>
-    </dgm:fillClrLst>
-    <dgm:linClrLst meth="repeat">
-      <a:schemeClr val="lt1"/>
-    </dgm:linClrLst>
-    <dgm:effectClrLst/>
-    <dgm:txLinClrLst/>
-    <dgm:txFillClrLst/>
-    <dgm:txEffectClrLst/>
-  </dgm:styleLbl>
-  <dgm:styleLbl name="parChTrans2D4">
-    <dgm:fillClrLst meth="repeat">
-      <a:schemeClr val="accent5"/>
-    </dgm:fillClrLst>
-    <dgm:linClrLst meth="repeat">
-      <a:schemeClr val="lt1"/>
-    </dgm:linClrLst>
-    <dgm:effectClrLst/>
-    <dgm:txLinClrLst/>
-    <dgm:txFillClrLst meth="repeat">
-      <a:schemeClr val="lt1"/>
-    </dgm:txFillClrLst>
-    <dgm:txEffectClrLst/>
-  </dgm:styleLbl>
-  <dgm:styleLbl name="parChTrans1D1">
-    <dgm:fillClrLst meth="repeat">
-      <a:schemeClr val="accent2"/>
-    </dgm:fillClrLst>
-    <dgm:linClrLst meth="repeat">
-      <a:schemeClr val="accent2"/>
-    </dgm:linClrLst>
-    <dgm:effectClrLst/>
-    <dgm:txLinClrLst/>
-    <dgm:txFillClrLst meth="repeat">
-      <a:schemeClr val="tx1"/>
-    </dgm:txFillClrLst>
-    <dgm:txEffectClrLst/>
-  </dgm:styleLbl>
-  <dgm:styleLbl name="parChTrans1D2">
-    <dgm:fillClrLst meth="repeat">
-      <a:schemeClr val="accent2">
-        <a:tint val="90000"/>
-      </a:schemeClr>
-    </dgm:fillClrLst>
-    <dgm:linClrLst meth="repeat">
-      <a:schemeClr val="accent3"/>
-    </dgm:linClrLst>
-    <dgm:effectClrLst/>
-    <dgm:txLinClrLst/>
-    <dgm:txFillClrLst meth="repeat">
-      <a:schemeClr val="tx1"/>
-    </dgm:txFillClrLst>
-    <dgm:txEffectClrLst/>
-  </dgm:styleLbl>
-  <dgm:styleLbl name="parChTrans1D3">
-    <dgm:fillClrLst meth="repeat">
-      <a:schemeClr val="accent2">
-        <a:tint val="70000"/>
-      </a:schemeClr>
-    </dgm:fillClrLst>
-    <dgm:linClrLst meth="repeat">
-      <a:schemeClr val="accent4"/>
-    </dgm:linClrLst>
-    <dgm:effectClrLst/>
-    <dgm:txLinClrLst/>
-    <dgm:txFillClrLst meth="repeat">
-      <a:schemeClr val="tx1"/>
-    </dgm:txFillClrLst>
-    <dgm:txEffectClrLst/>
-  </dgm:styleLbl>
-  <dgm:styleLbl name="parChTrans1D4">
-    <dgm:fillClrLst meth="repeat">
-      <a:schemeClr val="accent2">
-        <a:tint val="50000"/>
-      </a:schemeClr>
-    </dgm:fillClrLst>
-    <dgm:linClrLst meth="repeat">
-      <a:schemeClr val="accent5"/>
-    </dgm:linClrLst>
-    <dgm:effectClrLst/>
-    <dgm:txLinClrLst/>
-    <dgm:txFillClrLst meth="repeat">
-      <a:schemeClr val="tx1"/>
-    </dgm:txFillClrLst>
-    <dgm:txEffectClrLst/>
-  </dgm:styleLbl>
-  <dgm:styleLbl name="fgAcc1">
-    <dgm:fillClrLst meth="repeat">
-      <a:schemeClr val="lt1">
-        <a:alpha val="90000"/>
-      </a:schemeClr>
-    </dgm:fillClrLst>
-    <dgm:linClrLst>
-      <a:schemeClr val="accent2"/>
-      <a:schemeClr val="accent3"/>
-    </dgm:linClrLst>
-    <dgm:effectClrLst/>
-    <dgm:txLinClrLst/>
-    <dgm:txFillClrLst meth="repeat">
-      <a:schemeClr val="dk1"/>
-    </dgm:txFillClrLst>
-    <dgm:txEffectClrLst/>
-  </dgm:styleLbl>
-  <dgm:styleLbl name="conFgAcc1">
-    <dgm:fillClrLst meth="repeat">
-      <a:schemeClr val="lt1">
-        <a:alpha val="90000"/>
-      </a:schemeClr>
-    </dgm:fillClrLst>
-    <dgm:linClrLst>
-      <a:schemeClr val="accent2"/>
-      <a:schemeClr val="accent3"/>
-    </dgm:linClrLst>
-    <dgm:effectClrLst/>
-    <dgm:txLinClrLst/>
-    <dgm:txFillClrLst meth="repeat">
-      <a:schemeClr val="dk1"/>
-    </dgm:txFillClrLst>
-    <dgm:txEffectClrLst/>
-  </dgm:styleLbl>
-  <dgm:styleLbl name="alignAcc1">
-    <dgm:fillClrLst meth="repeat">
-      <a:schemeClr val="lt1">
-        <a:alpha val="90000"/>
-      </a:schemeClr>
-    </dgm:fillClrLst>
-    <dgm:linClrLst>
-      <a:schemeClr val="accent2"/>
-      <a:schemeClr val="accent3"/>
-    </dgm:linClrLst>
-    <dgm:effectClrLst/>
-    <dgm:txLinClrLst/>
-    <dgm:txFillClrLst meth="repeat">
-      <a:schemeClr val="dk1"/>
-    </dgm:txFillClrLst>
-    <dgm:txEffectClrLst/>
-  </dgm:styleLbl>
-  <dgm:styleLbl name="trAlignAcc1">
-    <dgm:fillClrLst meth="repeat">
-      <a:schemeClr val="lt1">
-        <a:alpha val="40000"/>
-      </a:schemeClr>
-    </dgm:fillClrLst>
-    <dgm:linClrLst meth="repeat">
-      <a:schemeClr val="accent2"/>
-    </dgm:linClrLst>
-    <dgm:effectClrLst/>
-    <dgm:txLinClrLst/>
-    <dgm:txFillClrLst meth="repeat">
-      <a:schemeClr val="dk1"/>
-    </dgm:txFillClrLst>
-    <dgm:txEffectClrLst/>
-  </dgm:styleLbl>
-  <dgm:styleLbl name="bgAcc1">
-    <dgm:fillClrLst meth="repeat">
-      <a:schemeClr val="lt1">
-        <a:alpha val="90000"/>
-      </a:schemeClr>
-    </dgm:fillClrLst>
-    <dgm:linClrLst>
-      <a:schemeClr val="accent2"/>
-      <a:schemeClr val="accent3"/>
-    </dgm:linClrLst>
-    <dgm:effectClrLst/>
-    <dgm:txLinClrLst/>
-    <dgm:txFillClrLst meth="repeat">
-      <a:schemeClr val="dk1"/>
-    </dgm:txFillClrLst>
-    <dgm:txEffectClrLst/>
-  </dgm:styleLbl>
-  <dgm:styleLbl name="solidFgAcc1">
-    <dgm:fillClrLst meth="repeat">
-      <a:schemeClr val="lt1"/>
-    </dgm:fillClrLst>
-    <dgm:linClrLst>
-      <a:schemeClr val="accent2"/>
-      <a:schemeClr val="accent3"/>
-    </dgm:linClrLst>
-    <dgm:effectClrLst/>
-    <dgm:txLinClrLst/>
-    <dgm:txFillClrLst meth="repeat">
-      <a:schemeClr val="dk1"/>
-    </dgm:txFillClrLst>
-    <dgm:txEffectClrLst/>
-  </dgm:styleLbl>
-  <dgm:styleLbl name="solidAlignAcc1">
-    <dgm:fillClrLst meth="repeat">
-      <a:schemeClr val="lt1"/>
-    </dgm:fillClrLst>
-    <dgm:linClrLst>
-      <a:schemeClr val="accent2"/>
-      <a:schemeClr val="accent3"/>
-    </dgm:linClrLst>
-    <dgm:effectClrLst/>
-    <dgm:txLinClrLst/>
-    <dgm:txFillClrLst meth="repeat">
-      <a:schemeClr val="dk1"/>
-    </dgm:txFillClrLst>
-    <dgm:txEffectClrLst/>
-  </dgm:styleLbl>
-  <dgm:styleLbl name="solidBgAcc1">
-    <dgm:fillClrLst meth="repeat">
-      <a:schemeClr val="lt1"/>
-    </dgm:fillClrLst>
-    <dgm:linClrLst>
-      <a:schemeClr val="accent2"/>
-      <a:schemeClr val="accent3"/>
-    </dgm:linClrLst>
-    <dgm:effectClrLst/>
-    <dgm:txLinClrLst/>
-    <dgm:txFillClrLst meth="repeat">
-      <a:schemeClr val="dk1"/>
-    </dgm:txFillClrLst>
-    <dgm:txEffectClrLst/>
-  </dgm:styleLbl>
-  <dgm:styleLbl name="fgAccFollowNode1">
-    <dgm:fillClrLst>
-      <a:schemeClr val="accent2">
-        <a:tint val="40000"/>
-        <a:alpha val="90000"/>
-      </a:schemeClr>
-      <a:schemeClr val="accent3">
-        <a:tint val="40000"/>
-        <a:alpha val="90000"/>
-      </a:schemeClr>
-    </dgm:fillClrLst>
-    <dgm:linClrLst>
-      <a:schemeClr val="accent2">
-        <a:tint val="40000"/>
-        <a:alpha val="90000"/>
-      </a:schemeClr>
-      <a:schemeClr val="accent3">
-        <a:tint val="40000"/>
-        <a:alpha val="90000"/>
-      </a:schemeClr>
-    </dgm:linClrLst>
-    <dgm:effectClrLst/>
-    <dgm:txLinClrLst/>
-    <dgm:txFillClrLst meth="repeat">
-      <a:schemeClr val="dk1"/>
-    </dgm:txFillClrLst>
-    <dgm:txEffectClrLst/>
-  </dgm:styleLbl>
-  <dgm:styleLbl name="alignAccFollowNode1">
-    <dgm:fillClrLst>
-      <a:schemeClr val="accent2">
-        <a:tint val="40000"/>
-        <a:alpha val="90000"/>
-      </a:schemeClr>
-      <a:schemeClr val="accent3">
-        <a:tint val="40000"/>
-        <a:alpha val="90000"/>
-      </a:schemeClr>
-    </dgm:fillClrLst>
-    <dgm:linClrLst>
-      <a:schemeClr val="accent2">
-        <a:tint val="40000"/>
-        <a:alpha val="90000"/>
-      </a:schemeClr>
-      <a:schemeClr val="accent3">
-        <a:tint val="40000"/>
-        <a:alpha val="90000"/>
-      </a:schemeClr>
-    </dgm:linClrLst>
-    <dgm:effectClrLst/>
-    <dgm:txLinClrLst/>
-    <dgm:txFillClrLst meth="repeat">
-      <a:schemeClr val="dk1"/>
-    </dgm:txFillClrLst>
-    <dgm:txEffectClrLst/>
-  </dgm:styleLbl>
-  <dgm:styleLbl name="bgAccFollowNode1">
-    <dgm:fillClrLst>
-      <a:schemeClr val="accent2">
-        <a:tint val="40000"/>
-        <a:alpha val="90000"/>
-      </a:schemeClr>
-      <a:schemeClr val="accent3">
-        <a:tint val="40000"/>
-        <a:alpha val="90000"/>
-      </a:schemeClr>
-    </dgm:fillClrLst>
-    <dgm:linClrLst>
-      <a:schemeClr val="accent2">
-        <a:tint val="40000"/>
-        <a:alpha val="90000"/>
-      </a:schemeClr>
-      <a:schemeClr val="accent3">
-        <a:tint val="40000"/>
-        <a:alpha val="90000"/>
-      </a:schemeClr>
-    </dgm:linClrLst>
-    <dgm:effectClrLst/>
-    <dgm:txLinClrLst/>
-    <dgm:txFillClrLst meth="repeat">
-      <a:schemeClr val="dk1"/>
-    </dgm:txFillClrLst>
-    <dgm:txEffectClrLst/>
-  </dgm:styleLbl>
-  <dgm:styleLbl name="fgAcc0">
-    <dgm:fillClrLst meth="repeat">
-      <a:schemeClr val="lt1">
-        <a:alpha val="90000"/>
-      </a:schemeClr>
-    </dgm:fillClrLst>
-    <dgm:linClrLst>
-      <a:schemeClr val="accent1"/>
-    </dgm:linClrLst>
-    <dgm:effectClrLst/>
-    <dgm:txLinClrLst/>
-    <dgm:txFillClrLst meth="repeat">
-      <a:schemeClr val="dk1"/>
-    </dgm:txFillClrLst>
-    <dgm:txEffectClrLst/>
-  </dgm:styleLbl>
-  <dgm:styleLbl name="fgAcc2">
-    <dgm:fillClrLst meth="repeat">
-      <a:schemeClr val="lt1">
-        <a:alpha val="90000"/>
-      </a:schemeClr>
-    </dgm:fillClrLst>
-    <dgm:linClrLst>
-      <a:schemeClr val="accent3"/>
-    </dgm:linClrLst>
-    <dgm:effectClrLst/>
-    <dgm:txLinClrLst/>
-    <dgm:txFillClrLst meth="repeat">
-      <a:schemeClr val="dk1"/>
-    </dgm:txFillClrLst>
-    <dgm:txEffectClrLst/>
-  </dgm:styleLbl>
-  <dgm:styleLbl name="fgAcc3">
-    <dgm:fillClrLst meth="repeat">
-      <a:schemeClr val="lt1">
-        <a:alpha val="90000"/>
-      </a:schemeClr>
-    </dgm:fillClrLst>
-    <dgm:linClrLst>
-      <a:schemeClr val="accent4"/>
-    </dgm:linClrLst>
-    <dgm:effectClrLst/>
-    <dgm:txLinClrLst/>
-    <dgm:txFillClrLst meth="repeat">
-      <a:schemeClr val="dk1"/>
-    </dgm:txFillClrLst>
-    <dgm:txEffectClrLst/>
-  </dgm:styleLbl>
-  <dgm:styleLbl name="fgAcc4">
-    <dgm:fillClrLst meth="repeat">
-      <a:schemeClr val="lt1">
-        <a:alpha val="90000"/>
-      </a:schemeClr>
-    </dgm:fillClrLst>
-    <dgm:linClrLst>
-      <a:schemeClr val="accent5"/>
-    </dgm:linClrLst>
-    <dgm:effectClrLst/>
-    <dgm:txLinClrLst/>
-    <dgm:txFillClrLst meth="repeat">
-      <a:schemeClr val="dk1"/>
-    </dgm:txFillClrLst>
-    <dgm:txEffectClrLst/>
-  </dgm:styleLbl>
-  <dgm:styleLbl name="bgShp">
-    <dgm:fillClrLst meth="repeat">
-      <a:schemeClr val="accent2">
-        <a:tint val="40000"/>
-      </a:schemeClr>
-    </dgm:fillClrLst>
-    <dgm:linClrLst meth="repeat">
-      <a:schemeClr val="dk1"/>
-    </dgm:linClrLst>
-    <dgm:effectClrLst/>
-    <dgm:txLinClrLst/>
-    <dgm:txFillClrLst meth="repeat">
-      <a:schemeClr val="dk1"/>
-    </dgm:txFillClrLst>
-    <dgm:txEffectClrLst/>
-  </dgm:styleLbl>
-  <dgm:styleLbl name="dkBgShp">
-    <dgm:fillClrLst meth="repeat">
-      <a:schemeClr val="accent2">
-        <a:shade val="90000"/>
-      </a:schemeClr>
-    </dgm:fillClrLst>
-    <dgm:linClrLst meth="repeat">
-      <a:schemeClr val="dk1"/>
-    </dgm:linClrLst>
-    <dgm:effectClrLst/>
-    <dgm:txLinClrLst/>
-    <dgm:txFillClrLst meth="repeat">
-      <a:schemeClr val="lt1"/>
-    </dgm:txFillClrLst>
-    <dgm:txEffectClrLst/>
-  </dgm:styleLbl>
-  <dgm:styleLbl name="trBgShp">
-    <dgm:fillClrLst meth="repeat">
-      <a:schemeClr val="accent2">
-        <a:tint val="50000"/>
-        <a:alpha val="40000"/>
-      </a:schemeClr>
-    </dgm:fillClrLst>
-    <dgm:linClrLst meth="repeat">
-      <a:schemeClr val="accent2"/>
-    </dgm:linClrLst>
-    <dgm:effectClrLst/>
-    <dgm:txLinClrLst/>
-    <dgm:txFillClrLst meth="repeat">
-      <a:schemeClr val="lt1"/>
-    </dgm:txFillClrLst>
-    <dgm:txEffectClrLst/>
-  </dgm:styleLbl>
-  <dgm:styleLbl name="fgShp">
-    <dgm:fillClrLst meth="repeat">
-      <a:schemeClr val="accent2">
-        <a:tint val="40000"/>
-      </a:schemeClr>
-    </dgm:fillClrLst>
-    <dgm:linClrLst meth="repeat">
-      <a:schemeClr val="lt1"/>
-    </dgm:linClrLst>
-    <dgm:effectClrLst/>
-    <dgm:txLinClrLst/>
-    <dgm:txFillClrLst meth="repeat">
-      <a:schemeClr val="dk1"/>
-    </dgm:txFillClrLst>
-    <dgm:txEffectClrLst/>
-  </dgm:styleLbl>
-  <dgm:styleLbl name="revTx">
-    <dgm:fillClrLst meth="repeat">
-      <a:schemeClr val="lt1">
-        <a:alpha val="0"/>
-      </a:schemeClr>
-    </dgm:fillClrLst>
-    <dgm:linClrLst meth="repeat">
-      <a:schemeClr val="dk1">
-        <a:alpha val="0"/>
-      </a:schemeClr>
-    </dgm:linClrLst>
-    <dgm:effectClrLst/>
-    <dgm:txLinClrLst/>
-    <dgm:txFillClrLst meth="repeat">
-      <a:schemeClr val="tx1"/>
-    </dgm:txFillClrLst>
-    <dgm:txEffectClrLst/>
-  </dgm:styleLbl>
-</dgm:colorsDef>
-</file>
-
-<file path=ppt/diagrams/colors3.xml><?xml version="1.0" encoding="utf-8"?>
 <dgm:colorsDef xmlns:dgm="http://schemas.openxmlformats.org/drawingml/2006/diagram" xmlns:a="http://schemas.openxmlformats.org/drawingml/2006/main" uniqueId="urn:microsoft.com/office/officeart/2018/5/colors/Iconchunking_neutralicon_colorful1">
   <dgm:title val=""/>
   <dgm:desc val=""/>
@@ -2779,6 +2261,927 @@
     <dgm:effectClrLst/>
     <dgm:txLinClrLst/>
     <dgm:txFillClrLst/>
+    <dgm:txEffectClrLst/>
+  </dgm:styleLbl>
+  <dgm:styleLbl name="dkBgShp">
+    <dgm:fillClrLst meth="repeat">
+      <a:schemeClr val="accent2">
+        <a:shade val="90000"/>
+      </a:schemeClr>
+    </dgm:fillClrLst>
+    <dgm:linClrLst meth="repeat">
+      <a:schemeClr val="dk1"/>
+    </dgm:linClrLst>
+    <dgm:effectClrLst/>
+    <dgm:txLinClrLst/>
+    <dgm:txFillClrLst meth="repeat">
+      <a:schemeClr val="lt1"/>
+    </dgm:txFillClrLst>
+    <dgm:txEffectClrLst/>
+  </dgm:styleLbl>
+  <dgm:styleLbl name="trBgShp">
+    <dgm:fillClrLst meth="repeat">
+      <a:schemeClr val="accent1">
+        <a:tint val="50000"/>
+        <a:alpha val="40000"/>
+      </a:schemeClr>
+    </dgm:fillClrLst>
+    <dgm:linClrLst meth="repeat">
+      <a:schemeClr val="accent2"/>
+    </dgm:linClrLst>
+    <dgm:effectClrLst/>
+    <dgm:txLinClrLst/>
+    <dgm:txFillClrLst meth="repeat">
+      <a:schemeClr val="lt1"/>
+    </dgm:txFillClrLst>
+    <dgm:txEffectClrLst/>
+  </dgm:styleLbl>
+  <dgm:styleLbl name="fgShp">
+    <dgm:fillClrLst meth="repeat">
+      <a:schemeClr val="accent2">
+        <a:tint val="40000"/>
+      </a:schemeClr>
+    </dgm:fillClrLst>
+    <dgm:linClrLst meth="repeat">
+      <a:schemeClr val="lt1"/>
+    </dgm:linClrLst>
+    <dgm:effectClrLst/>
+    <dgm:txLinClrLst/>
+    <dgm:txFillClrLst meth="repeat">
+      <a:schemeClr val="dk1"/>
+    </dgm:txFillClrLst>
+    <dgm:txEffectClrLst/>
+  </dgm:styleLbl>
+  <dgm:styleLbl name="revTx">
+    <dgm:fillClrLst meth="repeat">
+      <a:schemeClr val="lt1">
+        <a:alpha val="0"/>
+      </a:schemeClr>
+    </dgm:fillClrLst>
+    <dgm:linClrLst meth="repeat">
+      <a:schemeClr val="dk1">
+        <a:alpha val="0"/>
+      </a:schemeClr>
+    </dgm:linClrLst>
+    <dgm:effectClrLst/>
+    <dgm:txLinClrLst/>
+    <dgm:txFillClrLst meth="repeat">
+      <a:schemeClr val="tx1"/>
+    </dgm:txFillClrLst>
+    <dgm:txEffectClrLst/>
+  </dgm:styleLbl>
+</dgm:colorsDef>
+</file>
+
+<file path=ppt/diagrams/colors3.xml><?xml version="1.0" encoding="utf-8"?>
+<dgm:colorsDef xmlns:dgm="http://schemas.openxmlformats.org/drawingml/2006/diagram" xmlns:a="http://schemas.openxmlformats.org/drawingml/2006/main" uniqueId="urn:microsoft.com/office/officeart/2018/5/colors/Iconchunking_neutralbg_colorful1">
+  <dgm:title val=""/>
+  <dgm:desc val=""/>
+  <dgm:catLst>
+    <dgm:cat type="colorful" pri="10100"/>
+  </dgm:catLst>
+  <dgm:styleLbl name="node0">
+    <dgm:fillClrLst meth="repeat">
+      <a:schemeClr val="accent1"/>
+    </dgm:fillClrLst>
+    <dgm:linClrLst meth="repeat">
+      <a:schemeClr val="lt1"/>
+    </dgm:linClrLst>
+    <dgm:effectClrLst/>
+    <dgm:txLinClrLst/>
+    <dgm:txFillClrLst/>
+    <dgm:txEffectClrLst/>
+  </dgm:styleLbl>
+  <dgm:styleLbl name="node1">
+    <dgm:fillClrLst meth="repeat">
+      <a:schemeClr val="accent2"/>
+      <a:schemeClr val="accent3"/>
+      <a:schemeClr val="accent4"/>
+      <a:schemeClr val="accent5"/>
+      <a:schemeClr val="accent6"/>
+    </dgm:fillClrLst>
+    <dgm:linClrLst meth="repeat">
+      <a:schemeClr val="lt1">
+        <a:alpha val="0"/>
+      </a:schemeClr>
+    </dgm:linClrLst>
+    <dgm:effectClrLst/>
+    <dgm:txLinClrLst/>
+    <dgm:txFillClrLst/>
+    <dgm:txEffectClrLst/>
+  </dgm:styleLbl>
+  <dgm:styleLbl name="alignNode1">
+    <dgm:fillClrLst meth="repeat">
+      <a:schemeClr val="accent2"/>
+      <a:schemeClr val="accent3"/>
+      <a:schemeClr val="accent4"/>
+      <a:schemeClr val="accent5"/>
+      <a:schemeClr val="accent6"/>
+    </dgm:fillClrLst>
+    <dgm:linClrLst meth="repeat">
+      <a:schemeClr val="accent2"/>
+      <a:schemeClr val="accent3"/>
+      <a:schemeClr val="accent4"/>
+      <a:schemeClr val="accent5"/>
+      <a:schemeClr val="accent6"/>
+    </dgm:linClrLst>
+    <dgm:effectClrLst/>
+    <dgm:txLinClrLst/>
+    <dgm:txFillClrLst/>
+    <dgm:txEffectClrLst/>
+  </dgm:styleLbl>
+  <dgm:styleLbl name="lnNode1">
+    <dgm:fillClrLst meth="repeat">
+      <a:schemeClr val="accent2"/>
+      <a:schemeClr val="accent3"/>
+      <a:schemeClr val="accent4"/>
+      <a:schemeClr val="accent5"/>
+      <a:schemeClr val="accent6"/>
+    </dgm:fillClrLst>
+    <dgm:linClrLst meth="repeat">
+      <a:schemeClr val="lt1"/>
+    </dgm:linClrLst>
+    <dgm:effectClrLst/>
+    <dgm:txLinClrLst/>
+    <dgm:txFillClrLst/>
+    <dgm:txEffectClrLst/>
+  </dgm:styleLbl>
+  <dgm:styleLbl name="vennNode1">
+    <dgm:fillClrLst meth="repeat">
+      <a:schemeClr val="accent2">
+        <a:alpha val="50000"/>
+      </a:schemeClr>
+      <a:schemeClr val="accent3">
+        <a:alpha val="50000"/>
+      </a:schemeClr>
+      <a:schemeClr val="accent4">
+        <a:alpha val="50000"/>
+      </a:schemeClr>
+      <a:schemeClr val="accent5">
+        <a:alpha val="50000"/>
+      </a:schemeClr>
+      <a:schemeClr val="accent6">
+        <a:alpha val="50000"/>
+      </a:schemeClr>
+    </dgm:fillClrLst>
+    <dgm:linClrLst meth="repeat">
+      <a:schemeClr val="lt1"/>
+    </dgm:linClrLst>
+    <dgm:effectClrLst/>
+    <dgm:txLinClrLst/>
+    <dgm:txFillClrLst/>
+    <dgm:txEffectClrLst/>
+  </dgm:styleLbl>
+  <dgm:styleLbl name="node2">
+    <dgm:fillClrLst>
+      <a:schemeClr val="accent2"/>
+    </dgm:fillClrLst>
+    <dgm:linClrLst meth="repeat">
+      <a:schemeClr val="lt1"/>
+    </dgm:linClrLst>
+    <dgm:effectClrLst/>
+    <dgm:txLinClrLst/>
+    <dgm:txFillClrLst/>
+    <dgm:txEffectClrLst/>
+  </dgm:styleLbl>
+  <dgm:styleLbl name="node3">
+    <dgm:fillClrLst>
+      <a:schemeClr val="accent3"/>
+    </dgm:fillClrLst>
+    <dgm:linClrLst meth="repeat">
+      <a:schemeClr val="lt1"/>
+    </dgm:linClrLst>
+    <dgm:effectClrLst/>
+    <dgm:txLinClrLst/>
+    <dgm:txFillClrLst/>
+    <dgm:txEffectClrLst/>
+  </dgm:styleLbl>
+  <dgm:styleLbl name="node4">
+    <dgm:fillClrLst>
+      <a:schemeClr val="accent4"/>
+    </dgm:fillClrLst>
+    <dgm:linClrLst meth="repeat">
+      <a:schemeClr val="lt1"/>
+    </dgm:linClrLst>
+    <dgm:effectClrLst/>
+    <dgm:txLinClrLst/>
+    <dgm:txFillClrLst/>
+    <dgm:txEffectClrLst/>
+  </dgm:styleLbl>
+  <dgm:styleLbl name="fgImgPlace1">
+    <dgm:fillClrLst meth="repeat">
+      <a:schemeClr val="accent2">
+        <a:tint val="50000"/>
+      </a:schemeClr>
+      <a:schemeClr val="accent3">
+        <a:tint val="50000"/>
+      </a:schemeClr>
+      <a:schemeClr val="accent4">
+        <a:tint val="50000"/>
+      </a:schemeClr>
+      <a:schemeClr val="accent5">
+        <a:tint val="50000"/>
+      </a:schemeClr>
+      <a:schemeClr val="accent6">
+        <a:tint val="50000"/>
+      </a:schemeClr>
+    </dgm:fillClrLst>
+    <dgm:linClrLst meth="repeat">
+      <a:schemeClr val="lt1"/>
+    </dgm:linClrLst>
+    <dgm:effectClrLst/>
+    <dgm:txLinClrLst/>
+    <dgm:txFillClrLst meth="repeat">
+      <a:schemeClr val="lt1"/>
+    </dgm:txFillClrLst>
+    <dgm:txEffectClrLst/>
+  </dgm:styleLbl>
+  <dgm:styleLbl name="alignImgPlace1">
+    <dgm:fillClrLst>
+      <a:schemeClr val="accent1">
+        <a:tint val="50000"/>
+      </a:schemeClr>
+      <a:schemeClr val="accent2">
+        <a:tint val="20000"/>
+      </a:schemeClr>
+    </dgm:fillClrLst>
+    <dgm:linClrLst meth="repeat">
+      <a:schemeClr val="lt1"/>
+    </dgm:linClrLst>
+    <dgm:effectClrLst/>
+    <dgm:txLinClrLst/>
+    <dgm:txFillClrLst meth="repeat">
+      <a:schemeClr val="lt1"/>
+    </dgm:txFillClrLst>
+    <dgm:txEffectClrLst/>
+  </dgm:styleLbl>
+  <dgm:styleLbl name="bgImgPlace1">
+    <dgm:fillClrLst>
+      <a:schemeClr val="accent1">
+        <a:tint val="50000"/>
+      </a:schemeClr>
+      <a:schemeClr val="accent2">
+        <a:tint val="20000"/>
+      </a:schemeClr>
+    </dgm:fillClrLst>
+    <dgm:linClrLst meth="repeat">
+      <a:schemeClr val="lt1"/>
+    </dgm:linClrLst>
+    <dgm:effectClrLst/>
+    <dgm:txLinClrLst/>
+    <dgm:txFillClrLst meth="repeat">
+      <a:schemeClr val="lt1"/>
+    </dgm:txFillClrLst>
+    <dgm:txEffectClrLst/>
+  </dgm:styleLbl>
+  <dgm:styleLbl name="sibTrans2D1">
+    <dgm:fillClrLst meth="repeat">
+      <a:schemeClr val="accent2"/>
+      <a:schemeClr val="accent3"/>
+      <a:schemeClr val="accent4"/>
+      <a:schemeClr val="accent5"/>
+      <a:schemeClr val="accent6"/>
+    </dgm:fillClrLst>
+    <dgm:linClrLst meth="cycle">
+      <a:schemeClr val="lt1"/>
+    </dgm:linClrLst>
+    <dgm:effectClrLst/>
+    <dgm:txLinClrLst/>
+    <dgm:txFillClrLst/>
+    <dgm:txEffectClrLst/>
+  </dgm:styleLbl>
+  <dgm:styleLbl name="fgSibTrans2D1">
+    <dgm:fillClrLst meth="repeat">
+      <a:schemeClr val="accent2"/>
+      <a:schemeClr val="accent3"/>
+      <a:schemeClr val="accent4"/>
+      <a:schemeClr val="accent5"/>
+      <a:schemeClr val="accent6"/>
+    </dgm:fillClrLst>
+    <dgm:linClrLst meth="cycle">
+      <a:schemeClr val="lt1"/>
+    </dgm:linClrLst>
+    <dgm:effectClrLst/>
+    <dgm:txLinClrLst/>
+    <dgm:txFillClrLst meth="repeat">
+      <a:schemeClr val="lt1"/>
+    </dgm:txFillClrLst>
+    <dgm:txEffectClrLst/>
+  </dgm:styleLbl>
+  <dgm:styleLbl name="bgSibTrans2D1">
+    <dgm:fillClrLst meth="repeat">
+      <a:schemeClr val="accent2"/>
+      <a:schemeClr val="accent3"/>
+      <a:schemeClr val="accent4"/>
+      <a:schemeClr val="accent5"/>
+      <a:schemeClr val="accent6"/>
+    </dgm:fillClrLst>
+    <dgm:linClrLst meth="cycle">
+      <a:schemeClr val="lt1"/>
+    </dgm:linClrLst>
+    <dgm:effectClrLst/>
+    <dgm:txLinClrLst/>
+    <dgm:txFillClrLst meth="repeat">
+      <a:schemeClr val="lt1"/>
+    </dgm:txFillClrLst>
+    <dgm:txEffectClrLst/>
+  </dgm:styleLbl>
+  <dgm:styleLbl name="sibTrans1D1">
+    <dgm:fillClrLst meth="repeat">
+      <a:schemeClr val="accent2"/>
+      <a:schemeClr val="accent3"/>
+      <a:schemeClr val="accent4"/>
+      <a:schemeClr val="accent5"/>
+      <a:schemeClr val="accent6"/>
+    </dgm:fillClrLst>
+    <dgm:linClrLst meth="repeat">
+      <a:schemeClr val="accent2"/>
+      <a:schemeClr val="accent3"/>
+      <a:schemeClr val="accent4"/>
+      <a:schemeClr val="accent5"/>
+      <a:schemeClr val="accent6"/>
+    </dgm:linClrLst>
+    <dgm:effectClrLst/>
+    <dgm:txLinClrLst/>
+    <dgm:txFillClrLst meth="repeat">
+      <a:schemeClr val="tx1"/>
+    </dgm:txFillClrLst>
+    <dgm:txEffectClrLst/>
+  </dgm:styleLbl>
+  <dgm:styleLbl name="callout">
+    <dgm:fillClrLst meth="repeat">
+      <a:schemeClr val="accent2"/>
+    </dgm:fillClrLst>
+    <dgm:linClrLst meth="repeat">
+      <a:schemeClr val="accent2">
+        <a:tint val="50000"/>
+      </a:schemeClr>
+    </dgm:linClrLst>
+    <dgm:effectClrLst/>
+    <dgm:txLinClrLst/>
+    <dgm:txFillClrLst meth="repeat">
+      <a:schemeClr val="tx1"/>
+    </dgm:txFillClrLst>
+    <dgm:txEffectClrLst/>
+  </dgm:styleLbl>
+  <dgm:styleLbl name="asst0">
+    <dgm:fillClrLst meth="repeat">
+      <a:schemeClr val="accent1"/>
+    </dgm:fillClrLst>
+    <dgm:linClrLst meth="repeat">
+      <a:schemeClr val="lt1"/>
+    </dgm:linClrLst>
+    <dgm:effectClrLst/>
+    <dgm:txLinClrLst/>
+    <dgm:txFillClrLst/>
+    <dgm:txEffectClrLst/>
+  </dgm:styleLbl>
+  <dgm:styleLbl name="asst1">
+    <dgm:fillClrLst meth="repeat">
+      <a:schemeClr val="accent2"/>
+    </dgm:fillClrLst>
+    <dgm:linClrLst meth="repeat">
+      <a:schemeClr val="lt1"/>
+    </dgm:linClrLst>
+    <dgm:effectClrLst/>
+    <dgm:txLinClrLst/>
+    <dgm:txFillClrLst/>
+    <dgm:txEffectClrLst/>
+  </dgm:styleLbl>
+  <dgm:styleLbl name="asst2">
+    <dgm:fillClrLst>
+      <a:schemeClr val="accent3"/>
+    </dgm:fillClrLst>
+    <dgm:linClrLst meth="repeat">
+      <a:schemeClr val="lt1"/>
+    </dgm:linClrLst>
+    <dgm:effectClrLst/>
+    <dgm:txLinClrLst/>
+    <dgm:txFillClrLst/>
+    <dgm:txEffectClrLst/>
+  </dgm:styleLbl>
+  <dgm:styleLbl name="asst3">
+    <dgm:fillClrLst>
+      <a:schemeClr val="accent4"/>
+    </dgm:fillClrLst>
+    <dgm:linClrLst meth="repeat">
+      <a:schemeClr val="lt1"/>
+    </dgm:linClrLst>
+    <dgm:effectClrLst/>
+    <dgm:txLinClrLst/>
+    <dgm:txFillClrLst/>
+    <dgm:txEffectClrLst/>
+  </dgm:styleLbl>
+  <dgm:styleLbl name="asst4">
+    <dgm:fillClrLst>
+      <a:schemeClr val="accent5"/>
+    </dgm:fillClrLst>
+    <dgm:linClrLst meth="repeat">
+      <a:schemeClr val="lt1"/>
+    </dgm:linClrLst>
+    <dgm:effectClrLst/>
+    <dgm:txLinClrLst/>
+    <dgm:txFillClrLst/>
+    <dgm:txEffectClrLst/>
+  </dgm:styleLbl>
+  <dgm:styleLbl name="parChTrans2D1">
+    <dgm:fillClrLst meth="repeat">
+      <a:schemeClr val="accent2"/>
+    </dgm:fillClrLst>
+    <dgm:linClrLst meth="repeat">
+      <a:schemeClr val="lt1"/>
+    </dgm:linClrLst>
+    <dgm:effectClrLst/>
+    <dgm:txLinClrLst/>
+    <dgm:txFillClrLst meth="repeat">
+      <a:schemeClr val="lt1"/>
+    </dgm:txFillClrLst>
+    <dgm:txEffectClrLst/>
+  </dgm:styleLbl>
+  <dgm:styleLbl name="parChTrans2D2">
+    <dgm:fillClrLst meth="repeat">
+      <a:schemeClr val="accent3"/>
+    </dgm:fillClrLst>
+    <dgm:linClrLst meth="repeat">
+      <a:schemeClr val="lt1"/>
+    </dgm:linClrLst>
+    <dgm:effectClrLst/>
+    <dgm:txLinClrLst/>
+    <dgm:txFillClrLst/>
+    <dgm:txEffectClrLst/>
+  </dgm:styleLbl>
+  <dgm:styleLbl name="parChTrans2D3">
+    <dgm:fillClrLst meth="repeat">
+      <a:schemeClr val="accent4"/>
+    </dgm:fillClrLst>
+    <dgm:linClrLst meth="repeat">
+      <a:schemeClr val="lt1"/>
+    </dgm:linClrLst>
+    <dgm:effectClrLst/>
+    <dgm:txLinClrLst/>
+    <dgm:txFillClrLst/>
+    <dgm:txEffectClrLst/>
+  </dgm:styleLbl>
+  <dgm:styleLbl name="parChTrans2D4">
+    <dgm:fillClrLst meth="repeat">
+      <a:schemeClr val="accent5"/>
+    </dgm:fillClrLst>
+    <dgm:linClrLst meth="repeat">
+      <a:schemeClr val="lt1"/>
+    </dgm:linClrLst>
+    <dgm:effectClrLst/>
+    <dgm:txLinClrLst/>
+    <dgm:txFillClrLst meth="repeat">
+      <a:schemeClr val="lt1"/>
+    </dgm:txFillClrLst>
+    <dgm:txEffectClrLst/>
+  </dgm:styleLbl>
+  <dgm:styleLbl name="parChTrans1D1">
+    <dgm:fillClrLst meth="repeat">
+      <a:schemeClr val="accent2"/>
+    </dgm:fillClrLst>
+    <dgm:linClrLst meth="repeat">
+      <a:schemeClr val="accent1"/>
+    </dgm:linClrLst>
+    <dgm:effectClrLst/>
+    <dgm:txLinClrLst/>
+    <dgm:txFillClrLst meth="repeat">
+      <a:schemeClr val="tx1"/>
+    </dgm:txFillClrLst>
+    <dgm:txEffectClrLst/>
+  </dgm:styleLbl>
+  <dgm:styleLbl name="parChTrans1D2">
+    <dgm:fillClrLst meth="repeat">
+      <a:schemeClr val="accent3">
+        <a:tint val="90000"/>
+      </a:schemeClr>
+    </dgm:fillClrLst>
+    <dgm:linClrLst meth="repeat">
+      <a:schemeClr val="accent2"/>
+    </dgm:linClrLst>
+    <dgm:effectClrLst/>
+    <dgm:txLinClrLst/>
+    <dgm:txFillClrLst meth="repeat">
+      <a:schemeClr val="tx1"/>
+    </dgm:txFillClrLst>
+    <dgm:txEffectClrLst/>
+  </dgm:styleLbl>
+  <dgm:styleLbl name="parChTrans1D3">
+    <dgm:fillClrLst meth="repeat">
+      <a:schemeClr val="accent4">
+        <a:tint val="70000"/>
+      </a:schemeClr>
+    </dgm:fillClrLst>
+    <dgm:linClrLst meth="repeat">
+      <a:schemeClr val="accent3"/>
+    </dgm:linClrLst>
+    <dgm:effectClrLst/>
+    <dgm:txLinClrLst/>
+    <dgm:txFillClrLst meth="repeat">
+      <a:schemeClr val="tx1"/>
+    </dgm:txFillClrLst>
+    <dgm:txEffectClrLst/>
+  </dgm:styleLbl>
+  <dgm:styleLbl name="parChTrans1D4">
+    <dgm:fillClrLst meth="repeat">
+      <a:schemeClr val="accent5">
+        <a:tint val="50000"/>
+      </a:schemeClr>
+    </dgm:fillClrLst>
+    <dgm:linClrLst meth="repeat">
+      <a:schemeClr val="accent4"/>
+    </dgm:linClrLst>
+    <dgm:effectClrLst/>
+    <dgm:txLinClrLst/>
+    <dgm:txFillClrLst meth="repeat">
+      <a:schemeClr val="tx1"/>
+    </dgm:txFillClrLst>
+    <dgm:txEffectClrLst/>
+  </dgm:styleLbl>
+  <dgm:styleLbl name="fgAcc1">
+    <dgm:fillClrLst meth="repeat">
+      <a:schemeClr val="lt1">
+        <a:alpha val="90000"/>
+      </a:schemeClr>
+    </dgm:fillClrLst>
+    <dgm:linClrLst meth="repeat">
+      <a:schemeClr val="accent2"/>
+      <a:schemeClr val="accent3"/>
+      <a:schemeClr val="accent4"/>
+      <a:schemeClr val="accent5"/>
+      <a:schemeClr val="accent6"/>
+    </dgm:linClrLst>
+    <dgm:effectClrLst/>
+    <dgm:txLinClrLst/>
+    <dgm:txFillClrLst meth="repeat">
+      <a:schemeClr val="dk1"/>
+    </dgm:txFillClrLst>
+    <dgm:txEffectClrLst/>
+  </dgm:styleLbl>
+  <dgm:styleLbl name="conFgAcc1">
+    <dgm:fillClrLst meth="repeat">
+      <a:schemeClr val="lt1">
+        <a:alpha val="90000"/>
+      </a:schemeClr>
+    </dgm:fillClrLst>
+    <dgm:linClrLst meth="repeat">
+      <a:schemeClr val="accent2"/>
+      <a:schemeClr val="accent3"/>
+      <a:schemeClr val="accent4"/>
+      <a:schemeClr val="accent5"/>
+      <a:schemeClr val="accent6"/>
+    </dgm:linClrLst>
+    <dgm:effectClrLst/>
+    <dgm:txLinClrLst/>
+    <dgm:txFillClrLst meth="repeat">
+      <a:schemeClr val="dk1"/>
+    </dgm:txFillClrLst>
+    <dgm:txEffectClrLst/>
+  </dgm:styleLbl>
+  <dgm:styleLbl name="alignAcc1">
+    <dgm:fillClrLst meth="repeat">
+      <a:schemeClr val="lt1">
+        <a:alpha val="90000"/>
+      </a:schemeClr>
+    </dgm:fillClrLst>
+    <dgm:linClrLst meth="repeat">
+      <a:schemeClr val="accent2"/>
+      <a:schemeClr val="accent3"/>
+      <a:schemeClr val="accent4"/>
+      <a:schemeClr val="accent5"/>
+      <a:schemeClr val="accent6"/>
+    </dgm:linClrLst>
+    <dgm:effectClrLst/>
+    <dgm:txLinClrLst/>
+    <dgm:txFillClrLst meth="repeat">
+      <a:schemeClr val="dk1"/>
+    </dgm:txFillClrLst>
+    <dgm:txEffectClrLst/>
+  </dgm:styleLbl>
+  <dgm:styleLbl name="trAlignAcc1">
+    <dgm:fillClrLst meth="repeat">
+      <a:schemeClr val="lt1">
+        <a:alpha val="40000"/>
+      </a:schemeClr>
+    </dgm:fillClrLst>
+    <dgm:linClrLst meth="repeat">
+      <a:schemeClr val="accent1"/>
+    </dgm:linClrLst>
+    <dgm:effectClrLst/>
+    <dgm:txLinClrLst/>
+    <dgm:txFillClrLst meth="repeat">
+      <a:schemeClr val="dk1"/>
+    </dgm:txFillClrLst>
+    <dgm:txEffectClrLst/>
+  </dgm:styleLbl>
+  <dgm:styleLbl name="bgAcc1">
+    <dgm:fillClrLst meth="repeat">
+      <a:schemeClr val="lt1">
+        <a:alpha val="90000"/>
+      </a:schemeClr>
+    </dgm:fillClrLst>
+    <dgm:linClrLst meth="repeat">
+      <a:schemeClr val="accent2"/>
+      <a:schemeClr val="accent3"/>
+      <a:schemeClr val="accent4"/>
+      <a:schemeClr val="accent5"/>
+      <a:schemeClr val="accent6"/>
+    </dgm:linClrLst>
+    <dgm:effectClrLst/>
+    <dgm:txLinClrLst/>
+    <dgm:txFillClrLst meth="repeat">
+      <a:schemeClr val="dk1"/>
+    </dgm:txFillClrLst>
+    <dgm:txEffectClrLst/>
+  </dgm:styleLbl>
+  <dgm:styleLbl name="solidFgAcc1">
+    <dgm:fillClrLst meth="repeat">
+      <a:schemeClr val="lt1"/>
+    </dgm:fillClrLst>
+    <dgm:linClrLst meth="repeat">
+      <a:schemeClr val="accent2"/>
+      <a:schemeClr val="accent3"/>
+      <a:schemeClr val="accent4"/>
+      <a:schemeClr val="accent5"/>
+      <a:schemeClr val="accent6"/>
+    </dgm:linClrLst>
+    <dgm:effectClrLst/>
+    <dgm:txLinClrLst/>
+    <dgm:txFillClrLst meth="repeat">
+      <a:schemeClr val="dk1"/>
+    </dgm:txFillClrLst>
+    <dgm:txEffectClrLst/>
+  </dgm:styleLbl>
+  <dgm:styleLbl name="solidAlignAcc1">
+    <dgm:fillClrLst meth="repeat">
+      <a:schemeClr val="lt1"/>
+    </dgm:fillClrLst>
+    <dgm:linClrLst meth="repeat">
+      <a:schemeClr val="accent2"/>
+      <a:schemeClr val="accent3"/>
+      <a:schemeClr val="accent4"/>
+      <a:schemeClr val="accent5"/>
+      <a:schemeClr val="accent6"/>
+    </dgm:linClrLst>
+    <dgm:effectClrLst/>
+    <dgm:txLinClrLst/>
+    <dgm:txFillClrLst meth="repeat">
+      <a:schemeClr val="dk1"/>
+    </dgm:txFillClrLst>
+    <dgm:txEffectClrLst/>
+  </dgm:styleLbl>
+  <dgm:styleLbl name="solidBgAcc1">
+    <dgm:fillClrLst meth="repeat">
+      <a:schemeClr val="lt1"/>
+    </dgm:fillClrLst>
+    <dgm:linClrLst meth="repeat">
+      <a:schemeClr val="accent2"/>
+      <a:schemeClr val="accent3"/>
+      <a:schemeClr val="accent4"/>
+      <a:schemeClr val="accent5"/>
+      <a:schemeClr val="accent6"/>
+    </dgm:linClrLst>
+    <dgm:effectClrLst/>
+    <dgm:txLinClrLst/>
+    <dgm:txFillClrLst meth="repeat">
+      <a:schemeClr val="dk1"/>
+    </dgm:txFillClrLst>
+    <dgm:txEffectClrLst/>
+  </dgm:styleLbl>
+  <dgm:styleLbl name="fgAccFollowNode1">
+    <dgm:fillClrLst meth="repeat">
+      <a:schemeClr val="accent2">
+        <a:tint val="40000"/>
+        <a:alpha val="90000"/>
+      </a:schemeClr>
+      <a:schemeClr val="accent3">
+        <a:tint val="40000"/>
+        <a:alpha val="90000"/>
+      </a:schemeClr>
+      <a:schemeClr val="accent4">
+        <a:tint val="40000"/>
+        <a:alpha val="90000"/>
+      </a:schemeClr>
+      <a:schemeClr val="accent5">
+        <a:tint val="40000"/>
+        <a:alpha val="90000"/>
+      </a:schemeClr>
+      <a:schemeClr val="accent6">
+        <a:tint val="40000"/>
+        <a:alpha val="90000"/>
+      </a:schemeClr>
+    </dgm:fillClrLst>
+    <dgm:linClrLst meth="repeat">
+      <a:schemeClr val="accent2">
+        <a:tint val="40000"/>
+        <a:alpha val="90000"/>
+      </a:schemeClr>
+      <a:schemeClr val="accent3">
+        <a:tint val="40000"/>
+        <a:alpha val="90000"/>
+      </a:schemeClr>
+      <a:schemeClr val="accent4">
+        <a:tint val="40000"/>
+        <a:alpha val="90000"/>
+      </a:schemeClr>
+      <a:schemeClr val="accent5">
+        <a:tint val="40000"/>
+        <a:alpha val="90000"/>
+      </a:schemeClr>
+      <a:schemeClr val="accent6">
+        <a:tint val="40000"/>
+        <a:alpha val="90000"/>
+      </a:schemeClr>
+    </dgm:linClrLst>
+    <dgm:effectClrLst/>
+    <dgm:txLinClrLst/>
+    <dgm:txFillClrLst meth="repeat">
+      <a:schemeClr val="dk1"/>
+    </dgm:txFillClrLst>
+    <dgm:txEffectClrLst/>
+  </dgm:styleLbl>
+  <dgm:styleLbl name="alignAccFollowNode1">
+    <dgm:fillClrLst meth="repeat">
+      <a:schemeClr val="accent2">
+        <a:tint val="40000"/>
+        <a:alpha val="90000"/>
+      </a:schemeClr>
+      <a:schemeClr val="accent3">
+        <a:tint val="40000"/>
+        <a:alpha val="90000"/>
+      </a:schemeClr>
+      <a:schemeClr val="accent4">
+        <a:tint val="40000"/>
+        <a:alpha val="90000"/>
+      </a:schemeClr>
+      <a:schemeClr val="accent5">
+        <a:tint val="40000"/>
+        <a:alpha val="90000"/>
+      </a:schemeClr>
+      <a:schemeClr val="accent6">
+        <a:tint val="40000"/>
+        <a:alpha val="90000"/>
+      </a:schemeClr>
+    </dgm:fillClrLst>
+    <dgm:linClrLst meth="repeat">
+      <a:schemeClr val="accent2">
+        <a:tint val="40000"/>
+        <a:alpha val="90000"/>
+      </a:schemeClr>
+      <a:schemeClr val="accent3">
+        <a:tint val="40000"/>
+        <a:alpha val="90000"/>
+      </a:schemeClr>
+      <a:schemeClr val="accent4">
+        <a:tint val="40000"/>
+        <a:alpha val="90000"/>
+      </a:schemeClr>
+      <a:schemeClr val="accent5">
+        <a:tint val="40000"/>
+        <a:alpha val="90000"/>
+      </a:schemeClr>
+      <a:schemeClr val="accent6">
+        <a:tint val="40000"/>
+        <a:alpha val="90000"/>
+      </a:schemeClr>
+    </dgm:linClrLst>
+    <dgm:effectClrLst/>
+    <dgm:txLinClrLst/>
+    <dgm:txFillClrLst meth="repeat">
+      <a:schemeClr val="dk1"/>
+    </dgm:txFillClrLst>
+    <dgm:txEffectClrLst/>
+  </dgm:styleLbl>
+  <dgm:styleLbl name="bgAccFollowNode1">
+    <dgm:fillClrLst meth="repeat">
+      <a:schemeClr val="accent2">
+        <a:tint val="40000"/>
+        <a:alpha val="90000"/>
+      </a:schemeClr>
+      <a:schemeClr val="accent3">
+        <a:tint val="40000"/>
+        <a:alpha val="90000"/>
+      </a:schemeClr>
+      <a:schemeClr val="accent4">
+        <a:tint val="40000"/>
+        <a:alpha val="90000"/>
+      </a:schemeClr>
+      <a:schemeClr val="accent5">
+        <a:tint val="40000"/>
+        <a:alpha val="90000"/>
+      </a:schemeClr>
+      <a:schemeClr val="accent6">
+        <a:tint val="40000"/>
+        <a:alpha val="90000"/>
+      </a:schemeClr>
+    </dgm:fillClrLst>
+    <dgm:linClrLst meth="repeat">
+      <a:schemeClr val="accent2">
+        <a:tint val="40000"/>
+        <a:alpha val="90000"/>
+      </a:schemeClr>
+      <a:schemeClr val="accent3">
+        <a:tint val="40000"/>
+        <a:alpha val="90000"/>
+      </a:schemeClr>
+      <a:schemeClr val="accent4">
+        <a:tint val="40000"/>
+        <a:alpha val="90000"/>
+      </a:schemeClr>
+      <a:schemeClr val="accent5">
+        <a:tint val="40000"/>
+        <a:alpha val="90000"/>
+      </a:schemeClr>
+      <a:schemeClr val="accent6">
+        <a:tint val="40000"/>
+        <a:alpha val="90000"/>
+      </a:schemeClr>
+    </dgm:linClrLst>
+    <dgm:effectClrLst/>
+    <dgm:txLinClrLst/>
+    <dgm:txFillClrLst meth="repeat">
+      <a:schemeClr val="dk1"/>
+    </dgm:txFillClrLst>
+    <dgm:txEffectClrLst/>
+  </dgm:styleLbl>
+  <dgm:styleLbl name="fgAcc0">
+    <dgm:fillClrLst meth="repeat">
+      <a:schemeClr val="lt1">
+        <a:alpha val="90000"/>
+      </a:schemeClr>
+    </dgm:fillClrLst>
+    <dgm:linClrLst>
+      <a:schemeClr val="accent1"/>
+    </dgm:linClrLst>
+    <dgm:effectClrLst/>
+    <dgm:txLinClrLst/>
+    <dgm:txFillClrLst meth="repeat">
+      <a:schemeClr val="dk1"/>
+    </dgm:txFillClrLst>
+    <dgm:txEffectClrLst/>
+  </dgm:styleLbl>
+  <dgm:styleLbl name="fgAcc2">
+    <dgm:fillClrLst meth="repeat">
+      <a:schemeClr val="lt1">
+        <a:alpha val="90000"/>
+      </a:schemeClr>
+    </dgm:fillClrLst>
+    <dgm:linClrLst>
+      <a:schemeClr val="accent2"/>
+    </dgm:linClrLst>
+    <dgm:effectClrLst/>
+    <dgm:txLinClrLst/>
+    <dgm:txFillClrLst meth="repeat">
+      <a:schemeClr val="dk1"/>
+    </dgm:txFillClrLst>
+    <dgm:txEffectClrLst/>
+  </dgm:styleLbl>
+  <dgm:styleLbl name="fgAcc3">
+    <dgm:fillClrLst meth="repeat">
+      <a:schemeClr val="lt1">
+        <a:alpha val="90000"/>
+      </a:schemeClr>
+    </dgm:fillClrLst>
+    <dgm:linClrLst>
+      <a:schemeClr val="accent3"/>
+    </dgm:linClrLst>
+    <dgm:effectClrLst/>
+    <dgm:txLinClrLst/>
+    <dgm:txFillClrLst meth="repeat">
+      <a:schemeClr val="dk1"/>
+    </dgm:txFillClrLst>
+    <dgm:txEffectClrLst/>
+  </dgm:styleLbl>
+  <dgm:styleLbl name="fgAcc4">
+    <dgm:fillClrLst meth="repeat">
+      <a:schemeClr val="lt1">
+        <a:alpha val="90000"/>
+      </a:schemeClr>
+    </dgm:fillClrLst>
+    <dgm:linClrLst>
+      <a:schemeClr val="accent4"/>
+    </dgm:linClrLst>
+    <dgm:effectClrLst/>
+    <dgm:txLinClrLst/>
+    <dgm:txFillClrLst meth="repeat">
+      <a:schemeClr val="dk1"/>
+    </dgm:txFillClrLst>
+    <dgm:txEffectClrLst/>
+  </dgm:styleLbl>
+  <dgm:styleLbl name="bgShp">
+    <dgm:fillClrLst meth="repeat">
+      <a:schemeClr val="bg1">
+        <a:lumMod val="95000"/>
+      </a:schemeClr>
+    </dgm:fillClrLst>
+    <dgm:linClrLst meth="repeat">
+      <a:schemeClr val="dk1"/>
+    </dgm:linClrLst>
+    <dgm:effectClrLst/>
+    <dgm:txLinClrLst/>
+    <dgm:txFillClrLst meth="repeat">
+      <a:schemeClr val="dk1"/>
+    </dgm:txFillClrLst>
     <dgm:txEffectClrLst/>
   </dgm:styleLbl>
   <dgm:styleLbl name="dkBgShp">
@@ -4861,7 +5264,7 @@
 <dgm:dataModel xmlns:dgm="http://schemas.openxmlformats.org/drawingml/2006/diagram" xmlns:a="http://schemas.openxmlformats.org/drawingml/2006/main">
   <dgm:ptLst>
     <dgm:pt modelId="{B92B5FC1-5C6F-42AB-B2EB-60BB12BC4171}" type="doc">
-      <dgm:prSet loTypeId="urn:microsoft.com/office/officeart/2005/8/layout/vList2" loCatId="list" qsTypeId="urn:microsoft.com/office/officeart/2005/8/quickstyle/simple4" qsCatId="simple" csTypeId="urn:microsoft.com/office/officeart/2005/8/colors/colorful2" csCatId="colorful" phldr="1"/>
+      <dgm:prSet loTypeId="urn:microsoft.com/office/officeart/2018/2/layout/IconCircleList" loCatId="icon" qsTypeId="urn:microsoft.com/office/officeart/2005/8/quickstyle/simple1" qsCatId="simple" csTypeId="urn:microsoft.com/office/officeart/2018/5/colors/Iconchunking_neutralicon_colorful1" csCatId="colorful" phldr="1"/>
       <dgm:spPr/>
       <dgm:t>
         <a:bodyPr/>
@@ -4879,7 +5282,9 @@
         <a:lstStyle/>
         <a:p>
           <a:pPr>
-            <a:defRPr cap="all"/>
+            <a:lnSpc>
+              <a:spcPct val="100000"/>
+            </a:lnSpc>
           </a:pPr>
           <a:r>
             <a:rPr lang="en-US"/>
@@ -4906,6 +5311,11 @@
         <a:bodyPr/>
         <a:lstStyle/>
         <a:p>
+          <a:pPr>
+            <a:lnSpc>
+              <a:spcPct val="100000"/>
+            </a:lnSpc>
+          </a:pPr>
           <a:endParaRPr lang="en-US"/>
         </a:p>
       </dgm:t>
@@ -4918,7 +5328,9 @@
         <a:lstStyle/>
         <a:p>
           <a:pPr>
-            <a:defRPr cap="all"/>
+            <a:lnSpc>
+              <a:spcPct val="100000"/>
+            </a:lnSpc>
           </a:pPr>
           <a:r>
             <a:rPr lang="en-US"/>
@@ -4945,6 +5357,11 @@
         <a:bodyPr/>
         <a:lstStyle/>
         <a:p>
+          <a:pPr>
+            <a:lnSpc>
+              <a:spcPct val="100000"/>
+            </a:lnSpc>
+          </a:pPr>
           <a:endParaRPr lang="en-US"/>
         </a:p>
       </dgm:t>
@@ -4957,7 +5374,9 @@
         <a:lstStyle/>
         <a:p>
           <a:pPr>
-            <a:defRPr cap="all"/>
+            <a:lnSpc>
+              <a:spcPct val="100000"/>
+            </a:lnSpc>
           </a:pPr>
           <a:r>
             <a:rPr lang="en-US"/>
@@ -4984,6 +5403,11 @@
         <a:bodyPr/>
         <a:lstStyle/>
         <a:p>
+          <a:pPr>
+            <a:lnSpc>
+              <a:spcPct val="100000"/>
+            </a:lnSpc>
+          </a:pPr>
           <a:endParaRPr lang="en-US"/>
         </a:p>
       </dgm:t>
@@ -4996,7 +5420,9 @@
         <a:lstStyle/>
         <a:p>
           <a:pPr>
-            <a:defRPr cap="all"/>
+            <a:lnSpc>
+              <a:spcPct val="100000"/>
+            </a:lnSpc>
           </a:pPr>
           <a:r>
             <a:rPr lang="en-US"/>
@@ -5027,59 +5453,228 @@
         </a:p>
       </dgm:t>
     </dgm:pt>
-    <dgm:pt modelId="{E761170C-C393-0346-8283-0F1D2F828B43}" type="pres">
-      <dgm:prSet presAssocID="{B92B5FC1-5C6F-42AB-B2EB-60BB12BC4171}" presName="linear" presStyleCnt="0">
+    <dgm:pt modelId="{22A27495-9F51-44A4-88C0-CC3CDF279F1B}" type="pres">
+      <dgm:prSet presAssocID="{B92B5FC1-5C6F-42AB-B2EB-60BB12BC4171}" presName="root" presStyleCnt="0">
         <dgm:presLayoutVars>
-          <dgm:animLvl val="lvl"/>
+          <dgm:dir/>
           <dgm:resizeHandles val="exact"/>
         </dgm:presLayoutVars>
       </dgm:prSet>
       <dgm:spPr/>
     </dgm:pt>
-    <dgm:pt modelId="{33CFBDFE-1A85-7044-ADD0-CED5EB9EBF54}" type="pres">
-      <dgm:prSet presAssocID="{40E01847-B623-4AD2-BF0D-2BD59C955EA8}" presName="parentText" presStyleLbl="node1" presStyleIdx="0" presStyleCnt="4">
+    <dgm:pt modelId="{1928D2D8-A8AB-4C05-A804-6379BF277999}" type="pres">
+      <dgm:prSet presAssocID="{B92B5FC1-5C6F-42AB-B2EB-60BB12BC4171}" presName="container" presStyleCnt="0">
         <dgm:presLayoutVars>
-          <dgm:chMax val="0"/>
-          <dgm:bulletEnabled val="1"/>
+          <dgm:dir/>
+          <dgm:resizeHandles val="exact"/>
         </dgm:presLayoutVars>
       </dgm:prSet>
       <dgm:spPr/>
     </dgm:pt>
-    <dgm:pt modelId="{1FC7C821-4F62-394C-8E31-091EEE7FCC24}" type="pres">
-      <dgm:prSet presAssocID="{724842BB-372F-4B70-A1ED-118F57D2B611}" presName="spacer" presStyleCnt="0"/>
+    <dgm:pt modelId="{417909B2-DCB6-4004-9D09-55016FFEC40C}" type="pres">
+      <dgm:prSet presAssocID="{40E01847-B623-4AD2-BF0D-2BD59C955EA8}" presName="compNode" presStyleCnt="0"/>
       <dgm:spPr/>
     </dgm:pt>
-    <dgm:pt modelId="{B084C579-21F3-6841-974B-FF5F4E0E82CD}" type="pres">
-      <dgm:prSet presAssocID="{FF0845E1-272E-431A-AC9D-0417EACB3FFF}" presName="parentText" presStyleLbl="node1" presStyleIdx="1" presStyleCnt="4">
+    <dgm:pt modelId="{5C3412C5-2CE3-4EAE-B8F9-505C20158855}" type="pres">
+      <dgm:prSet presAssocID="{40E01847-B623-4AD2-BF0D-2BD59C955EA8}" presName="iconBgRect" presStyleLbl="bgShp" presStyleIdx="0" presStyleCnt="4"/>
+      <dgm:spPr/>
+    </dgm:pt>
+    <dgm:pt modelId="{9E2DE1C0-5275-4C2D-922B-21D3AE898682}" type="pres">
+      <dgm:prSet presAssocID="{40E01847-B623-4AD2-BF0D-2BD59C955EA8}" presName="iconRect" presStyleLbl="node1" presStyleIdx="0" presStyleCnt="4"/>
+      <dgm:spPr>
+        <a:blipFill>
+          <a:blip xmlns:r="http://schemas.openxmlformats.org/officeDocument/2006/relationships" r:embed="rId1">
+            <a:extLst>
+              <a:ext uri="{28A0092B-C50C-407E-A947-70E740481C1C}">
+                <a14:useLocalDpi xmlns:a14="http://schemas.microsoft.com/office/drawing/2010/main" val="0"/>
+              </a:ext>
+              <a:ext uri="{96DAC541-7B7A-43D3-8B79-37D633B846F1}">
+                <asvg:svgBlip xmlns:asvg="http://schemas.microsoft.com/office/drawing/2016/SVG/main" r:embed="rId2"/>
+              </a:ext>
+            </a:extLst>
+          </a:blip>
+          <a:stretch>
+            <a:fillRect/>
+          </a:stretch>
+        </a:blipFill>
+        <a:ln>
+          <a:noFill/>
+        </a:ln>
+      </dgm:spPr>
+      <dgm:extLst>
+        <a:ext uri="{E40237B7-FDA0-4F09-8148-C483321AD2D9}">
+          <dgm14:cNvPr xmlns:dgm14="http://schemas.microsoft.com/office/drawing/2010/diagram" id="0" name="" descr="İmleç"/>
+        </a:ext>
+      </dgm:extLst>
+    </dgm:pt>
+    <dgm:pt modelId="{9BF1DC70-AE2D-4DA5-9320-62BF0ABC2C34}" type="pres">
+      <dgm:prSet presAssocID="{40E01847-B623-4AD2-BF0D-2BD59C955EA8}" presName="spaceRect" presStyleCnt="0"/>
+      <dgm:spPr/>
+    </dgm:pt>
+    <dgm:pt modelId="{9C492030-D7FF-4206-AEF2-6EF5BFA38A1A}" type="pres">
+      <dgm:prSet presAssocID="{40E01847-B623-4AD2-BF0D-2BD59C955EA8}" presName="textRect" presStyleLbl="revTx" presStyleIdx="0" presStyleCnt="4">
         <dgm:presLayoutVars>
-          <dgm:chMax val="0"/>
-          <dgm:bulletEnabled val="1"/>
+          <dgm:chMax val="1"/>
+          <dgm:chPref val="1"/>
         </dgm:presLayoutVars>
       </dgm:prSet>
       <dgm:spPr/>
     </dgm:pt>
-    <dgm:pt modelId="{D43A2D03-919A-B34F-8513-E0DDCB8E33C6}" type="pres">
-      <dgm:prSet presAssocID="{7A889611-C06C-4C8B-9EC7-85AE6D06DB4B}" presName="spacer" presStyleCnt="0"/>
+    <dgm:pt modelId="{1A42EA80-ADBF-4303-A5F6-2F07AF6ECFBF}" type="pres">
+      <dgm:prSet presAssocID="{724842BB-372F-4B70-A1ED-118F57D2B611}" presName="sibTrans" presStyleLbl="sibTrans2D1" presStyleIdx="0" presStyleCnt="0"/>
       <dgm:spPr/>
     </dgm:pt>
-    <dgm:pt modelId="{38EDBABB-3D6A-A14E-97DF-7C093C0CAA73}" type="pres">
-      <dgm:prSet presAssocID="{6A303423-6C92-4B31-985E-EE4FB5750CD6}" presName="parentText" presStyleLbl="node1" presStyleIdx="2" presStyleCnt="4">
+    <dgm:pt modelId="{DD73D10F-C333-485F-AE2A-D0195C76FA73}" type="pres">
+      <dgm:prSet presAssocID="{FF0845E1-272E-431A-AC9D-0417EACB3FFF}" presName="compNode" presStyleCnt="0"/>
+      <dgm:spPr/>
+    </dgm:pt>
+    <dgm:pt modelId="{E2D1E0B5-F529-439B-8D00-CFA2545E825E}" type="pres">
+      <dgm:prSet presAssocID="{FF0845E1-272E-431A-AC9D-0417EACB3FFF}" presName="iconBgRect" presStyleLbl="bgShp" presStyleIdx="1" presStyleCnt="4"/>
+      <dgm:spPr/>
+    </dgm:pt>
+    <dgm:pt modelId="{27760759-306C-41B0-AC72-19BAB36B8AE6}" type="pres">
+      <dgm:prSet presAssocID="{FF0845E1-272E-431A-AC9D-0417EACB3FFF}" presName="iconRect" presStyleLbl="node1" presStyleIdx="1" presStyleCnt="4"/>
+      <dgm:spPr>
+        <a:blipFill>
+          <a:blip xmlns:r="http://schemas.openxmlformats.org/officeDocument/2006/relationships" r:embed="rId3">
+            <a:extLst>
+              <a:ext uri="{28A0092B-C50C-407E-A947-70E740481C1C}">
+                <a14:useLocalDpi xmlns:a14="http://schemas.microsoft.com/office/drawing/2010/main" val="0"/>
+              </a:ext>
+              <a:ext uri="{96DAC541-7B7A-43D3-8B79-37D633B846F1}">
+                <asvg:svgBlip xmlns:asvg="http://schemas.microsoft.com/office/drawing/2016/SVG/main" r:embed="rId4"/>
+              </a:ext>
+            </a:extLst>
+          </a:blip>
+          <a:stretch>
+            <a:fillRect/>
+          </a:stretch>
+        </a:blipFill>
+        <a:ln>
+          <a:noFill/>
+        </a:ln>
+      </dgm:spPr>
+      <dgm:extLst>
+        <a:ext uri="{E40237B7-FDA0-4F09-8148-C483321AD2D9}">
+          <dgm14:cNvPr xmlns:dgm14="http://schemas.microsoft.com/office/drawing/2010/diagram" id="0" name="" descr="Robot"/>
+        </a:ext>
+      </dgm:extLst>
+    </dgm:pt>
+    <dgm:pt modelId="{8CF3BF37-6FE0-481B-A7C7-3E6A57F1C105}" type="pres">
+      <dgm:prSet presAssocID="{FF0845E1-272E-431A-AC9D-0417EACB3FFF}" presName="spaceRect" presStyleCnt="0"/>
+      <dgm:spPr/>
+    </dgm:pt>
+    <dgm:pt modelId="{D44AF7B4-C3AE-4E21-A5E6-31BC2449FFB9}" type="pres">
+      <dgm:prSet presAssocID="{FF0845E1-272E-431A-AC9D-0417EACB3FFF}" presName="textRect" presStyleLbl="revTx" presStyleIdx="1" presStyleCnt="4">
         <dgm:presLayoutVars>
-          <dgm:chMax val="0"/>
-          <dgm:bulletEnabled val="1"/>
+          <dgm:chMax val="1"/>
+          <dgm:chPref val="1"/>
         </dgm:presLayoutVars>
       </dgm:prSet>
       <dgm:spPr/>
     </dgm:pt>
-    <dgm:pt modelId="{F4CFEA35-9534-E944-8A82-38499BBFF62F}" type="pres">
-      <dgm:prSet presAssocID="{91C8DE09-7E8E-4F76-80EC-E7183882D886}" presName="spacer" presStyleCnt="0"/>
+    <dgm:pt modelId="{B407F2FB-3FE7-4718-9095-788BD4111657}" type="pres">
+      <dgm:prSet presAssocID="{7A889611-C06C-4C8B-9EC7-85AE6D06DB4B}" presName="sibTrans" presStyleLbl="sibTrans2D1" presStyleIdx="0" presStyleCnt="0"/>
       <dgm:spPr/>
     </dgm:pt>
-    <dgm:pt modelId="{86869A0B-BDD4-F943-A1AF-D62A1FE2A3C4}" type="pres">
-      <dgm:prSet presAssocID="{E48DD343-4E28-46D5-B503-FE33388B5C2B}" presName="parentText" presStyleLbl="node1" presStyleIdx="3" presStyleCnt="4">
+    <dgm:pt modelId="{B7557AD3-0071-4287-A67F-3E54359C0C48}" type="pres">
+      <dgm:prSet presAssocID="{6A303423-6C92-4B31-985E-EE4FB5750CD6}" presName="compNode" presStyleCnt="0"/>
+      <dgm:spPr/>
+    </dgm:pt>
+    <dgm:pt modelId="{A0109CE5-0036-43C3-83E4-44C13D1DF9FB}" type="pres">
+      <dgm:prSet presAssocID="{6A303423-6C92-4B31-985E-EE4FB5750CD6}" presName="iconBgRect" presStyleLbl="bgShp" presStyleIdx="2" presStyleCnt="4"/>
+      <dgm:spPr/>
+    </dgm:pt>
+    <dgm:pt modelId="{EB925087-4BA8-4091-B165-3D4E126BA2C9}" type="pres">
+      <dgm:prSet presAssocID="{6A303423-6C92-4B31-985E-EE4FB5750CD6}" presName="iconRect" presStyleLbl="node1" presStyleIdx="2" presStyleCnt="4"/>
+      <dgm:spPr>
+        <a:blipFill>
+          <a:blip xmlns:r="http://schemas.openxmlformats.org/officeDocument/2006/relationships" r:embed="rId5">
+            <a:extLst>
+              <a:ext uri="{28A0092B-C50C-407E-A947-70E740481C1C}">
+                <a14:useLocalDpi xmlns:a14="http://schemas.microsoft.com/office/drawing/2010/main" val="0"/>
+              </a:ext>
+              <a:ext uri="{96DAC541-7B7A-43D3-8B79-37D633B846F1}">
+                <asvg:svgBlip xmlns:asvg="http://schemas.microsoft.com/office/drawing/2016/SVG/main" r:embed="rId6"/>
+              </a:ext>
+            </a:extLst>
+          </a:blip>
+          <a:stretch>
+            <a:fillRect/>
+          </a:stretch>
+        </a:blipFill>
+        <a:ln>
+          <a:noFill/>
+        </a:ln>
+      </dgm:spPr>
+      <dgm:extLst>
+        <a:ext uri="{E40237B7-FDA0-4F09-8148-C483321AD2D9}">
+          <dgm14:cNvPr xmlns:dgm14="http://schemas.microsoft.com/office/drawing/2010/diagram" id="0" name="" descr="İngiliz anahtarı"/>
+        </a:ext>
+      </dgm:extLst>
+    </dgm:pt>
+    <dgm:pt modelId="{C050B9B0-D9E3-4445-BA6C-51423DE27D7A}" type="pres">
+      <dgm:prSet presAssocID="{6A303423-6C92-4B31-985E-EE4FB5750CD6}" presName="spaceRect" presStyleCnt="0"/>
+      <dgm:spPr/>
+    </dgm:pt>
+    <dgm:pt modelId="{5BA3896F-4A90-4FFF-B8B1-49F0D6B8C8B1}" type="pres">
+      <dgm:prSet presAssocID="{6A303423-6C92-4B31-985E-EE4FB5750CD6}" presName="textRect" presStyleLbl="revTx" presStyleIdx="2" presStyleCnt="4">
         <dgm:presLayoutVars>
-          <dgm:chMax val="0"/>
-          <dgm:bulletEnabled val="1"/>
+          <dgm:chMax val="1"/>
+          <dgm:chPref val="1"/>
+        </dgm:presLayoutVars>
+      </dgm:prSet>
+      <dgm:spPr/>
+    </dgm:pt>
+    <dgm:pt modelId="{E99A792C-C72E-4C18-8D2E-C3F4910238E6}" type="pres">
+      <dgm:prSet presAssocID="{91C8DE09-7E8E-4F76-80EC-E7183882D886}" presName="sibTrans" presStyleLbl="sibTrans2D1" presStyleIdx="0" presStyleCnt="0"/>
+      <dgm:spPr/>
+    </dgm:pt>
+    <dgm:pt modelId="{855558F7-6F63-4331-9488-48391FE4D8E2}" type="pres">
+      <dgm:prSet presAssocID="{E48DD343-4E28-46D5-B503-FE33388B5C2B}" presName="compNode" presStyleCnt="0"/>
+      <dgm:spPr/>
+    </dgm:pt>
+    <dgm:pt modelId="{21B166B6-B94E-4C69-A821-16C800679C72}" type="pres">
+      <dgm:prSet presAssocID="{E48DD343-4E28-46D5-B503-FE33388B5C2B}" presName="iconBgRect" presStyleLbl="bgShp" presStyleIdx="3" presStyleCnt="4"/>
+      <dgm:spPr/>
+    </dgm:pt>
+    <dgm:pt modelId="{89F43DAB-A49E-4A59-AD11-65E559AC969B}" type="pres">
+      <dgm:prSet presAssocID="{E48DD343-4E28-46D5-B503-FE33388B5C2B}" presName="iconRect" presStyleLbl="node1" presStyleIdx="3" presStyleCnt="4"/>
+      <dgm:spPr>
+        <a:blipFill>
+          <a:blip xmlns:r="http://schemas.openxmlformats.org/officeDocument/2006/relationships" r:embed="rId7">
+            <a:extLst>
+              <a:ext uri="{28A0092B-C50C-407E-A947-70E740481C1C}">
+                <a14:useLocalDpi xmlns:a14="http://schemas.microsoft.com/office/drawing/2010/main" val="0"/>
+              </a:ext>
+              <a:ext uri="{96DAC541-7B7A-43D3-8B79-37D633B846F1}">
+                <asvg:svgBlip xmlns:asvg="http://schemas.microsoft.com/office/drawing/2016/SVG/main" r:embed="rId8"/>
+              </a:ext>
+            </a:extLst>
+          </a:blip>
+          <a:stretch>
+            <a:fillRect/>
+          </a:stretch>
+        </a:blipFill>
+        <a:ln>
+          <a:noFill/>
+        </a:ln>
+      </dgm:spPr>
+      <dgm:extLst>
+        <a:ext uri="{E40237B7-FDA0-4F09-8148-C483321AD2D9}">
+          <dgm14:cNvPr xmlns:dgm14="http://schemas.microsoft.com/office/drawing/2010/diagram" id="0" name="" descr="Monitör"/>
+        </a:ext>
+      </dgm:extLst>
+    </dgm:pt>
+    <dgm:pt modelId="{71DC2B68-C347-47E6-9968-DBCAE5E2CE95}" type="pres">
+      <dgm:prSet presAssocID="{E48DD343-4E28-46D5-B503-FE33388B5C2B}" presName="spaceRect" presStyleCnt="0"/>
+      <dgm:spPr/>
+    </dgm:pt>
+    <dgm:pt modelId="{156BF4E4-7B62-4417-ACA1-D3120F2EFC02}" type="pres">
+      <dgm:prSet presAssocID="{E48DD343-4E28-46D5-B503-FE33388B5C2B}" presName="textRect" presStyleLbl="revTx" presStyleIdx="3" presStyleCnt="4">
+        <dgm:presLayoutVars>
+          <dgm:chMax val="1"/>
+          <dgm:chPref val="1"/>
         </dgm:presLayoutVars>
       </dgm:prSet>
       <dgm:spPr/>
@@ -5088,26 +5683,46 @@
   <dgm:cxnLst>
     <dgm:cxn modelId="{2E90A30C-A938-429B-930B-D95BFFBD63FF}" srcId="{B92B5FC1-5C6F-42AB-B2EB-60BB12BC4171}" destId="{40E01847-B623-4AD2-BF0D-2BD59C955EA8}" srcOrd="0" destOrd="0" parTransId="{5EF0E8EB-1B7D-405A-A616-E5F3C6886497}" sibTransId="{724842BB-372F-4B70-A1ED-118F57D2B611}"/>
     <dgm:cxn modelId="{1DA6C418-DC00-4352-B70B-45AE20E83D3D}" srcId="{B92B5FC1-5C6F-42AB-B2EB-60BB12BC4171}" destId="{FF0845E1-272E-431A-AC9D-0417EACB3FFF}" srcOrd="1" destOrd="0" parTransId="{9E186A3D-ACBD-4E88-8849-7AC3E5EBF7D5}" sibTransId="{7A889611-C06C-4C8B-9EC7-85AE6D06DB4B}"/>
-    <dgm:cxn modelId="{B6A1DD2D-26C2-604A-8768-570913AE41D9}" type="presOf" srcId="{40E01847-B623-4AD2-BF0D-2BD59C955EA8}" destId="{33CFBDFE-1A85-7044-ADD0-CED5EB9EBF54}" srcOrd="0" destOrd="0" presId="urn:microsoft.com/office/officeart/2005/8/layout/vList2"/>
     <dgm:cxn modelId="{F63CD64A-BE1E-4024-973E-981AB01017E6}" srcId="{B92B5FC1-5C6F-42AB-B2EB-60BB12BC4171}" destId="{E48DD343-4E28-46D5-B503-FE33388B5C2B}" srcOrd="3" destOrd="0" parTransId="{B7B9F218-957F-4E84-98A2-A3204F7C7EA0}" sibTransId="{6AA9D5E8-4847-41B6-AE32-A366FC0EBE89}"/>
-    <dgm:cxn modelId="{6A04264D-23FB-C740-8790-06FEEAA42678}" type="presOf" srcId="{B92B5FC1-5C6F-42AB-B2EB-60BB12BC4171}" destId="{E761170C-C393-0346-8283-0F1D2F828B43}" srcOrd="0" destOrd="0" presId="urn:microsoft.com/office/officeart/2005/8/layout/vList2"/>
-    <dgm:cxn modelId="{0D1F1E6C-27D9-DE4F-A8A8-56B352C840F2}" type="presOf" srcId="{E48DD343-4E28-46D5-B503-FE33388B5C2B}" destId="{86869A0B-BDD4-F943-A1AF-D62A1FE2A3C4}" srcOrd="0" destOrd="0" presId="urn:microsoft.com/office/officeart/2005/8/layout/vList2"/>
+    <dgm:cxn modelId="{95F51E6B-CF0A-1548-BEA5-34D987571AB7}" type="presOf" srcId="{B92B5FC1-5C6F-42AB-B2EB-60BB12BC4171}" destId="{22A27495-9F51-44A4-88C0-CC3CDF279F1B}" srcOrd="0" destOrd="0" presId="urn:microsoft.com/office/officeart/2018/2/layout/IconCircleList"/>
+    <dgm:cxn modelId="{D4974784-E3B1-4044-B94F-D7BCA9091008}" type="presOf" srcId="{7A889611-C06C-4C8B-9EC7-85AE6D06DB4B}" destId="{B407F2FB-3FE7-4718-9095-788BD4111657}" srcOrd="0" destOrd="0" presId="urn:microsoft.com/office/officeart/2018/2/layout/IconCircleList"/>
     <dgm:cxn modelId="{E47B6785-AF80-4F1F-A789-68912B2EAE6A}" srcId="{B92B5FC1-5C6F-42AB-B2EB-60BB12BC4171}" destId="{6A303423-6C92-4B31-985E-EE4FB5750CD6}" srcOrd="2" destOrd="0" parTransId="{B7288723-689E-4145-8C4C-24272EA5052C}" sibTransId="{91C8DE09-7E8E-4F76-80EC-E7183882D886}"/>
-    <dgm:cxn modelId="{B0100DC3-CF4F-0948-BD30-D2F732B6CB2A}" type="presOf" srcId="{6A303423-6C92-4B31-985E-EE4FB5750CD6}" destId="{38EDBABB-3D6A-A14E-97DF-7C093C0CAA73}" srcOrd="0" destOrd="0" presId="urn:microsoft.com/office/officeart/2005/8/layout/vList2"/>
-    <dgm:cxn modelId="{8AAD77DE-04A4-9448-9D58-1582DE1FDC4F}" type="presOf" srcId="{FF0845E1-272E-431A-AC9D-0417EACB3FFF}" destId="{B084C579-21F3-6841-974B-FF5F4E0E82CD}" srcOrd="0" destOrd="0" presId="urn:microsoft.com/office/officeart/2005/8/layout/vList2"/>
-    <dgm:cxn modelId="{26939DC6-70AC-F047-BD4C-7FCA4BEC422D}" type="presParOf" srcId="{E761170C-C393-0346-8283-0F1D2F828B43}" destId="{33CFBDFE-1A85-7044-ADD0-CED5EB9EBF54}" srcOrd="0" destOrd="0" presId="urn:microsoft.com/office/officeart/2005/8/layout/vList2"/>
-    <dgm:cxn modelId="{91074C70-E91E-074F-91D0-0650E3430DB5}" type="presParOf" srcId="{E761170C-C393-0346-8283-0F1D2F828B43}" destId="{1FC7C821-4F62-394C-8E31-091EEE7FCC24}" srcOrd="1" destOrd="0" presId="urn:microsoft.com/office/officeart/2005/8/layout/vList2"/>
-    <dgm:cxn modelId="{AF8E04A7-3375-AD49-A5B7-13AFE2D5E060}" type="presParOf" srcId="{E761170C-C393-0346-8283-0F1D2F828B43}" destId="{B084C579-21F3-6841-974B-FF5F4E0E82CD}" srcOrd="2" destOrd="0" presId="urn:microsoft.com/office/officeart/2005/8/layout/vList2"/>
-    <dgm:cxn modelId="{C577FF84-1FFE-D143-B513-2331A3C32273}" type="presParOf" srcId="{E761170C-C393-0346-8283-0F1D2F828B43}" destId="{D43A2D03-919A-B34F-8513-E0DDCB8E33C6}" srcOrd="3" destOrd="0" presId="urn:microsoft.com/office/officeart/2005/8/layout/vList2"/>
-    <dgm:cxn modelId="{AF968C86-3174-8444-BB9D-5176282436FD}" type="presParOf" srcId="{E761170C-C393-0346-8283-0F1D2F828B43}" destId="{38EDBABB-3D6A-A14E-97DF-7C093C0CAA73}" srcOrd="4" destOrd="0" presId="urn:microsoft.com/office/officeart/2005/8/layout/vList2"/>
-    <dgm:cxn modelId="{2B98C6B6-2924-FF49-919B-C98F2264C87F}" type="presParOf" srcId="{E761170C-C393-0346-8283-0F1D2F828B43}" destId="{F4CFEA35-9534-E944-8A82-38499BBFF62F}" srcOrd="5" destOrd="0" presId="urn:microsoft.com/office/officeart/2005/8/layout/vList2"/>
-    <dgm:cxn modelId="{1CF9A0F2-1F9A-474C-9EE2-66BD49D8587F}" type="presParOf" srcId="{E761170C-C393-0346-8283-0F1D2F828B43}" destId="{86869A0B-BDD4-F943-A1AF-D62A1FE2A3C4}" srcOrd="6" destOrd="0" presId="urn:microsoft.com/office/officeart/2005/8/layout/vList2"/>
+    <dgm:cxn modelId="{E39807A0-6214-BA45-A240-65F9D4DFEEF1}" type="presOf" srcId="{FF0845E1-272E-431A-AC9D-0417EACB3FFF}" destId="{D44AF7B4-C3AE-4E21-A5E6-31BC2449FFB9}" srcOrd="0" destOrd="0" presId="urn:microsoft.com/office/officeart/2018/2/layout/IconCircleList"/>
+    <dgm:cxn modelId="{03BA06A1-32FF-D340-944A-B1B090A69D39}" type="presOf" srcId="{724842BB-372F-4B70-A1ED-118F57D2B611}" destId="{1A42EA80-ADBF-4303-A5F6-2F07AF6ECFBF}" srcOrd="0" destOrd="0" presId="urn:microsoft.com/office/officeart/2018/2/layout/IconCircleList"/>
+    <dgm:cxn modelId="{19C3E3A2-7BB2-6D40-A67D-23D6024A80B0}" type="presOf" srcId="{40E01847-B623-4AD2-BF0D-2BD59C955EA8}" destId="{9C492030-D7FF-4206-AEF2-6EF5BFA38A1A}" srcOrd="0" destOrd="0" presId="urn:microsoft.com/office/officeart/2018/2/layout/IconCircleList"/>
+    <dgm:cxn modelId="{04AB88C7-2ED5-7C40-BFB3-C201CB990292}" type="presOf" srcId="{91C8DE09-7E8E-4F76-80EC-E7183882D886}" destId="{E99A792C-C72E-4C18-8D2E-C3F4910238E6}" srcOrd="0" destOrd="0" presId="urn:microsoft.com/office/officeart/2018/2/layout/IconCircleList"/>
+    <dgm:cxn modelId="{9AB319D0-66CA-7541-B861-19E6D2F6185A}" type="presOf" srcId="{E48DD343-4E28-46D5-B503-FE33388B5C2B}" destId="{156BF4E4-7B62-4417-ACA1-D3120F2EFC02}" srcOrd="0" destOrd="0" presId="urn:microsoft.com/office/officeart/2018/2/layout/IconCircleList"/>
+    <dgm:cxn modelId="{DC2D43FD-F733-9A4C-BC53-7FA98923F6E1}" type="presOf" srcId="{6A303423-6C92-4B31-985E-EE4FB5750CD6}" destId="{5BA3896F-4A90-4FFF-B8B1-49F0D6B8C8B1}" srcOrd="0" destOrd="0" presId="urn:microsoft.com/office/officeart/2018/2/layout/IconCircleList"/>
+    <dgm:cxn modelId="{AEB98060-B214-2149-A22B-4D2F039FB012}" type="presParOf" srcId="{22A27495-9F51-44A4-88C0-CC3CDF279F1B}" destId="{1928D2D8-A8AB-4C05-A804-6379BF277999}" srcOrd="0" destOrd="0" presId="urn:microsoft.com/office/officeart/2018/2/layout/IconCircleList"/>
+    <dgm:cxn modelId="{F5B97C2A-FF06-9D41-97DC-0CB770597E9B}" type="presParOf" srcId="{1928D2D8-A8AB-4C05-A804-6379BF277999}" destId="{417909B2-DCB6-4004-9D09-55016FFEC40C}" srcOrd="0" destOrd="0" presId="urn:microsoft.com/office/officeart/2018/2/layout/IconCircleList"/>
+    <dgm:cxn modelId="{F3FEFFAE-BC67-074E-981D-E148659979F7}" type="presParOf" srcId="{417909B2-DCB6-4004-9D09-55016FFEC40C}" destId="{5C3412C5-2CE3-4EAE-B8F9-505C20158855}" srcOrd="0" destOrd="0" presId="urn:microsoft.com/office/officeart/2018/2/layout/IconCircleList"/>
+    <dgm:cxn modelId="{B0B8BB29-2C58-E446-A28C-89DEBE4962B9}" type="presParOf" srcId="{417909B2-DCB6-4004-9D09-55016FFEC40C}" destId="{9E2DE1C0-5275-4C2D-922B-21D3AE898682}" srcOrd="1" destOrd="0" presId="urn:microsoft.com/office/officeart/2018/2/layout/IconCircleList"/>
+    <dgm:cxn modelId="{6C9C5544-370C-B444-97F0-8EFBF47F9B85}" type="presParOf" srcId="{417909B2-DCB6-4004-9D09-55016FFEC40C}" destId="{9BF1DC70-AE2D-4DA5-9320-62BF0ABC2C34}" srcOrd="2" destOrd="0" presId="urn:microsoft.com/office/officeart/2018/2/layout/IconCircleList"/>
+    <dgm:cxn modelId="{F4AFA8B4-5E27-2249-B093-749B242F6844}" type="presParOf" srcId="{417909B2-DCB6-4004-9D09-55016FFEC40C}" destId="{9C492030-D7FF-4206-AEF2-6EF5BFA38A1A}" srcOrd="3" destOrd="0" presId="urn:microsoft.com/office/officeart/2018/2/layout/IconCircleList"/>
+    <dgm:cxn modelId="{F34180E9-2751-FD4F-B8B2-2860FC3021DC}" type="presParOf" srcId="{1928D2D8-A8AB-4C05-A804-6379BF277999}" destId="{1A42EA80-ADBF-4303-A5F6-2F07AF6ECFBF}" srcOrd="1" destOrd="0" presId="urn:microsoft.com/office/officeart/2018/2/layout/IconCircleList"/>
+    <dgm:cxn modelId="{CFB96089-B012-D445-AC00-0582C0F650A9}" type="presParOf" srcId="{1928D2D8-A8AB-4C05-A804-6379BF277999}" destId="{DD73D10F-C333-485F-AE2A-D0195C76FA73}" srcOrd="2" destOrd="0" presId="urn:microsoft.com/office/officeart/2018/2/layout/IconCircleList"/>
+    <dgm:cxn modelId="{FE0AA594-8FFC-EE40-9522-0F29F7F3917E}" type="presParOf" srcId="{DD73D10F-C333-485F-AE2A-D0195C76FA73}" destId="{E2D1E0B5-F529-439B-8D00-CFA2545E825E}" srcOrd="0" destOrd="0" presId="urn:microsoft.com/office/officeart/2018/2/layout/IconCircleList"/>
+    <dgm:cxn modelId="{039777AB-5A1B-0946-A59C-D9139E1F1031}" type="presParOf" srcId="{DD73D10F-C333-485F-AE2A-D0195C76FA73}" destId="{27760759-306C-41B0-AC72-19BAB36B8AE6}" srcOrd="1" destOrd="0" presId="urn:microsoft.com/office/officeart/2018/2/layout/IconCircleList"/>
+    <dgm:cxn modelId="{7E0C258B-3250-6841-B546-2CAD2AE9D5E0}" type="presParOf" srcId="{DD73D10F-C333-485F-AE2A-D0195C76FA73}" destId="{8CF3BF37-6FE0-481B-A7C7-3E6A57F1C105}" srcOrd="2" destOrd="0" presId="urn:microsoft.com/office/officeart/2018/2/layout/IconCircleList"/>
+    <dgm:cxn modelId="{DDDB2CC2-801B-3C44-BEDA-2A96954EB64A}" type="presParOf" srcId="{DD73D10F-C333-485F-AE2A-D0195C76FA73}" destId="{D44AF7B4-C3AE-4E21-A5E6-31BC2449FFB9}" srcOrd="3" destOrd="0" presId="urn:microsoft.com/office/officeart/2018/2/layout/IconCircleList"/>
+    <dgm:cxn modelId="{0A730D9E-EDB5-B04E-A964-601533036030}" type="presParOf" srcId="{1928D2D8-A8AB-4C05-A804-6379BF277999}" destId="{B407F2FB-3FE7-4718-9095-788BD4111657}" srcOrd="3" destOrd="0" presId="urn:microsoft.com/office/officeart/2018/2/layout/IconCircleList"/>
+    <dgm:cxn modelId="{39F7DEAD-43AF-004B-AA12-C0B96FAB9BD8}" type="presParOf" srcId="{1928D2D8-A8AB-4C05-A804-6379BF277999}" destId="{B7557AD3-0071-4287-A67F-3E54359C0C48}" srcOrd="4" destOrd="0" presId="urn:microsoft.com/office/officeart/2018/2/layout/IconCircleList"/>
+    <dgm:cxn modelId="{49A5FC48-A055-FD40-A2AC-A017A7293599}" type="presParOf" srcId="{B7557AD3-0071-4287-A67F-3E54359C0C48}" destId="{A0109CE5-0036-43C3-83E4-44C13D1DF9FB}" srcOrd="0" destOrd="0" presId="urn:microsoft.com/office/officeart/2018/2/layout/IconCircleList"/>
+    <dgm:cxn modelId="{89C8E087-03BA-F54F-987D-5793127FEED6}" type="presParOf" srcId="{B7557AD3-0071-4287-A67F-3E54359C0C48}" destId="{EB925087-4BA8-4091-B165-3D4E126BA2C9}" srcOrd="1" destOrd="0" presId="urn:microsoft.com/office/officeart/2018/2/layout/IconCircleList"/>
+    <dgm:cxn modelId="{C9ADA550-6828-654E-92D1-4BC5DA95EFC1}" type="presParOf" srcId="{B7557AD3-0071-4287-A67F-3E54359C0C48}" destId="{C050B9B0-D9E3-4445-BA6C-51423DE27D7A}" srcOrd="2" destOrd="0" presId="urn:microsoft.com/office/officeart/2018/2/layout/IconCircleList"/>
+    <dgm:cxn modelId="{79F002D6-FFD3-5C4E-ABF2-1D53ACA4A69B}" type="presParOf" srcId="{B7557AD3-0071-4287-A67F-3E54359C0C48}" destId="{5BA3896F-4A90-4FFF-B8B1-49F0D6B8C8B1}" srcOrd="3" destOrd="0" presId="urn:microsoft.com/office/officeart/2018/2/layout/IconCircleList"/>
+    <dgm:cxn modelId="{3A6C7F8D-8A05-A649-98FF-C9104298075C}" type="presParOf" srcId="{1928D2D8-A8AB-4C05-A804-6379BF277999}" destId="{E99A792C-C72E-4C18-8D2E-C3F4910238E6}" srcOrd="5" destOrd="0" presId="urn:microsoft.com/office/officeart/2018/2/layout/IconCircleList"/>
+    <dgm:cxn modelId="{B6B9EF04-B19D-3044-9727-13869B01DFA9}" type="presParOf" srcId="{1928D2D8-A8AB-4C05-A804-6379BF277999}" destId="{855558F7-6F63-4331-9488-48391FE4D8E2}" srcOrd="6" destOrd="0" presId="urn:microsoft.com/office/officeart/2018/2/layout/IconCircleList"/>
+    <dgm:cxn modelId="{2898A169-50BE-484F-8A71-AD793C44C297}" type="presParOf" srcId="{855558F7-6F63-4331-9488-48391FE4D8E2}" destId="{21B166B6-B94E-4C69-A821-16C800679C72}" srcOrd="0" destOrd="0" presId="urn:microsoft.com/office/officeart/2018/2/layout/IconCircleList"/>
+    <dgm:cxn modelId="{B0D239C4-542A-9444-9FE8-30059FA67838}" type="presParOf" srcId="{855558F7-6F63-4331-9488-48391FE4D8E2}" destId="{89F43DAB-A49E-4A59-AD11-65E559AC969B}" srcOrd="1" destOrd="0" presId="urn:microsoft.com/office/officeart/2018/2/layout/IconCircleList"/>
+    <dgm:cxn modelId="{4F476340-59E3-A54C-86F5-254FD39D1A05}" type="presParOf" srcId="{855558F7-6F63-4331-9488-48391FE4D8E2}" destId="{71DC2B68-C347-47E6-9968-DBCAE5E2CE95}" srcOrd="2" destOrd="0" presId="urn:microsoft.com/office/officeart/2018/2/layout/IconCircleList"/>
+    <dgm:cxn modelId="{7C6DD487-6C3A-3E4B-944C-C7A3C6EA378A}" type="presParOf" srcId="{855558F7-6F63-4331-9488-48391FE4D8E2}" destId="{156BF4E4-7B62-4417-ACA1-D3120F2EFC02}" srcOrd="3" destOrd="0" presId="urn:microsoft.com/office/officeart/2018/2/layout/IconCircleList"/>
   </dgm:cxnLst>
   <dgm:bg/>
   <dgm:whole/>
   <dgm:extLst>
     <a:ext uri="http://schemas.microsoft.com/office/drawing/2008/diagram">
-      <dsp:dataModelExt xmlns:dsp="http://schemas.microsoft.com/office/drawing/2008/diagram" relId="rId6" minVer="http://schemas.openxmlformats.org/drawingml/2006/diagram"/>
+      <dsp:dataModelExt xmlns:dsp="http://schemas.microsoft.com/office/drawing/2008/diagram" relId="rId8" minVer="http://schemas.openxmlformats.org/drawingml/2006/diagram"/>
     </a:ext>
   </dgm:extLst>
 </dgm:dataModel>
@@ -5117,7 +5732,7 @@
 <dgm:dataModel xmlns:dgm="http://schemas.openxmlformats.org/drawingml/2006/diagram" xmlns:a="http://schemas.openxmlformats.org/drawingml/2006/main">
   <dgm:ptLst>
     <dgm:pt modelId="{9A13EF25-BED0-4910-A648-57EF527EA7D0}" type="doc">
-      <dgm:prSet loTypeId="urn:microsoft.com/office/officeart/2018/5/layout/IconCircleLabelList" loCatId="icon" qsTypeId="urn:microsoft.com/office/officeart/2005/8/quickstyle/simple1" qsCatId="simple" csTypeId="urn:microsoft.com/office/officeart/2018/5/colors/Iconchunking_neutralicon_colorful1" csCatId="colorful" phldr="1"/>
+      <dgm:prSet loTypeId="urn:microsoft.com/office/officeart/2018/5/layout/IconCircleLabelList" loCatId="icon" qsTypeId="urn:microsoft.com/office/officeart/2005/8/quickstyle/simple1" qsCatId="simple" csTypeId="urn:microsoft.com/office/officeart/2018/5/colors/Iconchunking_neutralbg_colorful1" csCatId="colorful" phldr="1"/>
       <dgm:spPr/>
       <dgm:t>
         <a:bodyPr/>
@@ -5135,9 +5750,6 @@
         <a:lstStyle/>
         <a:p>
           <a:pPr>
-            <a:lnSpc>
-              <a:spcPct val="100000"/>
-            </a:lnSpc>
             <a:defRPr cap="all"/>
           </a:pPr>
           <a:r>
@@ -5177,9 +5789,6 @@
         <a:lstStyle/>
         <a:p>
           <a:pPr>
-            <a:lnSpc>
-              <a:spcPct val="100000"/>
-            </a:lnSpc>
             <a:defRPr cap="all"/>
           </a:pPr>
           <a:r>
@@ -5219,9 +5828,6 @@
         <a:lstStyle/>
         <a:p>
           <a:pPr>
-            <a:lnSpc>
-              <a:spcPct val="100000"/>
-            </a:lnSpc>
             <a:defRPr cap="all"/>
           </a:pPr>
           <a:r>
@@ -5261,9 +5867,6 @@
         <a:lstStyle/>
         <a:p>
           <a:pPr>
-            <a:lnSpc>
-              <a:spcPct val="100000"/>
-            </a:lnSpc>
             <a:defRPr cap="all"/>
           </a:pPr>
           <a:r>
@@ -5303,9 +5906,6 @@
         <a:lstStyle/>
         <a:p>
           <a:pPr>
-            <a:lnSpc>
-              <a:spcPct val="100000"/>
-            </a:lnSpc>
             <a:defRPr cap="all"/>
           </a:pPr>
           <a:r>
@@ -5654,7 +6254,7 @@
   <dgm:whole/>
   <dgm:extLst>
     <a:ext uri="http://schemas.microsoft.com/office/drawing/2008/diagram">
-      <dsp:dataModelExt xmlns:dsp="http://schemas.microsoft.com/office/drawing/2008/diagram" relId="rId6" minVer="http://schemas.openxmlformats.org/drawingml/2006/diagram"/>
+      <dsp:dataModelExt xmlns:dsp="http://schemas.microsoft.com/office/drawing/2008/diagram" relId="rId7" minVer="http://schemas.openxmlformats.org/drawingml/2006/diagram"/>
     </a:ext>
   </dgm:extLst>
 </dgm:dataModel>
@@ -6255,32 +6855,32 @@
   <dgm:cxnLst>
     <dgm:cxn modelId="{EFB36831-8A0C-4B71-BC7D-E12E10181F56}" srcId="{5C7380C3-0A58-44FA-81F5-7FD89FC466D5}" destId="{1609A2C6-07DD-42D2-8245-513E4A000DDA}" srcOrd="0" destOrd="0" parTransId="{E7C391E6-E07A-42F2-A35A-A6033046B544}" sibTransId="{6F3EE98A-4418-478A-BF6F-611C574E9C45}"/>
     <dgm:cxn modelId="{E708A834-FC2E-224F-B25C-8B3B1A5DA802}" srcId="{5C7380C3-0A58-44FA-81F5-7FD89FC466D5}" destId="{9C2890CE-7647-F347-987C-F74344AF1CC2}" srcOrd="3" destOrd="0" parTransId="{E4AC41C9-E9AF-BE45-AC58-1CD662379679}" sibTransId="{64FB6C43-D31A-8847-A74A-B6CA0B4AA1AF}"/>
-    <dgm:cxn modelId="{0BB89838-D6A9-924F-ACCD-F7ABCA1EBB6B}" type="presOf" srcId="{1609A2C6-07DD-42D2-8245-513E4A000DDA}" destId="{4E906492-C509-47F3-9965-95027710B0C4}" srcOrd="0" destOrd="0" presId="urn:microsoft.com/office/officeart/2018/2/layout/IconLabelList"/>
-    <dgm:cxn modelId="{54D0765A-E88A-174A-9F57-DFA499CDFB59}" type="presOf" srcId="{9B74B82D-CDA5-45C0-BB62-CC7F13F328FB}" destId="{A2680EA0-F832-4DD3-81F4-18FEC1E47437}" srcOrd="0" destOrd="0" presId="urn:microsoft.com/office/officeart/2018/2/layout/IconLabelList"/>
-    <dgm:cxn modelId="{5FB5A65B-4D23-D244-AC48-97F45D1B0381}" type="presOf" srcId="{464ADE55-76A1-4ECF-98F7-B2440CDB7AEF}" destId="{4E122CDD-BC49-4142-A94D-7E16D8B72426}" srcOrd="0" destOrd="0" presId="urn:microsoft.com/office/officeart/2018/2/layout/IconLabelList"/>
+    <dgm:cxn modelId="{ACA2FE4D-7C90-9448-9819-79E88538C358}" type="presOf" srcId="{9B74B82D-CDA5-45C0-BB62-CC7F13F328FB}" destId="{A2680EA0-F832-4DD3-81F4-18FEC1E47437}" srcOrd="0" destOrd="0" presId="urn:microsoft.com/office/officeart/2018/2/layout/IconLabelList"/>
+    <dgm:cxn modelId="{4616B571-3870-3248-8CF3-063A3E589C0E}" type="presOf" srcId="{9C2890CE-7647-F347-987C-F74344AF1CC2}" destId="{AF4A4357-E0D8-574E-A583-8AA057AE23B4}" srcOrd="0" destOrd="0" presId="urn:microsoft.com/office/officeart/2018/2/layout/IconLabelList"/>
     <dgm:cxn modelId="{644EAC73-806A-4D58-A4DA-39763171A8E4}" srcId="{5C7380C3-0A58-44FA-81F5-7FD89FC466D5}" destId="{464ADE55-76A1-4ECF-98F7-B2440CDB7AEF}" srcOrd="1" destOrd="0" parTransId="{90FFDE0E-E6A6-44F6-AEF0-488D5463B7DB}" sibTransId="{251B0766-0180-4DE4-93DC-F14E4723CF44}"/>
     <dgm:cxn modelId="{CC809F98-8A1A-4494-8BD7-597D5B57691F}" srcId="{5C7380C3-0A58-44FA-81F5-7FD89FC466D5}" destId="{9B74B82D-CDA5-45C0-BB62-CC7F13F328FB}" srcOrd="2" destOrd="0" parTransId="{960D2BCC-C23A-44D2-99E5-55D04F894E29}" sibTransId="{D487D693-7F31-474B-AC2A-DCACDEA5A22D}"/>
     <dgm:cxn modelId="{85E0359E-A900-440D-AED2-F189F570DF5C}" type="presOf" srcId="{5C7380C3-0A58-44FA-81F5-7FD89FC466D5}" destId="{8C7C6FBD-212F-4AE6-9923-C5568ECD2412}" srcOrd="0" destOrd="0" presId="urn:microsoft.com/office/officeart/2018/2/layout/IconLabelList"/>
-    <dgm:cxn modelId="{7E0D4DDB-27E4-664F-8852-B0B9D2822933}" type="presOf" srcId="{9C2890CE-7647-F347-987C-F74344AF1CC2}" destId="{AF4A4357-E0D8-574E-A583-8AA057AE23B4}" srcOrd="0" destOrd="0" presId="urn:microsoft.com/office/officeart/2018/2/layout/IconLabelList"/>
+    <dgm:cxn modelId="{83F7CDC3-6F41-3842-B012-1537FFC0C3D2}" type="presOf" srcId="{464ADE55-76A1-4ECF-98F7-B2440CDB7AEF}" destId="{4E122CDD-BC49-4142-A94D-7E16D8B72426}" srcOrd="0" destOrd="0" presId="urn:microsoft.com/office/officeart/2018/2/layout/IconLabelList"/>
+    <dgm:cxn modelId="{D7C6EFCB-A82C-4F4A-AB65-C31C9E8BBBA4}" type="presOf" srcId="{1609A2C6-07DD-42D2-8245-513E4A000DDA}" destId="{4E906492-C509-47F3-9965-95027710B0C4}" srcOrd="0" destOrd="0" presId="urn:microsoft.com/office/officeart/2018/2/layout/IconLabelList"/>
     <dgm:cxn modelId="{5DEC0C42-3670-A748-8CDB-10CFDBF36253}" type="presParOf" srcId="{8C7C6FBD-212F-4AE6-9923-C5568ECD2412}" destId="{151EF5CD-61C0-49E9-A612-E879FC835DF8}" srcOrd="0" destOrd="0" presId="urn:microsoft.com/office/officeart/2018/2/layout/IconLabelList"/>
-    <dgm:cxn modelId="{273F3516-692E-CA4D-9C56-32470DD1AFF1}" type="presParOf" srcId="{151EF5CD-61C0-49E9-A612-E879FC835DF8}" destId="{B82B90EB-4A13-4ABA-A351-6F258C574B46}" srcOrd="0" destOrd="0" presId="urn:microsoft.com/office/officeart/2018/2/layout/IconLabelList"/>
-    <dgm:cxn modelId="{72486D14-2C37-9A40-AA5A-7333D73E6ED9}" type="presParOf" srcId="{151EF5CD-61C0-49E9-A612-E879FC835DF8}" destId="{D859826B-6136-4336-A459-3DF4298218EE}" srcOrd="1" destOrd="0" presId="urn:microsoft.com/office/officeart/2018/2/layout/IconLabelList"/>
-    <dgm:cxn modelId="{81C5E8A4-2FE7-824C-B7C5-80D7F4D918F7}" type="presParOf" srcId="{151EF5CD-61C0-49E9-A612-E879FC835DF8}" destId="{4E906492-C509-47F3-9965-95027710B0C4}" srcOrd="2" destOrd="0" presId="urn:microsoft.com/office/officeart/2018/2/layout/IconLabelList"/>
+    <dgm:cxn modelId="{2AEE0E42-D76E-0A4E-B246-D7117945CFCA}" type="presParOf" srcId="{151EF5CD-61C0-49E9-A612-E879FC835DF8}" destId="{B82B90EB-4A13-4ABA-A351-6F258C574B46}" srcOrd="0" destOrd="0" presId="urn:microsoft.com/office/officeart/2018/2/layout/IconLabelList"/>
+    <dgm:cxn modelId="{8883A280-A406-D44F-818A-1B2A52F97D9B}" type="presParOf" srcId="{151EF5CD-61C0-49E9-A612-E879FC835DF8}" destId="{D859826B-6136-4336-A459-3DF4298218EE}" srcOrd="1" destOrd="0" presId="urn:microsoft.com/office/officeart/2018/2/layout/IconLabelList"/>
+    <dgm:cxn modelId="{E3FE847A-F751-8047-A84A-BEBD716EBA0F}" type="presParOf" srcId="{151EF5CD-61C0-49E9-A612-E879FC835DF8}" destId="{4E906492-C509-47F3-9965-95027710B0C4}" srcOrd="2" destOrd="0" presId="urn:microsoft.com/office/officeart/2018/2/layout/IconLabelList"/>
     <dgm:cxn modelId="{661A8B5E-5224-824D-878B-921C6E898456}" type="presParOf" srcId="{8C7C6FBD-212F-4AE6-9923-C5568ECD2412}" destId="{D34F1ECF-70D7-4AD7-A1A0-FECBB1BE38AE}" srcOrd="1" destOrd="0" presId="urn:microsoft.com/office/officeart/2018/2/layout/IconLabelList"/>
     <dgm:cxn modelId="{047B8CA8-0894-2046-9772-AA0E6FE319BC}" type="presParOf" srcId="{8C7C6FBD-212F-4AE6-9923-C5568ECD2412}" destId="{F618D4DA-C47C-4DA5-BE1F-0D45A00EE475}" srcOrd="2" destOrd="0" presId="urn:microsoft.com/office/officeart/2018/2/layout/IconLabelList"/>
-    <dgm:cxn modelId="{F867D368-7880-F442-BCCC-F49AF4BC4073}" type="presParOf" srcId="{F618D4DA-C47C-4DA5-BE1F-0D45A00EE475}" destId="{CF15DB4B-B5A6-4AC6-BC9E-0CCB16F93B26}" srcOrd="0" destOrd="0" presId="urn:microsoft.com/office/officeart/2018/2/layout/IconLabelList"/>
-    <dgm:cxn modelId="{39C1534D-A817-8B47-B05C-EA49216E98AD}" type="presParOf" srcId="{F618D4DA-C47C-4DA5-BE1F-0D45A00EE475}" destId="{9CB0986A-1C07-4A68-9A48-FB3B249BBBBB}" srcOrd="1" destOrd="0" presId="urn:microsoft.com/office/officeart/2018/2/layout/IconLabelList"/>
-    <dgm:cxn modelId="{50B2110F-CE66-B04B-8CCC-E1DDF61AF121}" type="presParOf" srcId="{F618D4DA-C47C-4DA5-BE1F-0D45A00EE475}" destId="{4E122CDD-BC49-4142-A94D-7E16D8B72426}" srcOrd="2" destOrd="0" presId="urn:microsoft.com/office/officeart/2018/2/layout/IconLabelList"/>
+    <dgm:cxn modelId="{64271AE4-3E92-1B4E-B925-59DD51271FC2}" type="presParOf" srcId="{F618D4DA-C47C-4DA5-BE1F-0D45A00EE475}" destId="{CF15DB4B-B5A6-4AC6-BC9E-0CCB16F93B26}" srcOrd="0" destOrd="0" presId="urn:microsoft.com/office/officeart/2018/2/layout/IconLabelList"/>
+    <dgm:cxn modelId="{E6707EF5-B608-F24B-B539-CC212F7578BA}" type="presParOf" srcId="{F618D4DA-C47C-4DA5-BE1F-0D45A00EE475}" destId="{9CB0986A-1C07-4A68-9A48-FB3B249BBBBB}" srcOrd="1" destOrd="0" presId="urn:microsoft.com/office/officeart/2018/2/layout/IconLabelList"/>
+    <dgm:cxn modelId="{8D99DDD6-1549-0748-BBDC-72AADC506B80}" type="presParOf" srcId="{F618D4DA-C47C-4DA5-BE1F-0D45A00EE475}" destId="{4E122CDD-BC49-4142-A94D-7E16D8B72426}" srcOrd="2" destOrd="0" presId="urn:microsoft.com/office/officeart/2018/2/layout/IconLabelList"/>
     <dgm:cxn modelId="{B98E891A-3001-9B4D-98B7-BA6755A46018}" type="presParOf" srcId="{8C7C6FBD-212F-4AE6-9923-C5568ECD2412}" destId="{C39F2F5F-D274-44F3-BCB6-526DB3FD40B0}" srcOrd="3" destOrd="0" presId="urn:microsoft.com/office/officeart/2018/2/layout/IconLabelList"/>
     <dgm:cxn modelId="{A4F869A5-6B9F-FC48-8125-C811B842E9D7}" type="presParOf" srcId="{8C7C6FBD-212F-4AE6-9923-C5568ECD2412}" destId="{5273103B-BCE9-4177-AD15-0D9B906EF03E}" srcOrd="4" destOrd="0" presId="urn:microsoft.com/office/officeart/2018/2/layout/IconLabelList"/>
-    <dgm:cxn modelId="{6EBD58C7-9F7C-7040-A5C5-1766FA2D565F}" type="presParOf" srcId="{5273103B-BCE9-4177-AD15-0D9B906EF03E}" destId="{38790BB7-BBAC-470C-9AD5-C1392D320498}" srcOrd="0" destOrd="0" presId="urn:microsoft.com/office/officeart/2018/2/layout/IconLabelList"/>
-    <dgm:cxn modelId="{352B877E-0813-7C41-9208-72BA1F57A031}" type="presParOf" srcId="{5273103B-BCE9-4177-AD15-0D9B906EF03E}" destId="{284E832D-F0B3-4306-9230-553FAA1895E9}" srcOrd="1" destOrd="0" presId="urn:microsoft.com/office/officeart/2018/2/layout/IconLabelList"/>
-    <dgm:cxn modelId="{9E8D5A96-4311-D944-ADF7-C312EF39A487}" type="presParOf" srcId="{5273103B-BCE9-4177-AD15-0D9B906EF03E}" destId="{A2680EA0-F832-4DD3-81F4-18FEC1E47437}" srcOrd="2" destOrd="0" presId="urn:microsoft.com/office/officeart/2018/2/layout/IconLabelList"/>
+    <dgm:cxn modelId="{3227A24A-1D4B-FB4C-A73A-B6E9C3859B6D}" type="presParOf" srcId="{5273103B-BCE9-4177-AD15-0D9B906EF03E}" destId="{38790BB7-BBAC-470C-9AD5-C1392D320498}" srcOrd="0" destOrd="0" presId="urn:microsoft.com/office/officeart/2018/2/layout/IconLabelList"/>
+    <dgm:cxn modelId="{E22A02BD-89A9-3C41-AF1C-17DF0705DF1A}" type="presParOf" srcId="{5273103B-BCE9-4177-AD15-0D9B906EF03E}" destId="{284E832D-F0B3-4306-9230-553FAA1895E9}" srcOrd="1" destOrd="0" presId="urn:microsoft.com/office/officeart/2018/2/layout/IconLabelList"/>
+    <dgm:cxn modelId="{08FD8DFB-4C9B-8C40-B14B-8CDAC75A40FF}" type="presParOf" srcId="{5273103B-BCE9-4177-AD15-0D9B906EF03E}" destId="{A2680EA0-F832-4DD3-81F4-18FEC1E47437}" srcOrd="2" destOrd="0" presId="urn:microsoft.com/office/officeart/2018/2/layout/IconLabelList"/>
     <dgm:cxn modelId="{A466E59D-FCE4-2A40-BEB1-08EFDCC5590A}" type="presParOf" srcId="{8C7C6FBD-212F-4AE6-9923-C5568ECD2412}" destId="{0D751A09-47B9-4347-8FED-A9B431D3B649}" srcOrd="5" destOrd="0" presId="urn:microsoft.com/office/officeart/2018/2/layout/IconLabelList"/>
     <dgm:cxn modelId="{BA3D4F81-ACF3-FB45-B22E-5614FD58197D}" type="presParOf" srcId="{8C7C6FBD-212F-4AE6-9923-C5568ECD2412}" destId="{56F76548-1F8C-A047-A90C-F0232041ED5E}" srcOrd="6" destOrd="0" presId="urn:microsoft.com/office/officeart/2018/2/layout/IconLabelList"/>
-    <dgm:cxn modelId="{DA0C3EC1-C6D1-6849-A72A-FDC3F0791276}" type="presParOf" srcId="{56F76548-1F8C-A047-A90C-F0232041ED5E}" destId="{A93AE517-3932-2A4C-845D-30676652C06C}" srcOrd="0" destOrd="0" presId="urn:microsoft.com/office/officeart/2018/2/layout/IconLabelList"/>
-    <dgm:cxn modelId="{98A704C5-B414-A040-A074-DCD07F30D46D}" type="presParOf" srcId="{56F76548-1F8C-A047-A90C-F0232041ED5E}" destId="{414A9A79-ABCA-184B-8E0A-6A918BA37C78}" srcOrd="1" destOrd="0" presId="urn:microsoft.com/office/officeart/2018/2/layout/IconLabelList"/>
-    <dgm:cxn modelId="{2C6DA2BD-DA38-5145-B753-FAAF085454F0}" type="presParOf" srcId="{56F76548-1F8C-A047-A90C-F0232041ED5E}" destId="{AF4A4357-E0D8-574E-A583-8AA057AE23B4}" srcOrd="2" destOrd="0" presId="urn:microsoft.com/office/officeart/2018/2/layout/IconLabelList"/>
+    <dgm:cxn modelId="{9B2AF860-5327-6B49-8A1C-B6DC620E6AD8}" type="presParOf" srcId="{56F76548-1F8C-A047-A90C-F0232041ED5E}" destId="{A93AE517-3932-2A4C-845D-30676652C06C}" srcOrd="0" destOrd="0" presId="urn:microsoft.com/office/officeart/2018/2/layout/IconLabelList"/>
+    <dgm:cxn modelId="{6B2331B4-EFCB-A34A-A99C-18CB1058DB0C}" type="presParOf" srcId="{56F76548-1F8C-A047-A90C-F0232041ED5E}" destId="{414A9A79-ABCA-184B-8E0A-6A918BA37C78}" srcOrd="1" destOrd="0" presId="urn:microsoft.com/office/officeart/2018/2/layout/IconLabelList"/>
+    <dgm:cxn modelId="{577E6869-A69C-AD43-BE5F-3D3BDBBD7792}" type="presParOf" srcId="{56F76548-1F8C-A047-A90C-F0232041ED5E}" destId="{AF4A4357-E0D8-574E-A583-8AA057AE23B4}" srcOrd="2" destOrd="0" presId="urn:microsoft.com/office/officeart/2018/2/layout/IconLabelList"/>
   </dgm:cxnLst>
   <dgm:bg/>
   <dgm:whole/>
@@ -6762,78 +7362,134 @@
       <dsp:cNvGrpSpPr/>
     </dsp:nvGrpSpPr>
     <dsp:grpSpPr/>
-    <dsp:sp modelId="{33CFBDFE-1A85-7044-ADD0-CED5EB9EBF54}">
+    <dsp:sp modelId="{5C3412C5-2CE3-4EAE-B8F9-505C20158855}">
       <dsp:nvSpPr>
         <dsp:cNvPr id="0" name=""/>
         <dsp:cNvSpPr/>
       </dsp:nvSpPr>
       <dsp:spPr>
         <a:xfrm>
-          <a:off x="0" y="313091"/>
-          <a:ext cx="4908899" cy="994500"/>
+          <a:off x="1130523" y="2333"/>
+          <a:ext cx="603028" cy="603028"/>
         </a:xfrm>
-        <a:prstGeom prst="roundRect">
+        <a:prstGeom prst="ellipse">
           <a:avLst/>
         </a:prstGeom>
-        <a:gradFill rotWithShape="0">
-          <a:gsLst>
-            <a:gs pos="0">
-              <a:schemeClr val="accent2">
-                <a:hueOff val="0"/>
-                <a:satOff val="0"/>
-                <a:lumOff val="0"/>
-                <a:alphaOff val="0"/>
-                <a:tint val="98000"/>
-                <a:lumMod val="100000"/>
-              </a:schemeClr>
-            </a:gs>
-            <a:gs pos="100000">
-              <a:schemeClr val="accent2">
-                <a:hueOff val="0"/>
-                <a:satOff val="0"/>
-                <a:lumOff val="0"/>
-                <a:alphaOff val="0"/>
-                <a:shade val="88000"/>
-                <a:lumMod val="88000"/>
-              </a:schemeClr>
-            </a:gs>
-          </a:gsLst>
-          <a:lin ang="5400000" scaled="1"/>
-        </a:gradFill>
+        <a:solidFill>
+          <a:schemeClr val="accent2">
+            <a:hueOff val="0"/>
+            <a:satOff val="0"/>
+            <a:lumOff val="0"/>
+            <a:alphaOff val="0"/>
+          </a:schemeClr>
+        </a:solidFill>
         <a:ln>
           <a:noFill/>
         </a:ln>
-        <a:effectLst>
-          <a:outerShdw blurRad="50800" dist="38100" dir="5400000" rotWithShape="0">
-            <a:srgbClr val="000000">
-              <a:alpha val="35000"/>
-            </a:srgbClr>
-          </a:outerShdw>
-        </a:effectLst>
+        <a:effectLst/>
       </dsp:spPr>
       <dsp:style>
         <a:lnRef idx="0">
           <a:scrgbClr r="0" g="0" b="0"/>
         </a:lnRef>
-        <a:fillRef idx="3">
+        <a:fillRef idx="1">
           <a:scrgbClr r="0" g="0" b="0"/>
         </a:fillRef>
-        <a:effectRef idx="2">
+        <a:effectRef idx="0">
+          <a:scrgbClr r="0" g="0" b="0"/>
+        </a:effectRef>
+        <a:fontRef idx="minor"/>
+      </dsp:style>
+    </dsp:sp>
+    <dsp:sp modelId="{9E2DE1C0-5275-4C2D-922B-21D3AE898682}">
+      <dsp:nvSpPr>
+        <dsp:cNvPr id="0" name=""/>
+        <dsp:cNvSpPr/>
+      </dsp:nvSpPr>
+      <dsp:spPr>
+        <a:xfrm>
+          <a:off x="1257159" y="128969"/>
+          <a:ext cx="349756" cy="349756"/>
+        </a:xfrm>
+        <a:prstGeom prst="rect">
+          <a:avLst/>
+        </a:prstGeom>
+        <a:blipFill>
+          <a:blip xmlns:r="http://schemas.openxmlformats.org/officeDocument/2006/relationships" r:embed="rId1">
+            <a:extLst>
+              <a:ext uri="{28A0092B-C50C-407E-A947-70E740481C1C}">
+                <a14:useLocalDpi xmlns:a14="http://schemas.microsoft.com/office/drawing/2010/main" val="0"/>
+              </a:ext>
+              <a:ext uri="{96DAC541-7B7A-43D3-8B79-37D633B846F1}">
+                <asvg:svgBlip xmlns:asvg="http://schemas.microsoft.com/office/drawing/2016/SVG/main" r:embed="rId2"/>
+              </a:ext>
+            </a:extLst>
+          </a:blip>
+          <a:stretch>
+            <a:fillRect/>
+          </a:stretch>
+        </a:blipFill>
+        <a:ln w="19050" cap="rnd" cmpd="sng" algn="ctr">
+          <a:noFill/>
+          <a:prstDash val="solid"/>
+        </a:ln>
+        <a:effectLst/>
+      </dsp:spPr>
+      <dsp:style>
+        <a:lnRef idx="2">
+          <a:scrgbClr r="0" g="0" b="0"/>
+        </a:lnRef>
+        <a:fillRef idx="1">
+          <a:scrgbClr r="0" g="0" b="0"/>
+        </a:fillRef>
+        <a:effectRef idx="0">
           <a:scrgbClr r="0" g="0" b="0"/>
         </a:effectRef>
         <a:fontRef idx="minor">
           <a:schemeClr val="lt1"/>
         </a:fontRef>
       </dsp:style>
+    </dsp:sp>
+    <dsp:sp modelId="{9C492030-D7FF-4206-AEF2-6EF5BFA38A1A}">
+      <dsp:nvSpPr>
+        <dsp:cNvPr id="0" name=""/>
+        <dsp:cNvSpPr/>
+      </dsp:nvSpPr>
+      <dsp:spPr>
+        <a:xfrm>
+          <a:off x="1862772" y="2333"/>
+          <a:ext cx="1421423" cy="603028"/>
+        </a:xfrm>
+        <a:prstGeom prst="rect">
+          <a:avLst/>
+        </a:prstGeom>
+        <a:noFill/>
+        <a:ln>
+          <a:noFill/>
+        </a:ln>
+        <a:effectLst/>
+      </dsp:spPr>
+      <dsp:style>
+        <a:lnRef idx="0">
+          <a:scrgbClr r="0" g="0" b="0"/>
+        </a:lnRef>
+        <a:fillRef idx="0">
+          <a:scrgbClr r="0" g="0" b="0"/>
+        </a:fillRef>
+        <a:effectRef idx="0">
+          <a:scrgbClr r="0" g="0" b="0"/>
+        </a:effectRef>
+        <a:fontRef idx="minor"/>
+      </dsp:style>
       <dsp:txBody>
-        <a:bodyPr spcFirstLastPara="0" vert="horz" wrap="square" lIns="95250" tIns="95250" rIns="95250" bIns="95250" numCol="1" spcCol="1270" anchor="ctr" anchorCtr="0">
+        <a:bodyPr spcFirstLastPara="0" vert="horz" wrap="square" lIns="0" tIns="0" rIns="0" bIns="0" numCol="1" spcCol="1270" anchor="ctr" anchorCtr="0">
           <a:noAutofit/>
         </a:bodyPr>
         <a:lstStyle/>
         <a:p>
-          <a:pPr marL="0" lvl="0" indent="0" algn="l" defTabSz="1111250">
+          <a:pPr marL="0" lvl="0" indent="0" algn="l" defTabSz="488950">
             <a:lnSpc>
-              <a:spcPct val="90000"/>
+              <a:spcPct val="100000"/>
             </a:lnSpc>
             <a:spcBef>
               <a:spcPct val="0"/>
@@ -6842,91 +7498,146 @@
               <a:spcPct val="35000"/>
             </a:spcAft>
             <a:buNone/>
-            <a:defRPr cap="all"/>
           </a:pPr>
           <a:r>
-            <a:rPr lang="en-US" sz="2500" kern="1200"/>
+            <a:rPr lang="en-US" sz="1100" kern="1200"/>
             <a:t>- Cursor is an AI-powered code editor based on VS Code</a:t>
           </a:r>
         </a:p>
       </dsp:txBody>
       <dsp:txXfrm>
-        <a:off x="48547" y="361638"/>
-        <a:ext cx="4811805" cy="897406"/>
+        <a:off x="1862772" y="2333"/>
+        <a:ext cx="1421423" cy="603028"/>
       </dsp:txXfrm>
     </dsp:sp>
-    <dsp:sp modelId="{B084C579-21F3-6841-974B-FF5F4E0E82CD}">
+    <dsp:sp modelId="{E2D1E0B5-F529-439B-8D00-CFA2545E825E}">
       <dsp:nvSpPr>
         <dsp:cNvPr id="0" name=""/>
         <dsp:cNvSpPr/>
       </dsp:nvSpPr>
       <dsp:spPr>
         <a:xfrm>
-          <a:off x="0" y="1379591"/>
-          <a:ext cx="4908899" cy="994500"/>
+          <a:off x="1130523" y="1438838"/>
+          <a:ext cx="603028" cy="603028"/>
         </a:xfrm>
-        <a:prstGeom prst="roundRect">
+        <a:prstGeom prst="ellipse">
           <a:avLst/>
         </a:prstGeom>
-        <a:gradFill rotWithShape="0">
-          <a:gsLst>
-            <a:gs pos="0">
-              <a:schemeClr val="accent2">
-                <a:hueOff val="-1036716"/>
-                <a:satOff val="-5484"/>
-                <a:lumOff val="-2091"/>
-                <a:alphaOff val="0"/>
-                <a:tint val="98000"/>
-                <a:lumMod val="100000"/>
-              </a:schemeClr>
-            </a:gs>
-            <a:gs pos="100000">
-              <a:schemeClr val="accent2">
-                <a:hueOff val="-1036716"/>
-                <a:satOff val="-5484"/>
-                <a:lumOff val="-2091"/>
-                <a:alphaOff val="0"/>
-                <a:shade val="88000"/>
-                <a:lumMod val="88000"/>
-              </a:schemeClr>
-            </a:gs>
-          </a:gsLst>
-          <a:lin ang="5400000" scaled="1"/>
-        </a:gradFill>
+        <a:solidFill>
+          <a:schemeClr val="accent3">
+            <a:hueOff val="0"/>
+            <a:satOff val="0"/>
+            <a:lumOff val="0"/>
+            <a:alphaOff val="0"/>
+          </a:schemeClr>
+        </a:solidFill>
         <a:ln>
           <a:noFill/>
         </a:ln>
-        <a:effectLst>
-          <a:outerShdw blurRad="50800" dist="38100" dir="5400000" rotWithShape="0">
-            <a:srgbClr val="000000">
-              <a:alpha val="35000"/>
-            </a:srgbClr>
-          </a:outerShdw>
-        </a:effectLst>
+        <a:effectLst/>
       </dsp:spPr>
       <dsp:style>
         <a:lnRef idx="0">
           <a:scrgbClr r="0" g="0" b="0"/>
         </a:lnRef>
-        <a:fillRef idx="3">
+        <a:fillRef idx="1">
           <a:scrgbClr r="0" g="0" b="0"/>
         </a:fillRef>
-        <a:effectRef idx="2">
+        <a:effectRef idx="0">
+          <a:scrgbClr r="0" g="0" b="0"/>
+        </a:effectRef>
+        <a:fontRef idx="minor"/>
+      </dsp:style>
+    </dsp:sp>
+    <dsp:sp modelId="{27760759-306C-41B0-AC72-19BAB36B8AE6}">
+      <dsp:nvSpPr>
+        <dsp:cNvPr id="0" name=""/>
+        <dsp:cNvSpPr/>
+      </dsp:nvSpPr>
+      <dsp:spPr>
+        <a:xfrm>
+          <a:off x="1257159" y="1565474"/>
+          <a:ext cx="349756" cy="349756"/>
+        </a:xfrm>
+        <a:prstGeom prst="rect">
+          <a:avLst/>
+        </a:prstGeom>
+        <a:blipFill>
+          <a:blip xmlns:r="http://schemas.openxmlformats.org/officeDocument/2006/relationships" r:embed="rId3">
+            <a:extLst>
+              <a:ext uri="{28A0092B-C50C-407E-A947-70E740481C1C}">
+                <a14:useLocalDpi xmlns:a14="http://schemas.microsoft.com/office/drawing/2010/main" val="0"/>
+              </a:ext>
+              <a:ext uri="{96DAC541-7B7A-43D3-8B79-37D633B846F1}">
+                <asvg:svgBlip xmlns:asvg="http://schemas.microsoft.com/office/drawing/2016/SVG/main" r:embed="rId4"/>
+              </a:ext>
+            </a:extLst>
+          </a:blip>
+          <a:stretch>
+            <a:fillRect/>
+          </a:stretch>
+        </a:blipFill>
+        <a:ln w="19050" cap="rnd" cmpd="sng" algn="ctr">
+          <a:noFill/>
+          <a:prstDash val="solid"/>
+        </a:ln>
+        <a:effectLst/>
+      </dsp:spPr>
+      <dsp:style>
+        <a:lnRef idx="2">
+          <a:scrgbClr r="0" g="0" b="0"/>
+        </a:lnRef>
+        <a:fillRef idx="1">
+          <a:scrgbClr r="0" g="0" b="0"/>
+        </a:fillRef>
+        <a:effectRef idx="0">
           <a:scrgbClr r="0" g="0" b="0"/>
         </a:effectRef>
         <a:fontRef idx="minor">
           <a:schemeClr val="lt1"/>
         </a:fontRef>
       </dsp:style>
+    </dsp:sp>
+    <dsp:sp modelId="{D44AF7B4-C3AE-4E21-A5E6-31BC2449FFB9}">
+      <dsp:nvSpPr>
+        <dsp:cNvPr id="0" name=""/>
+        <dsp:cNvSpPr/>
+      </dsp:nvSpPr>
+      <dsp:spPr>
+        <a:xfrm>
+          <a:off x="1862772" y="1438838"/>
+          <a:ext cx="1421423" cy="603028"/>
+        </a:xfrm>
+        <a:prstGeom prst="rect">
+          <a:avLst/>
+        </a:prstGeom>
+        <a:noFill/>
+        <a:ln>
+          <a:noFill/>
+        </a:ln>
+        <a:effectLst/>
+      </dsp:spPr>
+      <dsp:style>
+        <a:lnRef idx="0">
+          <a:scrgbClr r="0" g="0" b="0"/>
+        </a:lnRef>
+        <a:fillRef idx="0">
+          <a:scrgbClr r="0" g="0" b="0"/>
+        </a:fillRef>
+        <a:effectRef idx="0">
+          <a:scrgbClr r="0" g="0" b="0"/>
+        </a:effectRef>
+        <a:fontRef idx="minor"/>
+      </dsp:style>
       <dsp:txBody>
-        <a:bodyPr spcFirstLastPara="0" vert="horz" wrap="square" lIns="95250" tIns="95250" rIns="95250" bIns="95250" numCol="1" spcCol="1270" anchor="ctr" anchorCtr="0">
+        <a:bodyPr spcFirstLastPara="0" vert="horz" wrap="square" lIns="0" tIns="0" rIns="0" bIns="0" numCol="1" spcCol="1270" anchor="ctr" anchorCtr="0">
           <a:noAutofit/>
         </a:bodyPr>
         <a:lstStyle/>
         <a:p>
-          <a:pPr marL="0" lvl="0" indent="0" algn="l" defTabSz="1111250">
+          <a:pPr marL="0" lvl="0" indent="0" algn="l" defTabSz="488950">
             <a:lnSpc>
-              <a:spcPct val="90000"/>
+              <a:spcPct val="100000"/>
             </a:lnSpc>
             <a:spcBef>
               <a:spcPct val="0"/>
@@ -6935,91 +7646,146 @@
               <a:spcPct val="35000"/>
             </a:spcAft>
             <a:buNone/>
-            <a:defRPr cap="all"/>
           </a:pPr>
           <a:r>
-            <a:rPr lang="en-US" sz="2500" kern="1200"/>
+            <a:rPr lang="en-US" sz="1100" kern="1200"/>
             <a:t>- Uses OpenAI's GPT-4/3.5 models for AI-assisted coding</a:t>
           </a:r>
         </a:p>
       </dsp:txBody>
       <dsp:txXfrm>
-        <a:off x="48547" y="1428138"/>
-        <a:ext cx="4811805" cy="897406"/>
+        <a:off x="1862772" y="1438838"/>
+        <a:ext cx="1421423" cy="603028"/>
       </dsp:txXfrm>
     </dsp:sp>
-    <dsp:sp modelId="{38EDBABB-3D6A-A14E-97DF-7C093C0CAA73}">
+    <dsp:sp modelId="{A0109CE5-0036-43C3-83E4-44C13D1DF9FB}">
       <dsp:nvSpPr>
         <dsp:cNvPr id="0" name=""/>
         <dsp:cNvSpPr/>
       </dsp:nvSpPr>
       <dsp:spPr>
         <a:xfrm>
-          <a:off x="0" y="2446091"/>
-          <a:ext cx="4908899" cy="994500"/>
+          <a:off x="1130523" y="2875343"/>
+          <a:ext cx="603028" cy="603028"/>
         </a:xfrm>
-        <a:prstGeom prst="roundRect">
+        <a:prstGeom prst="ellipse">
           <a:avLst/>
         </a:prstGeom>
-        <a:gradFill rotWithShape="0">
-          <a:gsLst>
-            <a:gs pos="0">
-              <a:schemeClr val="accent2">
-                <a:hueOff val="-2073431"/>
-                <a:satOff val="-10969"/>
-                <a:lumOff val="-4183"/>
-                <a:alphaOff val="0"/>
-                <a:tint val="98000"/>
-                <a:lumMod val="100000"/>
-              </a:schemeClr>
-            </a:gs>
-            <a:gs pos="100000">
-              <a:schemeClr val="accent2">
-                <a:hueOff val="-2073431"/>
-                <a:satOff val="-10969"/>
-                <a:lumOff val="-4183"/>
-                <a:alphaOff val="0"/>
-                <a:shade val="88000"/>
-                <a:lumMod val="88000"/>
-              </a:schemeClr>
-            </a:gs>
-          </a:gsLst>
-          <a:lin ang="5400000" scaled="1"/>
-        </a:gradFill>
+        <a:solidFill>
+          <a:schemeClr val="accent4">
+            <a:hueOff val="0"/>
+            <a:satOff val="0"/>
+            <a:lumOff val="0"/>
+            <a:alphaOff val="0"/>
+          </a:schemeClr>
+        </a:solidFill>
         <a:ln>
           <a:noFill/>
         </a:ln>
-        <a:effectLst>
-          <a:outerShdw blurRad="50800" dist="38100" dir="5400000" rotWithShape="0">
-            <a:srgbClr val="000000">
-              <a:alpha val="35000"/>
-            </a:srgbClr>
-          </a:outerShdw>
-        </a:effectLst>
+        <a:effectLst/>
       </dsp:spPr>
       <dsp:style>
         <a:lnRef idx="0">
           <a:scrgbClr r="0" g="0" b="0"/>
         </a:lnRef>
-        <a:fillRef idx="3">
+        <a:fillRef idx="1">
           <a:scrgbClr r="0" g="0" b="0"/>
         </a:fillRef>
-        <a:effectRef idx="2">
+        <a:effectRef idx="0">
+          <a:scrgbClr r="0" g="0" b="0"/>
+        </a:effectRef>
+        <a:fontRef idx="minor"/>
+      </dsp:style>
+    </dsp:sp>
+    <dsp:sp modelId="{EB925087-4BA8-4091-B165-3D4E126BA2C9}">
+      <dsp:nvSpPr>
+        <dsp:cNvPr id="0" name=""/>
+        <dsp:cNvSpPr/>
+      </dsp:nvSpPr>
+      <dsp:spPr>
+        <a:xfrm>
+          <a:off x="1257159" y="3001979"/>
+          <a:ext cx="349756" cy="349756"/>
+        </a:xfrm>
+        <a:prstGeom prst="rect">
+          <a:avLst/>
+        </a:prstGeom>
+        <a:blipFill>
+          <a:blip xmlns:r="http://schemas.openxmlformats.org/officeDocument/2006/relationships" r:embed="rId5">
+            <a:extLst>
+              <a:ext uri="{28A0092B-C50C-407E-A947-70E740481C1C}">
+                <a14:useLocalDpi xmlns:a14="http://schemas.microsoft.com/office/drawing/2010/main" val="0"/>
+              </a:ext>
+              <a:ext uri="{96DAC541-7B7A-43D3-8B79-37D633B846F1}">
+                <asvg:svgBlip xmlns:asvg="http://schemas.microsoft.com/office/drawing/2016/SVG/main" r:embed="rId6"/>
+              </a:ext>
+            </a:extLst>
+          </a:blip>
+          <a:stretch>
+            <a:fillRect/>
+          </a:stretch>
+        </a:blipFill>
+        <a:ln w="19050" cap="rnd" cmpd="sng" algn="ctr">
+          <a:noFill/>
+          <a:prstDash val="solid"/>
+        </a:ln>
+        <a:effectLst/>
+      </dsp:spPr>
+      <dsp:style>
+        <a:lnRef idx="2">
+          <a:scrgbClr r="0" g="0" b="0"/>
+        </a:lnRef>
+        <a:fillRef idx="1">
+          <a:scrgbClr r="0" g="0" b="0"/>
+        </a:fillRef>
+        <a:effectRef idx="0">
           <a:scrgbClr r="0" g="0" b="0"/>
         </a:effectRef>
         <a:fontRef idx="minor">
           <a:schemeClr val="lt1"/>
         </a:fontRef>
       </dsp:style>
+    </dsp:sp>
+    <dsp:sp modelId="{5BA3896F-4A90-4FFF-B8B1-49F0D6B8C8B1}">
+      <dsp:nvSpPr>
+        <dsp:cNvPr id="0" name=""/>
+        <dsp:cNvSpPr/>
+      </dsp:nvSpPr>
+      <dsp:spPr>
+        <a:xfrm>
+          <a:off x="1862772" y="2875343"/>
+          <a:ext cx="1421423" cy="603028"/>
+        </a:xfrm>
+        <a:prstGeom prst="rect">
+          <a:avLst/>
+        </a:prstGeom>
+        <a:noFill/>
+        <a:ln>
+          <a:noFill/>
+        </a:ln>
+        <a:effectLst/>
+      </dsp:spPr>
+      <dsp:style>
+        <a:lnRef idx="0">
+          <a:scrgbClr r="0" g="0" b="0"/>
+        </a:lnRef>
+        <a:fillRef idx="0">
+          <a:scrgbClr r="0" g="0" b="0"/>
+        </a:fillRef>
+        <a:effectRef idx="0">
+          <a:scrgbClr r="0" g="0" b="0"/>
+        </a:effectRef>
+        <a:fontRef idx="minor"/>
+      </dsp:style>
       <dsp:txBody>
-        <a:bodyPr spcFirstLastPara="0" vert="horz" wrap="square" lIns="95250" tIns="95250" rIns="95250" bIns="95250" numCol="1" spcCol="1270" anchor="ctr" anchorCtr="0">
+        <a:bodyPr spcFirstLastPara="0" vert="horz" wrap="square" lIns="0" tIns="0" rIns="0" bIns="0" numCol="1" spcCol="1270" anchor="ctr" anchorCtr="0">
           <a:noAutofit/>
         </a:bodyPr>
         <a:lstStyle/>
         <a:p>
-          <a:pPr marL="0" lvl="0" indent="0" algn="l" defTabSz="1111250">
+          <a:pPr marL="0" lvl="0" indent="0" algn="l" defTabSz="488950">
             <a:lnSpc>
-              <a:spcPct val="90000"/>
+              <a:spcPct val="100000"/>
             </a:lnSpc>
             <a:spcBef>
               <a:spcPct val="0"/>
@@ -7028,91 +7794,146 @@
               <a:spcPct val="35000"/>
             </a:spcAft>
             <a:buNone/>
-            <a:defRPr cap="all"/>
           </a:pPr>
           <a:r>
-            <a:rPr lang="en-US" sz="2500" kern="1200"/>
+            <a:rPr lang="en-US" sz="1100" kern="1200"/>
             <a:t>- Provides auto-completions, explanations, and bug fixing</a:t>
           </a:r>
         </a:p>
       </dsp:txBody>
       <dsp:txXfrm>
-        <a:off x="48547" y="2494638"/>
-        <a:ext cx="4811805" cy="897406"/>
+        <a:off x="1862772" y="2875343"/>
+        <a:ext cx="1421423" cy="603028"/>
       </dsp:txXfrm>
     </dsp:sp>
-    <dsp:sp modelId="{86869A0B-BDD4-F943-A1AF-D62A1FE2A3C4}">
+    <dsp:sp modelId="{21B166B6-B94E-4C69-A821-16C800679C72}">
       <dsp:nvSpPr>
         <dsp:cNvPr id="0" name=""/>
         <dsp:cNvSpPr/>
       </dsp:nvSpPr>
       <dsp:spPr>
         <a:xfrm>
-          <a:off x="0" y="3512591"/>
-          <a:ext cx="4908899" cy="994500"/>
+          <a:off x="1130523" y="4311848"/>
+          <a:ext cx="603028" cy="603028"/>
         </a:xfrm>
-        <a:prstGeom prst="roundRect">
+        <a:prstGeom prst="ellipse">
           <a:avLst/>
         </a:prstGeom>
-        <a:gradFill rotWithShape="0">
-          <a:gsLst>
-            <a:gs pos="0">
-              <a:schemeClr val="accent2">
-                <a:hueOff val="-3110147"/>
-                <a:satOff val="-16453"/>
-                <a:lumOff val="-6274"/>
-                <a:alphaOff val="0"/>
-                <a:tint val="98000"/>
-                <a:lumMod val="100000"/>
-              </a:schemeClr>
-            </a:gs>
-            <a:gs pos="100000">
-              <a:schemeClr val="accent2">
-                <a:hueOff val="-3110147"/>
-                <a:satOff val="-16453"/>
-                <a:lumOff val="-6274"/>
-                <a:alphaOff val="0"/>
-                <a:shade val="88000"/>
-                <a:lumMod val="88000"/>
-              </a:schemeClr>
-            </a:gs>
-          </a:gsLst>
-          <a:lin ang="5400000" scaled="1"/>
-        </a:gradFill>
+        <a:solidFill>
+          <a:schemeClr val="accent5">
+            <a:hueOff val="0"/>
+            <a:satOff val="0"/>
+            <a:lumOff val="0"/>
+            <a:alphaOff val="0"/>
+          </a:schemeClr>
+        </a:solidFill>
         <a:ln>
           <a:noFill/>
         </a:ln>
-        <a:effectLst>
-          <a:outerShdw blurRad="50800" dist="38100" dir="5400000" rotWithShape="0">
-            <a:srgbClr val="000000">
-              <a:alpha val="35000"/>
-            </a:srgbClr>
-          </a:outerShdw>
-        </a:effectLst>
+        <a:effectLst/>
       </dsp:spPr>
       <dsp:style>
         <a:lnRef idx="0">
           <a:scrgbClr r="0" g="0" b="0"/>
         </a:lnRef>
-        <a:fillRef idx="3">
+        <a:fillRef idx="1">
           <a:scrgbClr r="0" g="0" b="0"/>
         </a:fillRef>
-        <a:effectRef idx="2">
+        <a:effectRef idx="0">
+          <a:scrgbClr r="0" g="0" b="0"/>
+        </a:effectRef>
+        <a:fontRef idx="minor"/>
+      </dsp:style>
+    </dsp:sp>
+    <dsp:sp modelId="{89F43DAB-A49E-4A59-AD11-65E559AC969B}">
+      <dsp:nvSpPr>
+        <dsp:cNvPr id="0" name=""/>
+        <dsp:cNvSpPr/>
+      </dsp:nvSpPr>
+      <dsp:spPr>
+        <a:xfrm>
+          <a:off x="1257159" y="4438484"/>
+          <a:ext cx="349756" cy="349756"/>
+        </a:xfrm>
+        <a:prstGeom prst="rect">
+          <a:avLst/>
+        </a:prstGeom>
+        <a:blipFill>
+          <a:blip xmlns:r="http://schemas.openxmlformats.org/officeDocument/2006/relationships" r:embed="rId7">
+            <a:extLst>
+              <a:ext uri="{28A0092B-C50C-407E-A947-70E740481C1C}">
+                <a14:useLocalDpi xmlns:a14="http://schemas.microsoft.com/office/drawing/2010/main" val="0"/>
+              </a:ext>
+              <a:ext uri="{96DAC541-7B7A-43D3-8B79-37D633B846F1}">
+                <asvg:svgBlip xmlns:asvg="http://schemas.microsoft.com/office/drawing/2016/SVG/main" r:embed="rId8"/>
+              </a:ext>
+            </a:extLst>
+          </a:blip>
+          <a:stretch>
+            <a:fillRect/>
+          </a:stretch>
+        </a:blipFill>
+        <a:ln w="19050" cap="rnd" cmpd="sng" algn="ctr">
+          <a:noFill/>
+          <a:prstDash val="solid"/>
+        </a:ln>
+        <a:effectLst/>
+      </dsp:spPr>
+      <dsp:style>
+        <a:lnRef idx="2">
+          <a:scrgbClr r="0" g="0" b="0"/>
+        </a:lnRef>
+        <a:fillRef idx="1">
+          <a:scrgbClr r="0" g="0" b="0"/>
+        </a:fillRef>
+        <a:effectRef idx="0">
           <a:scrgbClr r="0" g="0" b="0"/>
         </a:effectRef>
         <a:fontRef idx="minor">
           <a:schemeClr val="lt1"/>
         </a:fontRef>
       </dsp:style>
+    </dsp:sp>
+    <dsp:sp modelId="{156BF4E4-7B62-4417-ACA1-D3120F2EFC02}">
+      <dsp:nvSpPr>
+        <dsp:cNvPr id="0" name=""/>
+        <dsp:cNvSpPr/>
+      </dsp:nvSpPr>
+      <dsp:spPr>
+        <a:xfrm>
+          <a:off x="1862772" y="4311848"/>
+          <a:ext cx="1421423" cy="603028"/>
+        </a:xfrm>
+        <a:prstGeom prst="rect">
+          <a:avLst/>
+        </a:prstGeom>
+        <a:noFill/>
+        <a:ln>
+          <a:noFill/>
+        </a:ln>
+        <a:effectLst/>
+      </dsp:spPr>
+      <dsp:style>
+        <a:lnRef idx="0">
+          <a:scrgbClr r="0" g="0" b="0"/>
+        </a:lnRef>
+        <a:fillRef idx="0">
+          <a:scrgbClr r="0" g="0" b="0"/>
+        </a:fillRef>
+        <a:effectRef idx="0">
+          <a:scrgbClr r="0" g="0" b="0"/>
+        </a:effectRef>
+        <a:fontRef idx="minor"/>
+      </dsp:style>
       <dsp:txBody>
-        <a:bodyPr spcFirstLastPara="0" vert="horz" wrap="square" lIns="95250" tIns="95250" rIns="95250" bIns="95250" numCol="1" spcCol="1270" anchor="ctr" anchorCtr="0">
+        <a:bodyPr spcFirstLastPara="0" vert="horz" wrap="square" lIns="0" tIns="0" rIns="0" bIns="0" numCol="1" spcCol="1270" anchor="ctr" anchorCtr="0">
           <a:noAutofit/>
         </a:bodyPr>
         <a:lstStyle/>
         <a:p>
-          <a:pPr marL="0" lvl="0" indent="0" algn="l" defTabSz="1111250">
+          <a:pPr marL="0" lvl="0" indent="0" algn="l" defTabSz="488950">
             <a:lnSpc>
-              <a:spcPct val="90000"/>
+              <a:spcPct val="100000"/>
             </a:lnSpc>
             <a:spcBef>
               <a:spcPct val="0"/>
@@ -7121,17 +7942,16 @@
               <a:spcPct val="35000"/>
             </a:spcAft>
             <a:buNone/>
-            <a:defRPr cap="all"/>
           </a:pPr>
           <a:r>
-            <a:rPr lang="en-US" sz="2500" kern="1200"/>
+            <a:rPr lang="en-US" sz="1100" kern="1200"/>
             <a:t>- Official website: cursor.sh</a:t>
           </a:r>
         </a:p>
       </dsp:txBody>
       <dsp:txXfrm>
-        <a:off x="48547" y="3561138"/>
-        <a:ext cx="4811805" cy="897406"/>
+        <a:off x="1862772" y="4311848"/>
+        <a:ext cx="1421423" cy="603028"/>
       </dsp:txXfrm>
     </dsp:sp>
   </dsp:spTree>
@@ -7153,14 +7973,15 @@
       </dsp:nvSpPr>
       <dsp:spPr>
         <a:xfrm>
-          <a:off x="261703" y="724546"/>
+          <a:off x="261703" y="892946"/>
           <a:ext cx="812777" cy="812777"/>
         </a:xfrm>
         <a:prstGeom prst="ellipse">
           <a:avLst/>
         </a:prstGeom>
         <a:solidFill>
-          <a:schemeClr val="accent2">
+          <a:schemeClr val="bg1">
+            <a:lumMod val="95000"/>
             <a:hueOff val="0"/>
             <a:satOff val="0"/>
             <a:lumOff val="0"/>
@@ -7192,7 +8013,7 @@
       </dsp:nvSpPr>
       <dsp:spPr>
         <a:xfrm>
-          <a:off x="434918" y="897761"/>
+          <a:off x="434918" y="1066161"/>
           <a:ext cx="466347" cy="466347"/>
         </a:xfrm>
         <a:prstGeom prst="rect">
@@ -7241,7 +8062,7 @@
       </dsp:nvSpPr>
       <dsp:spPr>
         <a:xfrm>
-          <a:off x="1881" y="1790484"/>
+          <a:off x="1881" y="1958883"/>
           <a:ext cx="1332421" cy="532968"/>
         </a:xfrm>
         <a:prstGeom prst="rect">
@@ -7273,7 +8094,7 @@
         <a:p>
           <a:pPr marL="0" lvl="0" indent="0" algn="ctr" defTabSz="488950">
             <a:lnSpc>
-              <a:spcPct val="100000"/>
+              <a:spcPct val="90000"/>
             </a:lnSpc>
             <a:spcBef>
               <a:spcPct val="0"/>
@@ -7291,7 +8112,7 @@
         </a:p>
       </dsp:txBody>
       <dsp:txXfrm>
-        <a:off x="1881" y="1790484"/>
+        <a:off x="1881" y="1958883"/>
         <a:ext cx="1332421" cy="532968"/>
       </dsp:txXfrm>
     </dsp:sp>
@@ -7302,14 +8123,15 @@
       </dsp:nvSpPr>
       <dsp:spPr>
         <a:xfrm>
-          <a:off x="1827299" y="724546"/>
+          <a:off x="1827299" y="892946"/>
           <a:ext cx="812777" cy="812777"/>
         </a:xfrm>
         <a:prstGeom prst="ellipse">
           <a:avLst/>
         </a:prstGeom>
         <a:solidFill>
-          <a:schemeClr val="accent3">
+          <a:schemeClr val="bg1">
+            <a:lumMod val="95000"/>
             <a:hueOff val="0"/>
             <a:satOff val="0"/>
             <a:lumOff val="0"/>
@@ -7341,7 +8163,7 @@
       </dsp:nvSpPr>
       <dsp:spPr>
         <a:xfrm>
-          <a:off x="2000514" y="897761"/>
+          <a:off x="2000514" y="1066161"/>
           <a:ext cx="466347" cy="466347"/>
         </a:xfrm>
         <a:prstGeom prst="rect">
@@ -7390,7 +8212,7 @@
       </dsp:nvSpPr>
       <dsp:spPr>
         <a:xfrm>
-          <a:off x="1567477" y="1790484"/>
+          <a:off x="1567477" y="1958883"/>
           <a:ext cx="1332421" cy="532968"/>
         </a:xfrm>
         <a:prstGeom prst="rect">
@@ -7422,7 +8244,7 @@
         <a:p>
           <a:pPr marL="0" lvl="0" indent="0" algn="ctr" defTabSz="488950">
             <a:lnSpc>
-              <a:spcPct val="100000"/>
+              <a:spcPct val="90000"/>
             </a:lnSpc>
             <a:spcBef>
               <a:spcPct val="0"/>
@@ -7440,7 +8262,7 @@
         </a:p>
       </dsp:txBody>
       <dsp:txXfrm>
-        <a:off x="1567477" y="1790484"/>
+        <a:off x="1567477" y="1958883"/>
         <a:ext cx="1332421" cy="532968"/>
       </dsp:txXfrm>
     </dsp:sp>
@@ -7451,14 +8273,15 @@
       </dsp:nvSpPr>
       <dsp:spPr>
         <a:xfrm>
-          <a:off x="3392895" y="724546"/>
+          <a:off x="3392895" y="892946"/>
           <a:ext cx="812777" cy="812777"/>
         </a:xfrm>
         <a:prstGeom prst="ellipse">
           <a:avLst/>
         </a:prstGeom>
         <a:solidFill>
-          <a:schemeClr val="accent4">
+          <a:schemeClr val="bg1">
+            <a:lumMod val="95000"/>
             <a:hueOff val="0"/>
             <a:satOff val="0"/>
             <a:lumOff val="0"/>
@@ -7490,7 +8313,7 @@
       </dsp:nvSpPr>
       <dsp:spPr>
         <a:xfrm>
-          <a:off x="3566110" y="897761"/>
+          <a:off x="3566110" y="1066161"/>
           <a:ext cx="466347" cy="466347"/>
         </a:xfrm>
         <a:prstGeom prst="rect">
@@ -7539,7 +8362,7 @@
       </dsp:nvSpPr>
       <dsp:spPr>
         <a:xfrm>
-          <a:off x="3133073" y="1790484"/>
+          <a:off x="3133073" y="1958883"/>
           <a:ext cx="1332421" cy="532968"/>
         </a:xfrm>
         <a:prstGeom prst="rect">
@@ -7571,7 +8394,7 @@
         <a:p>
           <a:pPr marL="0" lvl="0" indent="0" algn="ctr" defTabSz="488950">
             <a:lnSpc>
-              <a:spcPct val="100000"/>
+              <a:spcPct val="90000"/>
             </a:lnSpc>
             <a:spcBef>
               <a:spcPct val="0"/>
@@ -7589,7 +8412,7 @@
         </a:p>
       </dsp:txBody>
       <dsp:txXfrm>
-        <a:off x="3133073" y="1790484"/>
+        <a:off x="3133073" y="1958883"/>
         <a:ext cx="1332421" cy="532968"/>
       </dsp:txXfrm>
     </dsp:sp>
@@ -7600,14 +8423,15 @@
       </dsp:nvSpPr>
       <dsp:spPr>
         <a:xfrm>
-          <a:off x="4958491" y="724546"/>
+          <a:off x="4958491" y="892946"/>
           <a:ext cx="812777" cy="812777"/>
         </a:xfrm>
         <a:prstGeom prst="ellipse">
           <a:avLst/>
         </a:prstGeom>
         <a:solidFill>
-          <a:schemeClr val="accent5">
+          <a:schemeClr val="bg1">
+            <a:lumMod val="95000"/>
             <a:hueOff val="0"/>
             <a:satOff val="0"/>
             <a:lumOff val="0"/>
@@ -7639,7 +8463,7 @@
       </dsp:nvSpPr>
       <dsp:spPr>
         <a:xfrm>
-          <a:off x="5131705" y="897761"/>
+          <a:off x="5131705" y="1066161"/>
           <a:ext cx="466347" cy="466347"/>
         </a:xfrm>
         <a:prstGeom prst="rect">
@@ -7688,7 +8512,7 @@
       </dsp:nvSpPr>
       <dsp:spPr>
         <a:xfrm>
-          <a:off x="4698668" y="1790484"/>
+          <a:off x="4698668" y="1958883"/>
           <a:ext cx="1332421" cy="532968"/>
         </a:xfrm>
         <a:prstGeom prst="rect">
@@ -7720,7 +8544,7 @@
         <a:p>
           <a:pPr marL="0" lvl="0" indent="0" algn="ctr" defTabSz="488950">
             <a:lnSpc>
-              <a:spcPct val="100000"/>
+              <a:spcPct val="90000"/>
             </a:lnSpc>
             <a:spcBef>
               <a:spcPct val="0"/>
@@ -7738,7 +8562,7 @@
         </a:p>
       </dsp:txBody>
       <dsp:txXfrm>
-        <a:off x="4698668" y="1790484"/>
+        <a:off x="4698668" y="1958883"/>
         <a:ext cx="1332421" cy="532968"/>
       </dsp:txXfrm>
     </dsp:sp>
@@ -7749,14 +8573,15 @@
       </dsp:nvSpPr>
       <dsp:spPr>
         <a:xfrm>
-          <a:off x="6524086" y="724546"/>
+          <a:off x="6524086" y="892946"/>
           <a:ext cx="812777" cy="812777"/>
         </a:xfrm>
         <a:prstGeom prst="ellipse">
           <a:avLst/>
         </a:prstGeom>
         <a:solidFill>
-          <a:schemeClr val="accent6">
+          <a:schemeClr val="bg1">
+            <a:lumMod val="95000"/>
             <a:hueOff val="0"/>
             <a:satOff val="0"/>
             <a:lumOff val="0"/>
@@ -7788,7 +8613,7 @@
       </dsp:nvSpPr>
       <dsp:spPr>
         <a:xfrm>
-          <a:off x="6697301" y="897761"/>
+          <a:off x="6697301" y="1066161"/>
           <a:ext cx="466347" cy="466347"/>
         </a:xfrm>
         <a:prstGeom prst="rect">
@@ -7837,7 +8662,7 @@
       </dsp:nvSpPr>
       <dsp:spPr>
         <a:xfrm>
-          <a:off x="6264264" y="1790484"/>
+          <a:off x="6264264" y="1958883"/>
           <a:ext cx="1332421" cy="532968"/>
         </a:xfrm>
         <a:prstGeom prst="rect">
@@ -7869,7 +8694,7 @@
         <a:p>
           <a:pPr marL="0" lvl="0" indent="0" algn="ctr" defTabSz="488950">
             <a:lnSpc>
-              <a:spcPct val="100000"/>
+              <a:spcPct val="90000"/>
             </a:lnSpc>
             <a:spcBef>
               <a:spcPct val="0"/>
@@ -7887,7 +8712,7 @@
         </a:p>
       </dsp:txBody>
       <dsp:txXfrm>
-        <a:off x="6264264" y="1790484"/>
+        <a:off x="6264264" y="1958883"/>
         <a:ext cx="1332421" cy="532968"/>
       </dsp:txXfrm>
     </dsp:sp>
@@ -8921,169 +9746,214 @@
 </file>
 
 <file path=ppt/diagrams/layout2.xml><?xml version="1.0" encoding="utf-8"?>
-<dgm:layoutDef xmlns:dgm="http://schemas.openxmlformats.org/drawingml/2006/diagram" xmlns:a="http://schemas.openxmlformats.org/drawingml/2006/main" uniqueId="urn:microsoft.com/office/officeart/2005/8/layout/vList2">
-  <dgm:title val=""/>
-  <dgm:desc val=""/>
+<dgm:layoutDef xmlns:dgm="http://schemas.openxmlformats.org/drawingml/2006/diagram" xmlns:a="http://schemas.openxmlformats.org/drawingml/2006/main" uniqueId="urn:microsoft.com/office/officeart/2018/2/layout/IconCircleList">
+  <dgm:title val="Icon Circle List"/>
+  <dgm:desc val="Use to show non-sequential or grouped chunks of information accompanied by related visuals. Circular shapes can hold an icon or small picture and corresponding text box shows Level 1 text. Works best for icons or small pictures with medium-length descriptions."/>
   <dgm:catLst>
-    <dgm:cat type="list" pri="3000"/>
-    <dgm:cat type="convert" pri="1000"/>
+    <dgm:cat type="icon" pri="500"/>
   </dgm:catLst>
-  <dgm:sampData>
+  <dgm:sampData useDef="1">
     <dgm:dataModel>
-      <dgm:ptLst>
-        <dgm:pt modelId="0" type="doc"/>
-        <dgm:pt modelId="1">
-          <dgm:prSet phldr="1"/>
-        </dgm:pt>
-        <dgm:pt modelId="11">
-          <dgm:prSet phldr="1"/>
-        </dgm:pt>
-        <dgm:pt modelId="2">
-          <dgm:prSet phldr="1"/>
-        </dgm:pt>
-        <dgm:pt modelId="21">
-          <dgm:prSet phldr="1"/>
-        </dgm:pt>
-      </dgm:ptLst>
-      <dgm:cxnLst>
-        <dgm:cxn modelId="4" srcId="0" destId="1" srcOrd="0" destOrd="0"/>
-        <dgm:cxn modelId="5" srcId="0" destId="2" srcOrd="1" destOrd="0"/>
-        <dgm:cxn modelId="12" srcId="1" destId="11" srcOrd="0" destOrd="0"/>
-        <dgm:cxn modelId="23" srcId="2" destId="21" srcOrd="0" destOrd="0"/>
-      </dgm:cxnLst>
+      <dgm:ptLst/>
       <dgm:bg/>
       <dgm:whole/>
     </dgm:dataModel>
   </dgm:sampData>
-  <dgm:styleData>
+  <dgm:styleData useDef="1">
     <dgm:dataModel>
-      <dgm:ptLst>
-        <dgm:pt modelId="0" type="doc"/>
-        <dgm:pt modelId="1"/>
-        <dgm:pt modelId="2"/>
-      </dgm:ptLst>
-      <dgm:cxnLst>
-        <dgm:cxn modelId="3" srcId="0" destId="1" srcOrd="0" destOrd="0"/>
-        <dgm:cxn modelId="4" srcId="0" destId="2" srcOrd="1" destOrd="0"/>
-      </dgm:cxnLst>
+      <dgm:ptLst/>
       <dgm:bg/>
       <dgm:whole/>
     </dgm:dataModel>
   </dgm:styleData>
-  <dgm:clrData>
+  <dgm:clrData useDef="1">
     <dgm:dataModel>
-      <dgm:ptLst>
-        <dgm:pt modelId="0" type="doc"/>
-        <dgm:pt modelId="1"/>
-        <dgm:pt modelId="2"/>
-        <dgm:pt modelId="3"/>
-        <dgm:pt modelId="4"/>
-      </dgm:ptLst>
-      <dgm:cxnLst>
-        <dgm:cxn modelId="5" srcId="0" destId="1" srcOrd="0" destOrd="0"/>
-        <dgm:cxn modelId="6" srcId="0" destId="2" srcOrd="1" destOrd="0"/>
-        <dgm:cxn modelId="7" srcId="0" destId="3" srcOrd="2" destOrd="0"/>
-        <dgm:cxn modelId="8" srcId="0" destId="4" srcOrd="3" destOrd="0"/>
-      </dgm:cxnLst>
+      <dgm:ptLst/>
       <dgm:bg/>
       <dgm:whole/>
     </dgm:dataModel>
   </dgm:clrData>
-  <dgm:layoutNode name="linear">
+  <dgm:layoutNode name="root">
     <dgm:varLst>
-      <dgm:animLvl val="lvl"/>
+      <dgm:dir/>
       <dgm:resizeHandles val="exact"/>
     </dgm:varLst>
-    <dgm:alg type="lin">
-      <dgm:param type="linDir" val="fromT"/>
-      <dgm:param type="vertAlign" val="mid"/>
-    </dgm:alg>
+    <dgm:alg type="sp"/>
     <dgm:shape xmlns:r="http://schemas.openxmlformats.org/officeDocument/2006/relationships" r:blip="">
       <dgm:adjLst/>
     </dgm:shape>
     <dgm:presOf/>
-    <dgm:constrLst>
-      <dgm:constr type="w" for="ch" forName="parentText" refType="w"/>
-      <dgm:constr type="h" for="ch" forName="parentText" refType="primFontSz" refFor="ch" refForName="parentText" fact="0.52"/>
-      <dgm:constr type="w" for="ch" forName="childText" refType="w"/>
-      <dgm:constr type="h" for="ch" forName="childText" refType="primFontSz" refFor="ch" refForName="parentText" fact="0.46"/>
-      <dgm:constr type="h" for="ch" forName="parentText" op="equ"/>
-      <dgm:constr type="primFontSz" for="ch" forName="parentText" op="equ" val="65"/>
-      <dgm:constr type="primFontSz" for="ch" forName="childText" refType="primFontSz" refFor="ch" refForName="parentText" op="equ"/>
-      <dgm:constr type="h" for="ch" forName="spacer" refType="primFontSz" refFor="ch" refForName="parentText" fact="0.08"/>
-    </dgm:constrLst>
+    <dgm:choose name="Name0">
+      <dgm:if name="Name1" axis="ch" ptType="node" func="cnt" op="lte" val="3">
+        <dgm:constrLst>
+          <dgm:constr type="w" for="ch" forName="container" refType="w"/>
+          <dgm:constr type="h" for="ch" forName="container" refType="h" fact="0.4"/>
+        </dgm:constrLst>
+      </dgm:if>
+      <dgm:else name="Name2">
+        <dgm:constrLst>
+          <dgm:constr type="w" for="ch" forName="container" refType="w"/>
+          <dgm:constr type="h" for="ch" forName="container" refType="h"/>
+        </dgm:constrLst>
+      </dgm:else>
+    </dgm:choose>
     <dgm:ruleLst>
-      <dgm:rule type="primFontSz" for="ch" forName="parentText" val="5" fact="NaN" max="NaN"/>
+      <dgm:rule type="h" for="ch" forName="container" val="INF" fact="NaN" max="NaN"/>
     </dgm:ruleLst>
-    <dgm:forEach name="Name0" axis="ch" ptType="node">
-      <dgm:layoutNode name="parentText" styleLbl="node1">
-        <dgm:varLst>
-          <dgm:chMax val="0"/>
-          <dgm:bulletEnabled val="1"/>
-        </dgm:varLst>
-        <dgm:alg type="tx">
-          <dgm:param type="parTxLTRAlign" val="l"/>
-          <dgm:param type="parTxRTLAlign" val="r"/>
-        </dgm:alg>
-        <dgm:shape xmlns:r="http://schemas.openxmlformats.org/officeDocument/2006/relationships" type="roundRect" r:blip="">
-          <dgm:adjLst/>
-        </dgm:shape>
-        <dgm:presOf axis="self"/>
-        <dgm:constrLst>
-          <dgm:constr type="tMarg" refType="primFontSz" fact="0.3"/>
-          <dgm:constr type="bMarg" refType="primFontSz" fact="0.3"/>
-          <dgm:constr type="lMarg" refType="primFontSz" fact="0.3"/>
-          <dgm:constr type="rMarg" refType="primFontSz" fact="0.3"/>
-        </dgm:constrLst>
-        <dgm:ruleLst>
-          <dgm:rule type="h" val="INF" fact="NaN" max="NaN"/>
-        </dgm:ruleLst>
-      </dgm:layoutNode>
-      <dgm:choose name="Name1">
-        <dgm:if name="Name2" axis="ch" ptType="node" func="cnt" op="gte" val="1">
-          <dgm:layoutNode name="childText" styleLbl="revTx">
+    <dgm:layoutNode name="container">
+      <dgm:varLst>
+        <dgm:dir/>
+        <dgm:resizeHandles val="exact"/>
+      </dgm:varLst>
+      <dgm:choose name="Name3">
+        <dgm:if name="Name4" axis="self" func="var" arg="dir" op="equ" val="norm">
+          <dgm:alg type="snake">
+            <dgm:param type="grDir" val="tL"/>
+            <dgm:param type="flowDir" val="row"/>
+            <dgm:param type="contDir" val="sameDir"/>
+          </dgm:alg>
+        </dgm:if>
+        <dgm:else name="Name5">
+          <dgm:alg type="snake">
+            <dgm:param type="grDir" val="tR"/>
+            <dgm:param type="flowDir" val="row"/>
+            <dgm:param type="contDir" val="sameDir"/>
+          </dgm:alg>
+        </dgm:else>
+      </dgm:choose>
+      <dgm:shape xmlns:r="http://schemas.openxmlformats.org/officeDocument/2006/relationships" r:blip="">
+        <dgm:adjLst/>
+      </dgm:shape>
+      <dgm:presOf/>
+      <dgm:constrLst>
+        <dgm:constr type="w" for="ch" forName="compNode" refType="w"/>
+        <dgm:constr type="h" for="ch" forName="compNode" refType="w" fact="0.28"/>
+        <dgm:constr type="w" for="ch" forName="sibTrans" refType="w" refFor="ch" refForName="compNode" fact="0.115"/>
+        <dgm:constr type="sp" refType="h" op="equ" fact="0.17"/>
+        <dgm:constr type="primFontSz" for="des" ptType="node" op="equ" val="24"/>
+        <dgm:constr type="h" for="des" forName="compNode" op="equ"/>
+        <dgm:constr type="h" for="des" forName="iconBgRect" op="equ"/>
+      </dgm:constrLst>
+      <dgm:ruleLst>
+        <dgm:rule type="w" for="ch" forName="compNode" val="60" fact="NaN" max="NaN"/>
+      </dgm:ruleLst>
+      <dgm:forEach name="Name6" axis="ch" ptType="node">
+        <dgm:layoutNode name="compNode">
+          <dgm:alg type="composite"/>
+          <dgm:shape xmlns:r="http://schemas.openxmlformats.org/officeDocument/2006/relationships" r:blip="">
+            <dgm:adjLst/>
+          </dgm:shape>
+          <dgm:presOf axis="self"/>
+          <dgm:constrLst>
+            <dgm:constr type="w" for="ch" forName="iconBgRect" refType="w" fact="0.28"/>
+            <dgm:constr type="h" for="ch" forName="iconBgRect" refType="w" refFor="ch" refForName="iconBgRect"/>
+            <dgm:constr type="t" for="ch" forName="iconBgRect"/>
+            <dgm:constr type="l" for="ch" forName="iconBgRect"/>
+            <dgm:constr type="w" for="ch" forName="iconRect" refType="w" refFor="ch" refForName="iconBgRect" fact="0.58"/>
+            <dgm:constr type="h" for="ch" forName="iconRect" refType="w" refFor="ch" refForName="iconRect"/>
+            <dgm:constr type="ctrX" for="ch" forName="iconRect" refType="ctrX" refFor="ch" refForName="iconBgRect"/>
+            <dgm:constr type="ctrY" for="ch" forName="iconRect" refType="ctrY" refFor="ch" refForName="iconBgRect"/>
+            <dgm:constr type="w" for="ch" forName="spaceRect" refType="w" fact="0.06"/>
+            <dgm:constr type="h" for="ch" forName="spaceRect" refType="h" refFor="ch" refForName="iconBgRect"/>
+            <dgm:constr type="t" for="ch" forName="spaceRect" refType="t" refFor="ch" refForName="iconBgRect"/>
+            <dgm:constr type="l" for="ch" forName="spaceRect" refType="r" refFor="ch" refForName="iconBgRect"/>
+            <dgm:constr type="h" for="ch" forName="textRect" refType="h" refFor="ch" refForName="iconBgRect"/>
+            <dgm:constr type="t" for="ch" forName="textRect" refType="t" refFor="ch" refForName="iconBgRect"/>
+            <dgm:constr type="l" for="ch" forName="textRect" refType="r" refFor="ch" refForName="spaceRect"/>
+          </dgm:constrLst>
+          <dgm:ruleLst/>
+          <dgm:layoutNode name="iconBgRect" styleLbl="bgShp">
+            <dgm:alg type="sp"/>
+            <dgm:shape xmlns:r="http://schemas.openxmlformats.org/officeDocument/2006/relationships" type="ellipse" r:blip="">
+              <dgm:adjLst/>
+            </dgm:shape>
+            <dgm:presOf/>
+            <dgm:constrLst/>
+            <dgm:ruleLst/>
+          </dgm:layoutNode>
+          <dgm:layoutNode name="iconRect" styleLbl="node1">
+            <dgm:alg type="sp"/>
+            <dgm:shape xmlns:r="http://schemas.openxmlformats.org/officeDocument/2006/relationships" type="rect" r:blip="" blipPhldr="1">
+              <dgm:adjLst/>
+            </dgm:shape>
+            <dgm:presOf/>
+            <dgm:constrLst/>
+            <dgm:ruleLst/>
+          </dgm:layoutNode>
+          <dgm:layoutNode name="spaceRect">
+            <dgm:alg type="sp"/>
+            <dgm:shape xmlns:r="http://schemas.openxmlformats.org/officeDocument/2006/relationships" r:blip="">
+              <dgm:adjLst/>
+            </dgm:shape>
+            <dgm:presOf/>
+            <dgm:constrLst/>
+            <dgm:ruleLst/>
+          </dgm:layoutNode>
+          <dgm:layoutNode name="textRect" styleLbl="revTx">
             <dgm:varLst>
-              <dgm:bulletEnabled val="1"/>
+              <dgm:chMax val="1"/>
+              <dgm:chPref val="1"/>
             </dgm:varLst>
-            <dgm:alg type="tx">
-              <dgm:param type="stBulletLvl" val="1"/>
-              <dgm:param type="lnSpAfChP" val="20"/>
-            </dgm:alg>
+            <dgm:choose name="Name7">
+              <dgm:if name="Name8" func="var" arg="dir" op="equ" val="norm">
+                <dgm:alg type="tx">
+                  <dgm:param type="txAnchorVert" val="mid"/>
+                  <dgm:param type="parTxLTRAlign" val="l"/>
+                  <dgm:param type="shpTxLTRAlignCh" val="l"/>
+                  <dgm:param type="parTxRTLAlign" val="l"/>
+                  <dgm:param type="shpTxRTLAlignCh" val="l"/>
+                </dgm:alg>
+              </dgm:if>
+              <dgm:else name="Name9">
+                <dgm:alg type="tx">
+                  <dgm:param type="txAnchorVert" val="mid"/>
+                  <dgm:param type="parTxLTRAlign" val="r"/>
+                  <dgm:param type="shpTxLTRAlignCh" val="r"/>
+                  <dgm:param type="parTxRTLAlign" val="r"/>
+                  <dgm:param type="shpTxRTLAlignCh" val="r"/>
+                </dgm:alg>
+              </dgm:else>
+            </dgm:choose>
             <dgm:shape xmlns:r="http://schemas.openxmlformats.org/officeDocument/2006/relationships" type="rect" r:blip="">
               <dgm:adjLst/>
             </dgm:shape>
-            <dgm:presOf axis="des" ptType="node"/>
+            <dgm:presOf axis="self" ptType="node"/>
             <dgm:constrLst>
-              <dgm:constr type="tMarg" refType="primFontSz" fact="0.1"/>
-              <dgm:constr type="bMarg" refType="primFontSz" fact="0.1"/>
-              <dgm:constr type="lMarg" refType="w" fact="0.09"/>
+              <dgm:constr type="lMarg"/>
+              <dgm:constr type="rMarg"/>
+              <dgm:constr type="tMarg"/>
+              <dgm:constr type="bMarg"/>
             </dgm:constrLst>
             <dgm:ruleLst>
-              <dgm:rule type="h" val="INF" fact="NaN" max="NaN"/>
+              <dgm:rule type="primFontSz" val="11" fact="NaN" max="NaN"/>
             </dgm:ruleLst>
           </dgm:layoutNode>
-        </dgm:if>
-        <dgm:else name="Name3">
-          <dgm:choose name="Name4">
-            <dgm:if name="Name5" axis="par ch" ptType="doc node" func="cnt" op="gte" val="2">
-              <dgm:forEach name="Name6" axis="followSib" ptType="sibTrans" cnt="1">
-                <dgm:layoutNode name="spacer">
-                  <dgm:alg type="sp"/>
-                  <dgm:shape xmlns:r="http://schemas.openxmlformats.org/officeDocument/2006/relationships" r:blip="">
-                    <dgm:adjLst/>
-                  </dgm:shape>
-                  <dgm:presOf/>
-                  <dgm:constrLst/>
-                  <dgm:ruleLst/>
-                </dgm:layoutNode>
-              </dgm:forEach>
-            </dgm:if>
-            <dgm:else name="Name7"/>
-          </dgm:choose>
-        </dgm:else>
-      </dgm:choose>
-    </dgm:forEach>
+        </dgm:layoutNode>
+        <dgm:forEach name="Name10" axis="followSib" ptType="sibTrans" cnt="1">
+          <dgm:layoutNode name="sibTrans">
+            <dgm:alg type="sp"/>
+            <dgm:shape xmlns:r="http://schemas.openxmlformats.org/officeDocument/2006/relationships" type="rect" r:blip="" hideGeom="1">
+              <dgm:adjLst/>
+            </dgm:shape>
+            <dgm:presOf axis="self"/>
+            <dgm:constrLst/>
+            <dgm:ruleLst/>
+          </dgm:layoutNode>
+        </dgm:forEach>
+      </dgm:forEach>
+    </dgm:layoutNode>
   </dgm:layoutNode>
+  <dgm:extLst>
+    <a:ext uri="{68A01E43-0DF5-4B5B-8FA6-DAF915123BFB}">
+      <dgm1612:lstStyle xmlns:dgm1612="http://schemas.microsoft.com/office/drawing/2016/12/diagram">
+        <a:lvl1pPr>
+          <a:lnSpc>
+            <a:spcPct val="100000"/>
+          </a:lnSpc>
+        </a:lvl1pPr>
+      </dgm1612:lstStyle>
+    </a:ext>
+  </dgm:extLst>
 </dgm:layoutDef>
 </file>
 
@@ -10717,11 +11587,11 @@
 </file>
 
 <file path=ppt/diagrams/quickStyle2.xml><?xml version="1.0" encoding="utf-8"?>
-<dgm:styleDef xmlns:dgm="http://schemas.openxmlformats.org/drawingml/2006/diagram" xmlns:a="http://schemas.openxmlformats.org/drawingml/2006/main" uniqueId="urn:microsoft.com/office/officeart/2005/8/quickstyle/simple4">
+<dgm:styleDef xmlns:dgm="http://schemas.openxmlformats.org/drawingml/2006/diagram" xmlns:a="http://schemas.openxmlformats.org/drawingml/2006/main" uniqueId="urn:microsoft.com/office/officeart/2005/8/quickstyle/simple1">
   <dgm:title val=""/>
   <dgm:desc val=""/>
   <dgm:catLst>
-    <dgm:cat type="simple" pri="10400"/>
+    <dgm:cat type="simple" pri="10100"/>
   </dgm:catLst>
   <dgm:scene3d>
     <a:camera prst="orthographicFront"/>
@@ -10735,13 +11605,13 @@
     <dgm:sp3d/>
     <dgm:txPr/>
     <dgm:style>
-      <a:lnRef idx="0">
+      <a:lnRef idx="2">
         <a:scrgbClr r="0" g="0" b="0"/>
       </a:lnRef>
-      <a:fillRef idx="3">
+      <a:fillRef idx="1">
         <a:scrgbClr r="0" g="0" b="0"/>
       </a:fillRef>
-      <a:effectRef idx="2">
+      <a:effectRef idx="0">
         <a:scrgbClr r="0" g="0" b="0"/>
       </a:effectRef>
       <a:fontRef idx="minor">
@@ -10757,13 +11627,13 @@
     <dgm:sp3d/>
     <dgm:txPr/>
     <dgm:style>
-      <a:lnRef idx="1">
+      <a:lnRef idx="2">
         <a:scrgbClr r="0" g="0" b="0"/>
       </a:lnRef>
-      <a:fillRef idx="3">
+      <a:fillRef idx="1">
         <a:scrgbClr r="0" g="0" b="0"/>
       </a:fillRef>
-      <a:effectRef idx="2">
+      <a:effectRef idx="0">
         <a:scrgbClr r="0" g="0" b="0"/>
       </a:effectRef>
       <a:fontRef idx="minor">
@@ -10779,10 +11649,10 @@
     <dgm:sp3d/>
     <dgm:txPr/>
     <dgm:style>
-      <a:lnRef idx="0">
+      <a:lnRef idx="2">
         <a:scrgbClr r="0" g="0" b="0"/>
       </a:lnRef>
-      <a:fillRef idx="3">
+      <a:fillRef idx="1">
         <a:scrgbClr r="0" g="0" b="0"/>
       </a:fillRef>
       <a:effectRef idx="0">
@@ -10801,13 +11671,13 @@
     <dgm:sp3d/>
     <dgm:txPr/>
     <dgm:style>
-      <a:lnRef idx="1">
+      <a:lnRef idx="2">
         <a:scrgbClr r="0" g="0" b="0"/>
       </a:lnRef>
-      <a:fillRef idx="3">
+      <a:fillRef idx="1">
         <a:scrgbClr r="0" g="0" b="0"/>
       </a:fillRef>
-      <a:effectRef idx="2">
+      <a:effectRef idx="0">
         <a:scrgbClr r="0" g="0" b="0"/>
       </a:effectRef>
       <a:fontRef idx="minor">
@@ -10823,13 +11693,13 @@
     <dgm:sp3d/>
     <dgm:txPr/>
     <dgm:style>
-      <a:lnRef idx="0">
+      <a:lnRef idx="2">
         <a:scrgbClr r="0" g="0" b="0"/>
       </a:lnRef>
-      <a:fillRef idx="3">
+      <a:fillRef idx="1">
         <a:scrgbClr r="0" g="0" b="0"/>
       </a:fillRef>
-      <a:effectRef idx="2">
+      <a:effectRef idx="0">
         <a:scrgbClr r="0" g="0" b="0"/>
       </a:effectRef>
       <a:fontRef idx="minor">
@@ -10845,13 +11715,13 @@
     <dgm:sp3d/>
     <dgm:txPr/>
     <dgm:style>
-      <a:lnRef idx="0">
+      <a:lnRef idx="2">
         <a:scrgbClr r="0" g="0" b="0"/>
       </a:lnRef>
-      <a:fillRef idx="3">
+      <a:fillRef idx="1">
         <a:scrgbClr r="0" g="0" b="0"/>
       </a:fillRef>
-      <a:effectRef idx="2">
+      <a:effectRef idx="0">
         <a:scrgbClr r="0" g="0" b="0"/>
       </a:effectRef>
       <a:fontRef idx="minor">
@@ -10867,13 +11737,13 @@
     <dgm:sp3d/>
     <dgm:txPr/>
     <dgm:style>
-      <a:lnRef idx="0">
+      <a:lnRef idx="2">
         <a:scrgbClr r="0" g="0" b="0"/>
       </a:lnRef>
-      <a:fillRef idx="3">
+      <a:fillRef idx="1">
         <a:scrgbClr r="0" g="0" b="0"/>
       </a:fillRef>
-      <a:effectRef idx="2">
+      <a:effectRef idx="0">
         <a:scrgbClr r="0" g="0" b="0"/>
       </a:effectRef>
       <a:fontRef idx="minor">
@@ -10889,13 +11759,13 @@
     <dgm:sp3d/>
     <dgm:txPr/>
     <dgm:style>
-      <a:lnRef idx="0">
+      <a:lnRef idx="2">
         <a:scrgbClr r="0" g="0" b="0"/>
       </a:lnRef>
-      <a:fillRef idx="3">
+      <a:fillRef idx="1">
         <a:scrgbClr r="0" g="0" b="0"/>
       </a:fillRef>
-      <a:effectRef idx="2">
+      <a:effectRef idx="0">
         <a:scrgbClr r="0" g="0" b="0"/>
       </a:effectRef>
       <a:fontRef idx="minor">
@@ -10911,13 +11781,13 @@
     <dgm:sp3d/>
     <dgm:txPr/>
     <dgm:style>
-      <a:lnRef idx="0">
+      <a:lnRef idx="2">
         <a:scrgbClr r="0" g="0" b="0"/>
       </a:lnRef>
       <a:fillRef idx="1">
         <a:scrgbClr r="0" g="0" b="0"/>
       </a:fillRef>
-      <a:effectRef idx="2">
+      <a:effectRef idx="0">
         <a:scrgbClr r="0" g="0" b="0"/>
       </a:effectRef>
       <a:fontRef idx="minor"/>
@@ -10931,13 +11801,13 @@
     <dgm:sp3d/>
     <dgm:txPr/>
     <dgm:style>
-      <a:lnRef idx="0">
+      <a:lnRef idx="2">
         <a:scrgbClr r="0" g="0" b="0"/>
       </a:lnRef>
       <a:fillRef idx="1">
         <a:scrgbClr r="0" g="0" b="0"/>
       </a:fillRef>
-      <a:effectRef idx="2">
+      <a:effectRef idx="0">
         <a:scrgbClr r="0" g="0" b="0"/>
       </a:effectRef>
       <a:fontRef idx="minor"/>
@@ -10951,13 +11821,13 @@
     <dgm:sp3d/>
     <dgm:txPr/>
     <dgm:style>
-      <a:lnRef idx="0">
+      <a:lnRef idx="2">
         <a:scrgbClr r="0" g="0" b="0"/>
       </a:lnRef>
       <a:fillRef idx="1">
         <a:scrgbClr r="0" g="0" b="0"/>
       </a:fillRef>
-      <a:effectRef idx="2">
+      <a:effectRef idx="0">
         <a:scrgbClr r="0" g="0" b="0"/>
       </a:effectRef>
       <a:fontRef idx="minor"/>
@@ -10974,10 +11844,10 @@
       <a:lnRef idx="0">
         <a:scrgbClr r="0" g="0" b="0"/>
       </a:lnRef>
-      <a:fillRef idx="3">
+      <a:fillRef idx="1">
         <a:scrgbClr r="0" g="0" b="0"/>
       </a:fillRef>
-      <a:effectRef idx="2">
+      <a:effectRef idx="0">
         <a:scrgbClr r="0" g="0" b="0"/>
       </a:effectRef>
       <a:fontRef idx="minor">
@@ -10996,10 +11866,10 @@
       <a:lnRef idx="0">
         <a:scrgbClr r="0" g="0" b="0"/>
       </a:lnRef>
-      <a:fillRef idx="3">
+      <a:fillRef idx="1">
         <a:scrgbClr r="0" g="0" b="0"/>
       </a:fillRef>
-      <a:effectRef idx="2">
+      <a:effectRef idx="0">
         <a:scrgbClr r="0" g="0" b="0"/>
       </a:effectRef>
       <a:fontRef idx="minor">
@@ -11018,10 +11888,10 @@
       <a:lnRef idx="0">
         <a:scrgbClr r="0" g="0" b="0"/>
       </a:lnRef>
-      <a:fillRef idx="3">
+      <a:fillRef idx="1">
         <a:scrgbClr r="0" g="0" b="0"/>
       </a:fillRef>
-      <a:effectRef idx="2">
+      <a:effectRef idx="0">
         <a:scrgbClr r="0" g="0" b="0"/>
       </a:effectRef>
       <a:fontRef idx="minor">
@@ -11063,7 +11933,7 @@
       <a:fillRef idx="1">
         <a:scrgbClr r="0" g="0" b="0"/>
       </a:fillRef>
-      <a:effectRef idx="1">
+      <a:effectRef idx="0">
         <a:scrgbClr r="0" g="0" b="0"/>
       </a:effectRef>
       <a:fontRef idx="minor"/>
@@ -11077,13 +11947,13 @@
     <dgm:sp3d/>
     <dgm:txPr/>
     <dgm:style>
-      <a:lnRef idx="0">
+      <a:lnRef idx="2">
         <a:scrgbClr r="0" g="0" b="0"/>
       </a:lnRef>
-      <a:fillRef idx="3">
+      <a:fillRef idx="1">
         <a:scrgbClr r="0" g="0" b="0"/>
       </a:fillRef>
-      <a:effectRef idx="2">
+      <a:effectRef idx="0">
         <a:scrgbClr r="0" g="0" b="0"/>
       </a:effectRef>
       <a:fontRef idx="minor">
@@ -11099,13 +11969,13 @@
     <dgm:sp3d/>
     <dgm:txPr/>
     <dgm:style>
-      <a:lnRef idx="0">
+      <a:lnRef idx="2">
         <a:scrgbClr r="0" g="0" b="0"/>
       </a:lnRef>
-      <a:fillRef idx="3">
+      <a:fillRef idx="1">
         <a:scrgbClr r="0" g="0" b="0"/>
       </a:fillRef>
-      <a:effectRef idx="2">
+      <a:effectRef idx="0">
         <a:scrgbClr r="0" g="0" b="0"/>
       </a:effectRef>
       <a:fontRef idx="minor">
@@ -11121,13 +11991,13 @@
     <dgm:sp3d/>
     <dgm:txPr/>
     <dgm:style>
-      <a:lnRef idx="0">
+      <a:lnRef idx="2">
         <a:scrgbClr r="0" g="0" b="0"/>
       </a:lnRef>
-      <a:fillRef idx="3">
+      <a:fillRef idx="1">
         <a:scrgbClr r="0" g="0" b="0"/>
       </a:fillRef>
-      <a:effectRef idx="2">
+      <a:effectRef idx="0">
         <a:scrgbClr r="0" g="0" b="0"/>
       </a:effectRef>
       <a:fontRef idx="minor">
@@ -11143,13 +12013,13 @@
     <dgm:sp3d/>
     <dgm:txPr/>
     <dgm:style>
-      <a:lnRef idx="0">
+      <a:lnRef idx="2">
         <a:scrgbClr r="0" g="0" b="0"/>
       </a:lnRef>
-      <a:fillRef idx="3">
+      <a:fillRef idx="1">
         <a:scrgbClr r="0" g="0" b="0"/>
       </a:fillRef>
-      <a:effectRef idx="2">
+      <a:effectRef idx="0">
         <a:scrgbClr r="0" g="0" b="0"/>
       </a:effectRef>
       <a:fontRef idx="minor">
@@ -11165,13 +12035,13 @@
     <dgm:sp3d/>
     <dgm:txPr/>
     <dgm:style>
-      <a:lnRef idx="0">
+      <a:lnRef idx="2">
         <a:scrgbClr r="0" g="0" b="0"/>
       </a:lnRef>
-      <a:fillRef idx="3">
+      <a:fillRef idx="1">
         <a:scrgbClr r="0" g="0" b="0"/>
       </a:fillRef>
-      <a:effectRef idx="2">
+      <a:effectRef idx="0">
         <a:scrgbClr r="0" g="0" b="0"/>
       </a:effectRef>
       <a:fontRef idx="minor">
@@ -11187,13 +12057,13 @@
     <dgm:sp3d/>
     <dgm:txPr/>
     <dgm:style>
-      <a:lnRef idx="0">
+      <a:lnRef idx="2">
         <a:scrgbClr r="0" g="0" b="0"/>
       </a:lnRef>
-      <a:fillRef idx="3">
+      <a:fillRef idx="1">
         <a:scrgbClr r="0" g="0" b="0"/>
       </a:fillRef>
-      <a:effectRef idx="2">
+      <a:effectRef idx="0">
         <a:scrgbClr r="0" g="0" b="0"/>
       </a:effectRef>
       <a:fontRef idx="minor">
@@ -11209,13 +12079,13 @@
     <dgm:sp3d/>
     <dgm:txPr/>
     <dgm:style>
-      <a:lnRef idx="0">
+      <a:lnRef idx="2">
         <a:scrgbClr r="0" g="0" b="0"/>
       </a:lnRef>
-      <a:fillRef idx="3">
+      <a:fillRef idx="1">
         <a:scrgbClr r="0" g="0" b="0"/>
       </a:fillRef>
-      <a:effectRef idx="2">
+      <a:effectRef idx="0">
         <a:scrgbClr r="0" g="0" b="0"/>
       </a:effectRef>
       <a:fontRef idx="minor">
@@ -11231,13 +12101,13 @@
     <dgm:sp3d/>
     <dgm:txPr/>
     <dgm:style>
-      <a:lnRef idx="1">
+      <a:lnRef idx="2">
         <a:scrgbClr r="0" g="0" b="0"/>
       </a:lnRef>
-      <a:fillRef idx="3">
+      <a:fillRef idx="1">
         <a:scrgbClr r="0" g="0" b="0"/>
       </a:fillRef>
-      <a:effectRef idx="2">
+      <a:effectRef idx="0">
         <a:scrgbClr r="0" g="0" b="0"/>
       </a:effectRef>
       <a:fontRef idx="minor">
@@ -11253,13 +12123,13 @@
     <dgm:sp3d/>
     <dgm:txPr/>
     <dgm:style>
-      <a:lnRef idx="1">
+      <a:lnRef idx="2">
         <a:scrgbClr r="0" g="0" b="0"/>
       </a:lnRef>
-      <a:fillRef idx="3">
+      <a:fillRef idx="1">
         <a:scrgbClr r="0" g="0" b="0"/>
       </a:fillRef>
-      <a:effectRef idx="2">
+      <a:effectRef idx="0">
         <a:scrgbClr r="0" g="0" b="0"/>
       </a:effectRef>
       <a:fontRef idx="minor">
@@ -11275,7 +12145,7 @@
     <dgm:sp3d/>
     <dgm:txPr/>
     <dgm:style>
-      <a:lnRef idx="1">
+      <a:lnRef idx="2">
         <a:scrgbClr r="0" g="0" b="0"/>
       </a:lnRef>
       <a:fillRef idx="0">
@@ -11295,7 +12165,7 @@
     <dgm:sp3d/>
     <dgm:txPr/>
     <dgm:style>
-      <a:lnRef idx="1">
+      <a:lnRef idx="2">
         <a:scrgbClr r="0" g="0" b="0"/>
       </a:lnRef>
       <a:fillRef idx="0">
@@ -11315,7 +12185,7 @@
     <dgm:sp3d/>
     <dgm:txPr/>
     <dgm:style>
-      <a:lnRef idx="1">
+      <a:lnRef idx="2">
         <a:scrgbClr r="0" g="0" b="0"/>
       </a:lnRef>
       <a:fillRef idx="0">
@@ -11335,7 +12205,7 @@
     <dgm:sp3d/>
     <dgm:txPr/>
     <dgm:style>
-      <a:lnRef idx="1">
+      <a:lnRef idx="2">
         <a:scrgbClr r="0" g="0" b="0"/>
       </a:lnRef>
       <a:fillRef idx="0">
@@ -11355,7 +12225,7 @@
     <dgm:sp3d/>
     <dgm:txPr/>
     <dgm:style>
-      <a:lnRef idx="1">
+      <a:lnRef idx="2">
         <a:scrgbClr r="0" g="0" b="0"/>
       </a:lnRef>
       <a:fillRef idx="1">
@@ -11375,7 +12245,7 @@
     <dgm:sp3d/>
     <dgm:txPr/>
     <dgm:style>
-      <a:lnRef idx="1">
+      <a:lnRef idx="2">
         <a:scrgbClr r="0" g="0" b="0"/>
       </a:lnRef>
       <a:fillRef idx="1">
@@ -11395,7 +12265,7 @@
     <dgm:sp3d/>
     <dgm:txPr/>
     <dgm:style>
-      <a:lnRef idx="1">
+      <a:lnRef idx="2">
         <a:scrgbClr r="0" g="0" b="0"/>
       </a:lnRef>
       <a:fillRef idx="1">
@@ -11435,7 +12305,7 @@
     <dgm:sp3d/>
     <dgm:txPr/>
     <dgm:style>
-      <a:lnRef idx="1">
+      <a:lnRef idx="2">
         <a:scrgbClr r="0" g="0" b="0"/>
       </a:lnRef>
       <a:fillRef idx="1">
@@ -11455,7 +12325,7 @@
     <dgm:sp3d/>
     <dgm:txPr/>
     <dgm:style>
-      <a:lnRef idx="1">
+      <a:lnRef idx="2">
         <a:scrgbClr r="0" g="0" b="0"/>
       </a:lnRef>
       <a:fillRef idx="1">
@@ -11475,7 +12345,7 @@
     <dgm:sp3d/>
     <dgm:txPr/>
     <dgm:style>
-      <a:lnRef idx="1">
+      <a:lnRef idx="2">
         <a:scrgbClr r="0" g="0" b="0"/>
       </a:lnRef>
       <a:fillRef idx="1">
@@ -11495,7 +12365,7 @@
     <dgm:sp3d/>
     <dgm:txPr/>
     <dgm:style>
-      <a:lnRef idx="1">
+      <a:lnRef idx="2">
         <a:scrgbClr r="0" g="0" b="0"/>
       </a:lnRef>
       <a:fillRef idx="1">
@@ -11515,7 +12385,7 @@
     <dgm:sp3d/>
     <dgm:txPr/>
     <dgm:style>
-      <a:lnRef idx="1">
+      <a:lnRef idx="2">
         <a:scrgbClr r="0" g="0" b="0"/>
       </a:lnRef>
       <a:fillRef idx="1">
@@ -11535,7 +12405,7 @@
     <dgm:sp3d/>
     <dgm:txPr/>
     <dgm:style>
-      <a:lnRef idx="1">
+      <a:lnRef idx="2">
         <a:scrgbClr r="0" g="0" b="0"/>
       </a:lnRef>
       <a:fillRef idx="1">
@@ -11555,7 +12425,7 @@
     <dgm:sp3d/>
     <dgm:txPr/>
     <dgm:style>
-      <a:lnRef idx="1">
+      <a:lnRef idx="2">
         <a:scrgbClr r="0" g="0" b="0"/>
       </a:lnRef>
       <a:fillRef idx="1">
@@ -11575,7 +12445,7 @@
     <dgm:sp3d/>
     <dgm:txPr/>
     <dgm:style>
-      <a:lnRef idx="1">
+      <a:lnRef idx="2">
         <a:scrgbClr r="0" g="0" b="0"/>
       </a:lnRef>
       <a:fillRef idx="1">
@@ -11595,7 +12465,7 @@
     <dgm:sp3d/>
     <dgm:txPr/>
     <dgm:style>
-      <a:lnRef idx="1">
+      <a:lnRef idx="2">
         <a:scrgbClr r="0" g="0" b="0"/>
       </a:lnRef>
       <a:fillRef idx="1">
@@ -11615,7 +12485,7 @@
     <dgm:sp3d/>
     <dgm:txPr/>
     <dgm:style>
-      <a:lnRef idx="1">
+      <a:lnRef idx="2">
         <a:scrgbClr r="0" g="0" b="0"/>
       </a:lnRef>
       <a:fillRef idx="1">
@@ -11635,7 +12505,7 @@
     <dgm:sp3d/>
     <dgm:txPr/>
     <dgm:style>
-      <a:lnRef idx="1">
+      <a:lnRef idx="2">
         <a:scrgbClr r="0" g="0" b="0"/>
       </a:lnRef>
       <a:fillRef idx="1">
@@ -11661,7 +12531,7 @@
       <a:fillRef idx="1">
         <a:scrgbClr r="0" g="0" b="0"/>
       </a:fillRef>
-      <a:effectRef idx="2">
+      <a:effectRef idx="0">
         <a:scrgbClr r="0" g="0" b="0"/>
       </a:effectRef>
       <a:fontRef idx="minor"/>
@@ -11681,7 +12551,7 @@
       <a:fillRef idx="1">
         <a:scrgbClr r="0" g="0" b="0"/>
       </a:fillRef>
-      <a:effectRef idx="2">
+      <a:effectRef idx="0">
         <a:scrgbClr r="0" g="0" b="0"/>
       </a:effectRef>
       <a:fontRef idx="minor"/>
@@ -11715,13 +12585,13 @@
     <dgm:sp3d/>
     <dgm:txPr/>
     <dgm:style>
-      <a:lnRef idx="0">
+      <a:lnRef idx="2">
         <a:scrgbClr r="0" g="0" b="0"/>
       </a:lnRef>
-      <a:fillRef idx="3">
+      <a:fillRef idx="1">
         <a:scrgbClr r="0" g="0" b="0"/>
       </a:fillRef>
-      <a:effectRef idx="2">
+      <a:effectRef idx="0">
         <a:scrgbClr r="0" g="0" b="0"/>
       </a:effectRef>
       <a:fontRef idx="minor"/>
@@ -20899,6 +21769,472 @@
 <file path=ppt/slides/slide10.xml><?xml version="1.0" encoding="utf-8"?>
 <p:sld xmlns:a="http://schemas.openxmlformats.org/drawingml/2006/main" xmlns:r="http://schemas.openxmlformats.org/officeDocument/2006/relationships" xmlns:p="http://schemas.openxmlformats.org/presentationml/2006/main">
   <p:cSld>
+    <p:spTree>
+      <p:nvGrpSpPr>
+        <p:cNvPr id="1" name=""/>
+        <p:cNvGrpSpPr/>
+        <p:nvPr/>
+      </p:nvGrpSpPr>
+      <p:grpSpPr>
+        <a:xfrm>
+          <a:off x="0" y="0"/>
+          <a:ext cx="0" cy="0"/>
+          <a:chOff x="0" y="0"/>
+          <a:chExt cx="0" cy="0"/>
+        </a:xfrm>
+      </p:grpSpPr>
+      <p:sp>
+        <p:nvSpPr>
+          <p:cNvPr id="2" name="Başlık 1">
+            <a:extLst>
+              <a:ext uri="{FF2B5EF4-FFF2-40B4-BE49-F238E27FC236}">
+                <a16:creationId xmlns:a16="http://schemas.microsoft.com/office/drawing/2014/main" id="{7F2D1783-0AFF-4E73-5FC7-EA9FB8A1C3FD}"/>
+              </a:ext>
+            </a:extLst>
+          </p:cNvPr>
+          <p:cNvSpPr>
+            <a:spLocks noGrp="1"/>
+          </p:cNvSpPr>
+          <p:nvPr>
+            <p:ph type="title"/>
+          </p:nvPr>
+        </p:nvSpPr>
+        <p:spPr/>
+        <p:txBody>
+          <a:bodyPr/>
+          <a:lstStyle/>
+          <a:p>
+            <a:r>
+              <a:rPr lang="tr-TR" dirty="0"/>
+              <a:t>AFTER </a:t>
+            </a:r>
+          </a:p>
+        </p:txBody>
+      </p:sp>
+      <p:pic>
+        <p:nvPicPr>
+          <p:cNvPr id="12" name="İçerik Yer Tutucusu 11" descr="metin, ekran görüntüsü, yazılım, multimedya yazılımı içeren bir resim&#10;&#10;Açıklama otomatik olarak oluşturuldu">
+            <a:extLst>
+              <a:ext uri="{FF2B5EF4-FFF2-40B4-BE49-F238E27FC236}">
+                <a16:creationId xmlns:a16="http://schemas.microsoft.com/office/drawing/2014/main" id="{C7C0A604-68B3-A17E-5126-00E3EF84B9EC}"/>
+              </a:ext>
+            </a:extLst>
+          </p:cNvPr>
+          <p:cNvPicPr>
+            <a:picLocks noGrp="1" noChangeAspect="1"/>
+          </p:cNvPicPr>
+          <p:nvPr>
+            <p:ph idx="1"/>
+          </p:nvPr>
+        </p:nvPicPr>
+        <p:blipFill>
+          <a:blip r:embed="rId2"/>
+          <a:stretch>
+            <a:fillRect/>
+          </a:stretch>
+        </p:blipFill>
+        <p:spPr>
+          <a:xfrm>
+            <a:off x="652576" y="1728439"/>
+            <a:ext cx="7942193" cy="4371278"/>
+          </a:xfrm>
+        </p:spPr>
+      </p:pic>
+    </p:spTree>
+    <p:extLst>
+      <p:ext uri="{BB962C8B-B14F-4D97-AF65-F5344CB8AC3E}">
+        <p14:creationId xmlns:p14="http://schemas.microsoft.com/office/powerpoint/2010/main" val="1401180299"/>
+      </p:ext>
+    </p:extLst>
+  </p:cSld>
+  <p:clrMapOvr>
+    <a:masterClrMapping/>
+  </p:clrMapOvr>
+</p:sld>
+</file>
+
+<file path=ppt/slides/slide11.xml><?xml version="1.0" encoding="utf-8"?>
+<p:sld xmlns:a="http://schemas.openxmlformats.org/drawingml/2006/main" xmlns:r="http://schemas.openxmlformats.org/officeDocument/2006/relationships" xmlns:p="http://schemas.openxmlformats.org/presentationml/2006/main">
+  <p:cSld>
+    <p:bg>
+      <p:bgPr>
+        <a:blipFill>
+          <a:blip r:embed="rId2"/>
+          <a:stretch/>
+        </a:blipFill>
+        <a:effectLst/>
+      </p:bgPr>
+    </p:bg>
+    <p:spTree>
+      <p:nvGrpSpPr>
+        <p:cNvPr id="1" name=""/>
+        <p:cNvGrpSpPr/>
+        <p:nvPr/>
+      </p:nvGrpSpPr>
+      <p:grpSpPr>
+        <a:xfrm>
+          <a:off x="0" y="0"/>
+          <a:ext cx="0" cy="0"/>
+          <a:chOff x="0" y="0"/>
+          <a:chExt cx="0" cy="0"/>
+        </a:xfrm>
+      </p:grpSpPr>
+      <p:sp useBgFill="1">
+        <p:nvSpPr>
+          <p:cNvPr id="11" name="Rectangle 7">
+            <a:extLst>
+              <a:ext uri="{FF2B5EF4-FFF2-40B4-BE49-F238E27FC236}">
+                <a16:creationId xmlns:a16="http://schemas.microsoft.com/office/drawing/2014/main" id="{50E53EDA-3B94-4F6B-9E86-D3BB9EBB9616}"/>
+              </a:ext>
+              <a:ext uri="{C183D7F6-B498-43B3-948B-1728B52AA6E4}">
+                <adec:decorative xmlns:adec="http://schemas.microsoft.com/office/drawing/2017/decorative" val="1"/>
+              </a:ext>
+            </a:extLst>
+          </p:cNvPr>
+          <p:cNvSpPr>
+            <a:spLocks noGrp="1" noRot="1" noChangeAspect="1" noMove="1" noResize="1" noEditPoints="1" noAdjustHandles="1" noChangeArrowheads="1" noChangeShapeType="1" noTextEdit="1"/>
+          </p:cNvSpPr>
+          <p:nvPr>
+            <p:extLst>
+              <p:ext uri="{386F3935-93C4-4BCD-93E2-E3B085C9AB24}">
+                <p16:designElem xmlns:p16="http://schemas.microsoft.com/office/powerpoint/2015/main" val="1"/>
+              </p:ext>
+            </p:extLst>
+          </p:nvPr>
+        </p:nvSpPr>
+        <p:spPr>
+          <a:xfrm>
+            <a:off x="0" y="857250"/>
+            <a:ext cx="9144000" cy="5143500"/>
+          </a:xfrm>
+          <a:prstGeom prst="rect">
+            <a:avLst/>
+          </a:prstGeom>
+          <a:ln>
+            <a:noFill/>
+          </a:ln>
+        </p:spPr>
+        <p:style>
+          <a:lnRef idx="2">
+            <a:schemeClr val="accent1">
+              <a:shade val="50000"/>
+            </a:schemeClr>
+          </a:lnRef>
+          <a:fillRef idx="1">
+            <a:schemeClr val="accent1"/>
+          </a:fillRef>
+          <a:effectRef idx="0">
+            <a:schemeClr val="accent1"/>
+          </a:effectRef>
+          <a:fontRef idx="minor">
+            <a:schemeClr val="lt1"/>
+          </a:fontRef>
+        </p:style>
+        <p:txBody>
+          <a:bodyPr rtlCol="0" anchor="ctr"/>
+          <a:lstStyle/>
+          <a:p>
+            <a:pPr algn="ctr"/>
+            <a:endParaRPr lang="en-US" sz="1350"/>
+          </a:p>
+        </p:txBody>
+      </p:sp>
+      <p:sp>
+        <p:nvSpPr>
+          <p:cNvPr id="2" name="Title 1"/>
+          <p:cNvSpPr>
+            <a:spLocks noGrp="1"/>
+          </p:cNvSpPr>
+          <p:nvPr>
+            <p:ph type="title"/>
+          </p:nvPr>
+        </p:nvSpPr>
+        <p:spPr>
+          <a:xfrm>
+            <a:off x="514350" y="1719807"/>
+            <a:ext cx="2744542" cy="3418387"/>
+          </a:xfrm>
+        </p:spPr>
+        <p:txBody>
+          <a:bodyPr>
+            <a:normAutofit/>
+          </a:bodyPr>
+          <a:lstStyle/>
+          <a:p>
+            <a:pPr algn="r"/>
+            <a:r>
+              <a:rPr dirty="0"/>
+              <a:t>My </a:t>
+            </a:r>
+            <a:r>
+              <a:rPr dirty="0" err="1"/>
+              <a:t>Exper</a:t>
+            </a:r>
+            <a:r>
+              <a:rPr lang="tr-TR" dirty="0"/>
+              <a:t>I</a:t>
+            </a:r>
+            <a:r>
+              <a:rPr dirty="0" err="1"/>
+              <a:t>ence</a:t>
+            </a:r>
+            <a:r>
+              <a:rPr dirty="0"/>
+              <a:t> w</a:t>
+            </a:r>
+            <a:r>
+              <a:rPr lang="tr-TR" dirty="0"/>
+              <a:t>I</a:t>
+            </a:r>
+            <a:r>
+              <a:rPr dirty="0" err="1"/>
+              <a:t>th</a:t>
+            </a:r>
+            <a:r>
+              <a:rPr dirty="0"/>
+              <a:t> Cursor</a:t>
+            </a:r>
+            <a:endParaRPr lang="tr-TR"/>
+          </a:p>
+        </p:txBody>
+      </p:sp>
+      <p:cxnSp>
+        <p:nvCxnSpPr>
+          <p:cNvPr id="10" name="Straight Connector 9">
+            <a:extLst>
+              <a:ext uri="{FF2B5EF4-FFF2-40B4-BE49-F238E27FC236}">
+                <a16:creationId xmlns:a16="http://schemas.microsoft.com/office/drawing/2014/main" id="{30EFD79F-7790-479B-B7DB-BD0D8C101DDD}"/>
+              </a:ext>
+              <a:ext uri="{C183D7F6-B498-43B3-948B-1728B52AA6E4}">
+                <adec:decorative xmlns:adec="http://schemas.microsoft.com/office/drawing/2017/decorative" val="1"/>
+              </a:ext>
+            </a:extLst>
+          </p:cNvPr>
+          <p:cNvCxnSpPr>
+            <a:cxnSpLocks noGrp="1" noRot="1" noChangeAspect="1" noMove="1" noResize="1" noEditPoints="1" noAdjustHandles="1" noChangeArrowheads="1" noChangeShapeType="1"/>
+          </p:cNvCxnSpPr>
+          <p:nvPr>
+            <p:extLst>
+              <p:ext uri="{386F3935-93C4-4BCD-93E2-E3B085C9AB24}">
+                <p16:designElem xmlns:p16="http://schemas.microsoft.com/office/powerpoint/2015/main" val="1"/>
+              </p:ext>
+            </p:extLst>
+          </p:nvPr>
+        </p:nvCxnSpPr>
+        <p:spPr>
+          <a:xfrm>
+            <a:off x="3500192" y="2108835"/>
+            <a:ext cx="0" cy="2640330"/>
+          </a:xfrm>
+          <a:prstGeom prst="line">
+            <a:avLst/>
+          </a:prstGeom>
+          <a:ln w="19050"/>
+        </p:spPr>
+        <p:style>
+          <a:lnRef idx="1">
+            <a:schemeClr val="accent1"/>
+          </a:lnRef>
+          <a:fillRef idx="0">
+            <a:schemeClr val="accent1"/>
+          </a:fillRef>
+          <a:effectRef idx="0">
+            <a:schemeClr val="accent1"/>
+          </a:effectRef>
+          <a:fontRef idx="minor">
+            <a:schemeClr val="tx1"/>
+          </a:fontRef>
+        </p:style>
+      </p:cxnSp>
+      <p:sp>
+        <p:nvSpPr>
+          <p:cNvPr id="3" name="Content Placeholder 2"/>
+          <p:cNvSpPr>
+            <a:spLocks noGrp="1"/>
+          </p:cNvSpPr>
+          <p:nvPr>
+            <p:ph idx="1"/>
+          </p:nvPr>
+        </p:nvSpPr>
+        <p:spPr>
+          <a:xfrm>
+            <a:off x="3741494" y="1719807"/>
+            <a:ext cx="4888157" cy="3418387"/>
+          </a:xfrm>
+        </p:spPr>
+        <p:txBody>
+          <a:bodyPr>
+            <a:normAutofit/>
+          </a:bodyPr>
+          <a:lstStyle/>
+          <a:p>
+            <a:r>
+              <a:t>- AI suggestions are fast and accurate</a:t>
+            </a:r>
+          </a:p>
+          <a:p>
+            <a:r>
+              <a:t>- Code explanation is helpful for learning</a:t>
+            </a:r>
+          </a:p>
+          <a:p>
+            <a:r>
+              <a:t>- Bug fixing is a great feature missing in Copilot</a:t>
+            </a:r>
+          </a:p>
+          <a:p>
+            <a:r>
+              <a:t>- Interface similar to VS Code, easy to adapt</a:t>
+            </a:r>
+          </a:p>
+          <a:p>
+            <a:r>
+              <a:t>- Free version is useful but has limitations</a:t>
+            </a:r>
+          </a:p>
+        </p:txBody>
+      </p:sp>
+    </p:spTree>
+  </p:cSld>
+  <p:clrMapOvr>
+    <a:masterClrMapping/>
+  </p:clrMapOvr>
+</p:sld>
+</file>
+
+<file path=ppt/slides/slide12.xml><?xml version="1.0" encoding="utf-8"?>
+<p:sld xmlns:a="http://schemas.openxmlformats.org/drawingml/2006/main" xmlns:r="http://schemas.openxmlformats.org/officeDocument/2006/relationships" xmlns:p="http://schemas.openxmlformats.org/presentationml/2006/main">
+  <p:cSld>
+    <p:spTree>
+      <p:nvGrpSpPr>
+        <p:cNvPr id="1" name=""/>
+        <p:cNvGrpSpPr/>
+        <p:nvPr/>
+      </p:nvGrpSpPr>
+      <p:grpSpPr>
+        <a:xfrm>
+          <a:off x="0" y="0"/>
+          <a:ext cx="0" cy="0"/>
+          <a:chOff x="0" y="0"/>
+          <a:chExt cx="0" cy="0"/>
+        </a:xfrm>
+      </p:grpSpPr>
+      <p:sp>
+        <p:nvSpPr>
+          <p:cNvPr id="2" name="Title 1"/>
+          <p:cNvSpPr>
+            <a:spLocks noGrp="1"/>
+          </p:cNvSpPr>
+          <p:nvPr>
+            <p:ph type="title"/>
+          </p:nvPr>
+        </p:nvSpPr>
+        <p:spPr/>
+        <p:txBody>
+          <a:bodyPr/>
+          <a:lstStyle/>
+          <a:p>
+            <a:r>
+              <a:rPr dirty="0"/>
+              <a:t>G</a:t>
+            </a:r>
+            <a:r>
+              <a:rPr lang="tr-TR" dirty="0"/>
+              <a:t>I</a:t>
+            </a:r>
+            <a:r>
+              <a:rPr dirty="0" err="1"/>
+              <a:t>tHub</a:t>
+            </a:r>
+            <a:r>
+              <a:rPr dirty="0"/>
+              <a:t> Prof</a:t>
+            </a:r>
+            <a:r>
+              <a:rPr lang="tr-TR" dirty="0"/>
+              <a:t>I</a:t>
+            </a:r>
+            <a:r>
+              <a:rPr dirty="0"/>
+              <a:t>le &amp; Ass</a:t>
+            </a:r>
+            <a:r>
+              <a:rPr lang="tr-TR" dirty="0"/>
+              <a:t>I</a:t>
+            </a:r>
+            <a:r>
+              <a:rPr dirty="0" err="1"/>
+              <a:t>gnment</a:t>
+            </a:r>
+            <a:r>
+              <a:rPr dirty="0"/>
+              <a:t> </a:t>
+            </a:r>
+            <a:r>
+              <a:rPr dirty="0" err="1"/>
+              <a:t>Subm</a:t>
+            </a:r>
+            <a:r>
+              <a:rPr lang="tr-TR" dirty="0"/>
+              <a:t>I</a:t>
+            </a:r>
+            <a:r>
+              <a:rPr dirty="0"/>
+              <a:t>ss</a:t>
+            </a:r>
+            <a:r>
+              <a:rPr lang="tr-TR" dirty="0"/>
+              <a:t>I</a:t>
+            </a:r>
+            <a:r>
+              <a:rPr dirty="0"/>
+              <a:t>on</a:t>
+            </a:r>
+          </a:p>
+        </p:txBody>
+      </p:sp>
+      <p:graphicFrame>
+        <p:nvGraphicFramePr>
+          <p:cNvPr id="5" name="Content Placeholder 2">
+            <a:extLst>
+              <a:ext uri="{FF2B5EF4-FFF2-40B4-BE49-F238E27FC236}">
+                <a16:creationId xmlns:a16="http://schemas.microsoft.com/office/drawing/2014/main" id="{5450BDE9-A422-9421-2A51-EF3C4A9CAC8E}"/>
+              </a:ext>
+            </a:extLst>
+          </p:cNvPr>
+          <p:cNvGraphicFramePr>
+            <a:graphicFrameLocks noGrp="1"/>
+          </p:cNvGraphicFramePr>
+          <p:nvPr>
+            <p:ph idx="1"/>
+            <p:extLst>
+              <p:ext uri="{D42A27DB-BD31-4B8C-83A1-F6EECF244321}">
+                <p14:modId xmlns:p14="http://schemas.microsoft.com/office/powerpoint/2010/main" val="2257310989"/>
+              </p:ext>
+            </p:extLst>
+          </p:nvPr>
+        </p:nvGraphicFramePr>
+        <p:xfrm>
+          <a:off x="457200" y="2141538"/>
+          <a:ext cx="7772400" cy="3649662"/>
+        </p:xfrm>
+        <a:graphic>
+          <a:graphicData uri="http://schemas.openxmlformats.org/drawingml/2006/diagram">
+            <dgm:relIds xmlns:dgm="http://schemas.openxmlformats.org/drawingml/2006/diagram" xmlns:r="http://schemas.openxmlformats.org/officeDocument/2006/relationships" r:dm="rId2" r:lo="rId3" r:qs="rId4" r:cs="rId5"/>
+          </a:graphicData>
+        </a:graphic>
+      </p:graphicFrame>
+    </p:spTree>
+  </p:cSld>
+  <p:clrMapOvr>
+    <a:masterClrMapping/>
+  </p:clrMapOvr>
+</p:sld>
+</file>
+
+<file path=ppt/slides/slide13.xml><?xml version="1.0" encoding="utf-8"?>
+<p:sld xmlns:a="http://schemas.openxmlformats.org/drawingml/2006/main" xmlns:r="http://schemas.openxmlformats.org/officeDocument/2006/relationships" xmlns:p="http://schemas.openxmlformats.org/presentationml/2006/main">
+  <p:cSld>
     <p:bg>
       <p:bgPr>
         <a:blipFill>
@@ -21039,7 +22375,7 @@
 </p:sld>
 </file>
 
-<file path=ppt/slides/slide11.xml><?xml version="1.0" encoding="utf-8"?>
+<file path=ppt/slides/slide14.xml><?xml version="1.0" encoding="utf-8"?>
 <p:sld xmlns:a="http://schemas.openxmlformats.org/drawingml/2006/main" xmlns:r="http://schemas.openxmlformats.org/officeDocument/2006/relationships" xmlns:p="http://schemas.openxmlformats.org/presentationml/2006/main">
   <p:cSld>
     <p:bg>
@@ -21271,6 +22607,175 @@
       </p:grpSpPr>
       <p:sp>
         <p:nvSpPr>
+          <p:cNvPr id="7" name="Rectangle 9">
+            <a:extLst>
+              <a:ext uri="{FF2B5EF4-FFF2-40B4-BE49-F238E27FC236}">
+                <a16:creationId xmlns:a16="http://schemas.microsoft.com/office/drawing/2014/main" id="{6A166780-9337-4437-95D3-5EA9D55AAAC5}"/>
+              </a:ext>
+              <a:ext uri="{C183D7F6-B498-43B3-948B-1728B52AA6E4}">
+                <adec:decorative xmlns:adec="http://schemas.microsoft.com/office/drawing/2017/decorative" val="1"/>
+              </a:ext>
+            </a:extLst>
+          </p:cNvPr>
+          <p:cNvSpPr>
+            <a:spLocks noGrp="1" noRot="1" noChangeAspect="1" noMove="1" noResize="1" noEditPoints="1" noAdjustHandles="1" noChangeArrowheads="1" noChangeShapeType="1" noTextEdit="1"/>
+          </p:cNvSpPr>
+          <p:nvPr>
+            <p:extLst>
+              <p:ext uri="{386F3935-93C4-4BCD-93E2-E3B085C9AB24}">
+                <p16:designElem xmlns:p16="http://schemas.microsoft.com/office/powerpoint/2015/main" val="1"/>
+              </p:ext>
+            </p:extLst>
+          </p:nvPr>
+        </p:nvSpPr>
+        <p:spPr>
+          <a:xfrm>
+            <a:off x="0" y="0"/>
+            <a:ext cx="9144000" cy="6858000"/>
+          </a:xfrm>
+          <a:prstGeom prst="rect">
+            <a:avLst/>
+          </a:prstGeom>
+          <a:ln>
+            <a:noFill/>
+          </a:ln>
+        </p:spPr>
+        <p:style>
+          <a:lnRef idx="2">
+            <a:schemeClr val="accent1">
+              <a:shade val="50000"/>
+            </a:schemeClr>
+          </a:lnRef>
+          <a:fillRef idx="1003">
+            <a:schemeClr val="dk2"/>
+          </a:fillRef>
+          <a:effectRef idx="0">
+            <a:schemeClr val="accent1"/>
+          </a:effectRef>
+          <a:fontRef idx="minor">
+            <a:schemeClr val="lt1"/>
+          </a:fontRef>
+        </p:style>
+        <p:txBody>
+          <a:bodyPr rtlCol="0" anchor="ctr"/>
+          <a:lstStyle/>
+          <a:p>
+            <a:pPr algn="ctr"/>
+            <a:endParaRPr lang="en-US"/>
+          </a:p>
+        </p:txBody>
+      </p:sp>
+      <p:sp>
+        <p:nvSpPr>
+          <p:cNvPr id="8" name="Rectangle 11">
+            <a:extLst>
+              <a:ext uri="{FF2B5EF4-FFF2-40B4-BE49-F238E27FC236}">
+                <a16:creationId xmlns:a16="http://schemas.microsoft.com/office/drawing/2014/main" id="{EB3D0F40-BF1F-4120-945D-90C5AAD6E35A}"/>
+              </a:ext>
+              <a:ext uri="{C183D7F6-B498-43B3-948B-1728B52AA6E4}">
+                <adec:decorative xmlns:adec="http://schemas.microsoft.com/office/drawing/2017/decorative" val="1"/>
+              </a:ext>
+            </a:extLst>
+          </p:cNvPr>
+          <p:cNvSpPr>
+            <a:spLocks noGrp="1" noRot="1" noChangeAspect="1" noMove="1" noResize="1" noEditPoints="1" noAdjustHandles="1" noChangeArrowheads="1" noChangeShapeType="1" noTextEdit="1"/>
+          </p:cNvSpPr>
+          <p:nvPr>
+            <p:extLst>
+              <p:ext uri="{386F3935-93C4-4BCD-93E2-E3B085C9AB24}">
+                <p16:designElem xmlns:p16="http://schemas.microsoft.com/office/powerpoint/2015/main" val="1"/>
+              </p:ext>
+            </p:extLst>
+          </p:nvPr>
+        </p:nvSpPr>
+        <p:spPr>
+          <a:xfrm>
+            <a:off x="-2381" y="0"/>
+            <a:ext cx="3490721" cy="6856214"/>
+          </a:xfrm>
+          <a:prstGeom prst="rect">
+            <a:avLst/>
+          </a:prstGeom>
+          <a:blipFill dpi="0" rotWithShape="1">
+            <a:blip r:embed="rId2"/>
+            <a:srcRect/>
+            <a:tile tx="0" ty="0" sx="100000" sy="100000" flip="none" algn="tl"/>
+          </a:blipFill>
+          <a:ln>
+            <a:noFill/>
+          </a:ln>
+        </p:spPr>
+        <p:style>
+          <a:lnRef idx="2">
+            <a:schemeClr val="accent1">
+              <a:shade val="50000"/>
+            </a:schemeClr>
+          </a:lnRef>
+          <a:fillRef idx="1003">
+            <a:schemeClr val="lt2"/>
+          </a:fillRef>
+          <a:effectRef idx="0">
+            <a:schemeClr val="accent1"/>
+          </a:effectRef>
+          <a:fontRef idx="minor">
+            <a:schemeClr val="lt1"/>
+          </a:fontRef>
+        </p:style>
+        <p:txBody>
+          <a:bodyPr rtlCol="0" anchor="ctr"/>
+          <a:lstStyle/>
+          <a:p>
+            <a:pPr algn="ctr"/>
+            <a:endParaRPr lang="en-US"/>
+          </a:p>
+        </p:txBody>
+      </p:sp>
+      <p:pic>
+        <p:nvPicPr>
+          <p:cNvPr id="14" name="Picture 13">
+            <a:extLst>
+              <a:ext uri="{FF2B5EF4-FFF2-40B4-BE49-F238E27FC236}">
+                <a16:creationId xmlns:a16="http://schemas.microsoft.com/office/drawing/2014/main" id="{15640A69-3748-450C-8DDB-B2051AC04BC7}"/>
+              </a:ext>
+              <a:ext uri="{C183D7F6-B498-43B3-948B-1728B52AA6E4}">
+                <adec:decorative xmlns:adec="http://schemas.microsoft.com/office/drawing/2017/decorative" val="1"/>
+              </a:ext>
+            </a:extLst>
+          </p:cNvPr>
+          <p:cNvPicPr>
+            <a:picLocks noGrp="1" noRot="1" noChangeAspect="1" noMove="1" noResize="1" noEditPoints="1" noAdjustHandles="1" noChangeArrowheads="1" noChangeShapeType="1" noCrop="1"/>
+          </p:cNvPicPr>
+          <p:nvPr>
+            <p:extLst>
+              <p:ext uri="{386F3935-93C4-4BCD-93E2-E3B085C9AB24}">
+                <p16:designElem xmlns:p16="http://schemas.microsoft.com/office/powerpoint/2015/main" val="1"/>
+              </p:ext>
+            </p:extLst>
+          </p:nvPr>
+        </p:nvPicPr>
+        <p:blipFill rotWithShape="1">
+          <a:blip r:embed="rId3">
+            <a:extLst>
+              <a:ext uri="{28A0092B-C50C-407E-A947-70E740481C1C}">
+                <a14:useLocalDpi xmlns:a14="http://schemas.microsoft.com/office/drawing/2010/main" val="0"/>
+              </a:ext>
+            </a:extLst>
+          </a:blip>
+          <a:srcRect r="61893"/>
+          <a:stretch/>
+        </p:blipFill>
+        <p:spPr>
+          <a:xfrm>
+            <a:off x="0" y="0"/>
+            <a:ext cx="3483577" cy="6856214"/>
+          </a:xfrm>
+          <a:prstGeom prst="rect">
+            <a:avLst/>
+          </a:prstGeom>
+        </p:spPr>
+      </p:pic>
+      <p:sp>
+        <p:nvSpPr>
           <p:cNvPr id="2" name="Title 1"/>
           <p:cNvSpPr>
             <a:spLocks noGrp="1"/>
@@ -21282,7 +22787,7 @@
         <p:spPr>
           <a:xfrm>
             <a:off x="514350" y="643466"/>
-            <a:ext cx="1943100" cy="4995333"/>
+            <a:ext cx="2513648" cy="4995333"/>
           </a:xfrm>
         </p:spPr>
         <p:txBody>
@@ -21302,6 +22807,66 @@
           </a:p>
         </p:txBody>
       </p:sp>
+      <p:sp useBgFill="1">
+        <p:nvSpPr>
+          <p:cNvPr id="16" name="Rectangle 15">
+            <a:extLst>
+              <a:ext uri="{FF2B5EF4-FFF2-40B4-BE49-F238E27FC236}">
+                <a16:creationId xmlns:a16="http://schemas.microsoft.com/office/drawing/2014/main" id="{66F4F323-644B-4A47-97E9-BFB73840F402}"/>
+              </a:ext>
+              <a:ext uri="{C183D7F6-B498-43B3-948B-1728B52AA6E4}">
+                <adec:decorative xmlns:adec="http://schemas.microsoft.com/office/drawing/2017/decorative" val="1"/>
+              </a:ext>
+            </a:extLst>
+          </p:cNvPr>
+          <p:cNvSpPr>
+            <a:spLocks noGrp="1" noRot="1" noChangeAspect="1" noMove="1" noResize="1" noEditPoints="1" noAdjustHandles="1" noChangeArrowheads="1" noChangeShapeType="1" noTextEdit="1"/>
+          </p:cNvSpPr>
+          <p:nvPr>
+            <p:extLst>
+              <p:ext uri="{386F3935-93C4-4BCD-93E2-E3B085C9AB24}">
+                <p16:designElem xmlns:p16="http://schemas.microsoft.com/office/powerpoint/2015/main" val="1"/>
+              </p:ext>
+            </p:extLst>
+          </p:nvPr>
+        </p:nvSpPr>
+        <p:spPr>
+          <a:xfrm>
+            <a:off x="3488340" y="-2"/>
+            <a:ext cx="5653278" cy="6856216"/>
+          </a:xfrm>
+          <a:prstGeom prst="rect">
+            <a:avLst/>
+          </a:prstGeom>
+          <a:ln>
+            <a:noFill/>
+          </a:ln>
+        </p:spPr>
+        <p:style>
+          <a:lnRef idx="2">
+            <a:schemeClr val="accent1">
+              <a:shade val="50000"/>
+            </a:schemeClr>
+          </a:lnRef>
+          <a:fillRef idx="1">
+            <a:schemeClr val="accent1"/>
+          </a:fillRef>
+          <a:effectRef idx="0">
+            <a:schemeClr val="accent1"/>
+          </a:effectRef>
+          <a:fontRef idx="minor">
+            <a:schemeClr val="lt1"/>
+          </a:fontRef>
+        </p:style>
+        <p:txBody>
+          <a:bodyPr rtlCol="0" anchor="ctr"/>
+          <a:lstStyle/>
+          <a:p>
+            <a:pPr algn="ctr"/>
+            <a:endParaRPr lang="en-US"/>
+          </a:p>
+        </p:txBody>
+      </p:sp>
       <p:graphicFrame>
         <p:nvGraphicFramePr>
           <p:cNvPr id="5" name="Content Placeholder 2">
@@ -21318,18 +22883,18 @@
             <p:ph idx="1"/>
             <p:extLst>
               <p:ext uri="{D42A27DB-BD31-4B8C-83A1-F6EECF244321}">
-                <p14:modId xmlns:p14="http://schemas.microsoft.com/office/powerpoint/2010/main" val="1235360844"/>
+                <p14:modId xmlns:p14="http://schemas.microsoft.com/office/powerpoint/2010/main" val="1643607460"/>
               </p:ext>
             </p:extLst>
           </p:nvPr>
         </p:nvGraphicFramePr>
         <p:xfrm>
-          <a:off x="3606450" y="901700"/>
-          <a:ext cx="4908900" cy="4820182"/>
+          <a:off x="4100631" y="804671"/>
+          <a:ext cx="4414719" cy="4917211"/>
         </p:xfrm>
         <a:graphic>
           <a:graphicData uri="http://schemas.openxmlformats.org/drawingml/2006/diagram">
-            <dgm:relIds xmlns:dgm="http://schemas.openxmlformats.org/drawingml/2006/diagram" xmlns:r="http://schemas.openxmlformats.org/officeDocument/2006/relationships" r:dm="rId2" r:lo="rId3" r:qs="rId4" r:cs="rId5"/>
+            <dgm:relIds xmlns:dgm="http://schemas.openxmlformats.org/drawingml/2006/diagram" xmlns:r="http://schemas.openxmlformats.org/officeDocument/2006/relationships" r:dm="rId4" r:lo="rId5" r:qs="rId6" r:cs="rId7"/>
           </a:graphicData>
         </a:graphic>
       </p:graphicFrame>
@@ -21342,104 +22907,6 @@
 </file>
 
 <file path=ppt/slides/slide4.xml><?xml version="1.0" encoding="utf-8"?>
-<p:sld xmlns:a="http://schemas.openxmlformats.org/drawingml/2006/main" xmlns:r="http://schemas.openxmlformats.org/officeDocument/2006/relationships" xmlns:p="http://schemas.openxmlformats.org/presentationml/2006/main">
-  <p:cSld>
-    <p:bg>
-      <p:bgPr>
-        <a:solidFill>
-          <a:schemeClr val="bg1"/>
-        </a:solidFill>
-        <a:effectLst/>
-      </p:bgPr>
-    </p:bg>
-    <p:spTree>
-      <p:nvGrpSpPr>
-        <p:cNvPr id="1" name=""/>
-        <p:cNvGrpSpPr/>
-        <p:nvPr/>
-      </p:nvGrpSpPr>
-      <p:grpSpPr>
-        <a:xfrm>
-          <a:off x="0" y="0"/>
-          <a:ext cx="0" cy="0"/>
-          <a:chOff x="0" y="0"/>
-          <a:chExt cx="0" cy="0"/>
-        </a:xfrm>
-      </p:grpSpPr>
-      <p:sp>
-        <p:nvSpPr>
-          <p:cNvPr id="2" name="Title 1"/>
-          <p:cNvSpPr>
-            <a:spLocks noGrp="1"/>
-          </p:cNvSpPr>
-          <p:nvPr>
-            <p:ph type="title"/>
-          </p:nvPr>
-        </p:nvSpPr>
-        <p:spPr>
-          <a:xfrm>
-            <a:off x="771525" y="653142"/>
-            <a:ext cx="7598568" cy="1219200"/>
-          </a:xfrm>
-        </p:spPr>
-        <p:txBody>
-          <a:bodyPr>
-            <a:normAutofit/>
-          </a:bodyPr>
-          <a:lstStyle/>
-          <a:p>
-            <a:pPr algn="ctr"/>
-            <a:r>
-              <a:rPr lang="tr-TR" sz="3800">
-                <a:solidFill>
-                  <a:srgbClr val="FFFFFF"/>
-                </a:solidFill>
-              </a:rPr>
-              <a:t>Key Features of Cursor</a:t>
-            </a:r>
-          </a:p>
-        </p:txBody>
-      </p:sp>
-      <p:graphicFrame>
-        <p:nvGraphicFramePr>
-          <p:cNvPr id="7" name="Content Placeholder 2">
-            <a:extLst>
-              <a:ext uri="{FF2B5EF4-FFF2-40B4-BE49-F238E27FC236}">
-                <a16:creationId xmlns:a16="http://schemas.microsoft.com/office/drawing/2014/main" id="{25787DA9-DCE5-98CF-A5BB-583D833822DE}"/>
-              </a:ext>
-            </a:extLst>
-          </p:cNvPr>
-          <p:cNvGraphicFramePr>
-            <a:graphicFrameLocks noGrp="1"/>
-          </p:cNvGraphicFramePr>
-          <p:nvPr>
-            <p:ph idx="1"/>
-            <p:extLst>
-              <p:ext uri="{D42A27DB-BD31-4B8C-83A1-F6EECF244321}">
-                <p14:modId xmlns:p14="http://schemas.microsoft.com/office/powerpoint/2010/main" val="878339161"/>
-              </p:ext>
-            </p:extLst>
-          </p:nvPr>
-        </p:nvGraphicFramePr>
-        <p:xfrm>
-          <a:off x="771525" y="2743200"/>
-          <a:ext cx="7598568" cy="3048000"/>
-        </p:xfrm>
-        <a:graphic>
-          <a:graphicData uri="http://schemas.openxmlformats.org/drawingml/2006/diagram">
-            <dgm:relIds xmlns:dgm="http://schemas.openxmlformats.org/drawingml/2006/diagram" xmlns:r="http://schemas.openxmlformats.org/officeDocument/2006/relationships" r:dm="rId2" r:lo="rId3" r:qs="rId4" r:cs="rId5"/>
-          </a:graphicData>
-        </a:graphic>
-      </p:graphicFrame>
-    </p:spTree>
-  </p:cSld>
-  <p:clrMapOvr>
-    <a:overrideClrMapping bg1="lt1" tx1="dk1" bg2="lt2" tx2="dk2" accent1="accent1" accent2="accent2" accent3="accent3" accent4="accent4" accent5="accent5" accent6="accent6" hlink="hlink" folHlink="folHlink"/>
-  </p:clrMapOvr>
-</p:sld>
-</file>
-
-<file path=ppt/slides/slide5.xml><?xml version="1.0" encoding="utf-8"?>
 <p:sld xmlns:a="http://schemas.openxmlformats.org/drawingml/2006/main" xmlns:r="http://schemas.openxmlformats.org/officeDocument/2006/relationships" xmlns:p="http://schemas.openxmlformats.org/presentationml/2006/main">
   <p:cSld>
     <p:bg>
@@ -21477,6 +22944,622 @@
         </p:nvSpPr>
         <p:spPr>
           <a:xfrm>
+            <a:off x="514350" y="609600"/>
+            <a:ext cx="7598569" cy="1456267"/>
+          </a:xfrm>
+        </p:spPr>
+        <p:txBody>
+          <a:bodyPr>
+            <a:normAutofit/>
+          </a:bodyPr>
+          <a:lstStyle/>
+          <a:p>
+            <a:r>
+              <a:rPr lang="tr-TR"/>
+              <a:t>Key Features of Cursor</a:t>
+            </a:r>
+          </a:p>
+        </p:txBody>
+      </p:sp>
+      <p:graphicFrame>
+        <p:nvGraphicFramePr>
+          <p:cNvPr id="7" name="Content Placeholder 2">
+            <a:extLst>
+              <a:ext uri="{FF2B5EF4-FFF2-40B4-BE49-F238E27FC236}">
+                <a16:creationId xmlns:a16="http://schemas.microsoft.com/office/drawing/2014/main" id="{25787DA9-DCE5-98CF-A5BB-583D833822DE}"/>
+              </a:ext>
+            </a:extLst>
+          </p:cNvPr>
+          <p:cNvGraphicFramePr>
+            <a:graphicFrameLocks noGrp="1"/>
+          </p:cNvGraphicFramePr>
+          <p:nvPr>
+            <p:ph idx="1"/>
+            <p:extLst>
+              <p:ext uri="{D42A27DB-BD31-4B8C-83A1-F6EECF244321}">
+                <p14:modId xmlns:p14="http://schemas.microsoft.com/office/powerpoint/2010/main" val="719927429"/>
+              </p:ext>
+            </p:extLst>
+          </p:nvPr>
+        </p:nvGraphicFramePr>
+        <p:xfrm>
+          <a:off x="514350" y="2406400"/>
+          <a:ext cx="7598568" cy="3384799"/>
+        </p:xfrm>
+        <a:graphic>
+          <a:graphicData uri="http://schemas.openxmlformats.org/drawingml/2006/diagram">
+            <dgm:relIds xmlns:dgm="http://schemas.openxmlformats.org/drawingml/2006/diagram" xmlns:r="http://schemas.openxmlformats.org/officeDocument/2006/relationships" r:dm="rId3" r:lo="rId4" r:qs="rId5" r:cs="rId6"/>
+          </a:graphicData>
+        </a:graphic>
+      </p:graphicFrame>
+    </p:spTree>
+  </p:cSld>
+  <p:clrMapOvr>
+    <a:masterClrMapping/>
+  </p:clrMapOvr>
+</p:sld>
+</file>
+
+<file path=ppt/slides/slide5.xml><?xml version="1.0" encoding="utf-8"?>
+<p:sld xmlns:a="http://schemas.openxmlformats.org/drawingml/2006/main" xmlns:r="http://schemas.openxmlformats.org/officeDocument/2006/relationships" xmlns:p="http://schemas.openxmlformats.org/presentationml/2006/main">
+  <p:cSld>
+    <p:bg>
+      <p:bgPr>
+        <a:blipFill>
+          <a:blip r:embed="rId2"/>
+          <a:stretch/>
+        </a:blipFill>
+        <a:effectLst/>
+      </p:bgPr>
+    </p:bg>
+    <p:spTree>
+      <p:nvGrpSpPr>
+        <p:cNvPr id="1" name=""/>
+        <p:cNvGrpSpPr/>
+        <p:nvPr/>
+      </p:nvGrpSpPr>
+      <p:grpSpPr>
+        <a:xfrm>
+          <a:off x="0" y="0"/>
+          <a:ext cx="0" cy="0"/>
+          <a:chOff x="0" y="0"/>
+          <a:chExt cx="0" cy="0"/>
+        </a:xfrm>
+      </p:grpSpPr>
+      <p:sp>
+        <p:nvSpPr>
+          <p:cNvPr id="12" name="Freeform: Shape 7">
+            <a:extLst>
+              <a:ext uri="{FF2B5EF4-FFF2-40B4-BE49-F238E27FC236}">
+                <a16:creationId xmlns:a16="http://schemas.microsoft.com/office/drawing/2014/main" id="{54309F57-B331-41A7-9154-15EC2AF45A60}"/>
+              </a:ext>
+              <a:ext uri="{C183D7F6-B498-43B3-948B-1728B52AA6E4}">
+                <adec:decorative xmlns:adec="http://schemas.microsoft.com/office/drawing/2017/decorative" val="1"/>
+              </a:ext>
+            </a:extLst>
+          </p:cNvPr>
+          <p:cNvSpPr>
+            <a:spLocks noGrp="1" noRot="1" noChangeAspect="1" noMove="1" noResize="1" noEditPoints="1" noAdjustHandles="1" noChangeArrowheads="1" noChangeShapeType="1" noTextEdit="1"/>
+          </p:cNvSpPr>
+          <p:nvPr>
+            <p:extLst>
+              <p:ext uri="{386F3935-93C4-4BCD-93E2-E3B085C9AB24}">
+                <p16:designElem xmlns:p16="http://schemas.microsoft.com/office/powerpoint/2015/main" val="1"/>
+              </p:ext>
+            </p:extLst>
+          </p:nvPr>
+        </p:nvSpPr>
+        <p:spPr>
+          <a:xfrm rot="10800000">
+            <a:off x="0" y="857250"/>
+            <a:ext cx="6633872" cy="5143500"/>
+          </a:xfrm>
+          <a:custGeom>
+            <a:avLst/>
+            <a:gdLst>
+              <a:gd name="connsiteX0" fmla="*/ 0 w 8845162"/>
+              <a:gd name="connsiteY0" fmla="*/ 0 h 6858000"/>
+              <a:gd name="connsiteX1" fmla="*/ 6265248 w 8845162"/>
+              <a:gd name="connsiteY1" fmla="*/ 0 h 6858000"/>
+              <a:gd name="connsiteX2" fmla="*/ 7537703 w 8845162"/>
+              <a:gd name="connsiteY2" fmla="*/ 0 h 6858000"/>
+              <a:gd name="connsiteX3" fmla="*/ 8845162 w 8845162"/>
+              <a:gd name="connsiteY3" fmla="*/ 0 h 6858000"/>
+              <a:gd name="connsiteX4" fmla="*/ 8845162 w 8845162"/>
+              <a:gd name="connsiteY4" fmla="*/ 6858000 h 6858000"/>
+              <a:gd name="connsiteX5" fmla="*/ 7537703 w 8845162"/>
+              <a:gd name="connsiteY5" fmla="*/ 6858000 h 6858000"/>
+              <a:gd name="connsiteX6" fmla="*/ 6265248 w 8845162"/>
+              <a:gd name="connsiteY6" fmla="*/ 6858000 h 6858000"/>
+              <a:gd name="connsiteX7" fmla="*/ 20957 w 8845162"/>
+              <a:gd name="connsiteY7" fmla="*/ 6858000 h 6858000"/>
+              <a:gd name="connsiteX8" fmla="*/ 46002 w 8845162"/>
+              <a:gd name="connsiteY8" fmla="*/ 6702325 h 6858000"/>
+              <a:gd name="connsiteX9" fmla="*/ 69870 w 8845162"/>
+              <a:gd name="connsiteY9" fmla="*/ 6547334 h 6858000"/>
+              <a:gd name="connsiteX10" fmla="*/ 93234 w 8845162"/>
+              <a:gd name="connsiteY10" fmla="*/ 6391658 h 6858000"/>
+              <a:gd name="connsiteX11" fmla="*/ 113237 w 8845162"/>
+              <a:gd name="connsiteY11" fmla="*/ 6235295 h 6858000"/>
+              <a:gd name="connsiteX12" fmla="*/ 133409 w 8845162"/>
+              <a:gd name="connsiteY12" fmla="*/ 6079619 h 6858000"/>
+              <a:gd name="connsiteX13" fmla="*/ 152234 w 8845162"/>
+              <a:gd name="connsiteY13" fmla="*/ 5923256 h 6858000"/>
+              <a:gd name="connsiteX14" fmla="*/ 168370 w 8845162"/>
+              <a:gd name="connsiteY14" fmla="*/ 5768951 h 6858000"/>
+              <a:gd name="connsiteX15" fmla="*/ 183667 w 8845162"/>
+              <a:gd name="connsiteY15" fmla="*/ 5612589 h 6858000"/>
+              <a:gd name="connsiteX16" fmla="*/ 197619 w 8845162"/>
+              <a:gd name="connsiteY16" fmla="*/ 5456912 h 6858000"/>
+              <a:gd name="connsiteX17" fmla="*/ 209720 w 8845162"/>
+              <a:gd name="connsiteY17" fmla="*/ 5303979 h 6858000"/>
+              <a:gd name="connsiteX18" fmla="*/ 221823 w 8845162"/>
+              <a:gd name="connsiteY18" fmla="*/ 5148988 h 6858000"/>
+              <a:gd name="connsiteX19" fmla="*/ 231908 w 8845162"/>
+              <a:gd name="connsiteY19" fmla="*/ 4996055 h 6858000"/>
+              <a:gd name="connsiteX20" fmla="*/ 239808 w 8845162"/>
+              <a:gd name="connsiteY20" fmla="*/ 4843121 h 6858000"/>
+              <a:gd name="connsiteX21" fmla="*/ 248045 w 8845162"/>
+              <a:gd name="connsiteY21" fmla="*/ 4690874 h 6858000"/>
+              <a:gd name="connsiteX22" fmla="*/ 254936 w 8845162"/>
+              <a:gd name="connsiteY22" fmla="*/ 4539998 h 6858000"/>
+              <a:gd name="connsiteX23" fmla="*/ 259811 w 8845162"/>
+              <a:gd name="connsiteY23" fmla="*/ 4390493 h 6858000"/>
+              <a:gd name="connsiteX24" fmla="*/ 264014 w 8845162"/>
+              <a:gd name="connsiteY24" fmla="*/ 4240989 h 6858000"/>
+              <a:gd name="connsiteX25" fmla="*/ 268047 w 8845162"/>
+              <a:gd name="connsiteY25" fmla="*/ 4092856 h 6858000"/>
+              <a:gd name="connsiteX26" fmla="*/ 269897 w 8845162"/>
+              <a:gd name="connsiteY26" fmla="*/ 3946781 h 6858000"/>
+              <a:gd name="connsiteX27" fmla="*/ 271913 w 8845162"/>
+              <a:gd name="connsiteY27" fmla="*/ 3800705 h 6858000"/>
+              <a:gd name="connsiteX28" fmla="*/ 272922 w 8845162"/>
+              <a:gd name="connsiteY28" fmla="*/ 3656687 h 6858000"/>
+              <a:gd name="connsiteX29" fmla="*/ 271913 w 8845162"/>
+              <a:gd name="connsiteY29" fmla="*/ 3514041 h 6858000"/>
+              <a:gd name="connsiteX30" fmla="*/ 271913 w 8845162"/>
+              <a:gd name="connsiteY30" fmla="*/ 3372766 h 6858000"/>
+              <a:gd name="connsiteX31" fmla="*/ 269897 w 8845162"/>
+              <a:gd name="connsiteY31" fmla="*/ 3232863 h 6858000"/>
+              <a:gd name="connsiteX32" fmla="*/ 266871 w 8845162"/>
+              <a:gd name="connsiteY32" fmla="*/ 3095703 h 6858000"/>
+              <a:gd name="connsiteX33" fmla="*/ 264014 w 8845162"/>
+              <a:gd name="connsiteY33" fmla="*/ 2959915 h 6858000"/>
+              <a:gd name="connsiteX34" fmla="*/ 260820 w 8845162"/>
+              <a:gd name="connsiteY34" fmla="*/ 2826869 h 6858000"/>
+              <a:gd name="connsiteX35" fmla="*/ 255946 w 8845162"/>
+              <a:gd name="connsiteY35" fmla="*/ 2694510 h 6858000"/>
+              <a:gd name="connsiteX36" fmla="*/ 250734 w 8845162"/>
+              <a:gd name="connsiteY36" fmla="*/ 2564209 h 6858000"/>
+              <a:gd name="connsiteX37" fmla="*/ 246028 w 8845162"/>
+              <a:gd name="connsiteY37" fmla="*/ 2436650 h 6858000"/>
+              <a:gd name="connsiteX38" fmla="*/ 232749 w 8845162"/>
+              <a:gd name="connsiteY38" fmla="*/ 2187704 h 6858000"/>
+              <a:gd name="connsiteX39" fmla="*/ 218630 w 8845162"/>
+              <a:gd name="connsiteY39" fmla="*/ 1949046 h 6858000"/>
+              <a:gd name="connsiteX40" fmla="*/ 203837 w 8845162"/>
+              <a:gd name="connsiteY40" fmla="*/ 1719989 h 6858000"/>
+              <a:gd name="connsiteX41" fmla="*/ 187532 w 8845162"/>
+              <a:gd name="connsiteY41" fmla="*/ 1503276 h 6858000"/>
+              <a:gd name="connsiteX42" fmla="*/ 170555 w 8845162"/>
+              <a:gd name="connsiteY42" fmla="*/ 1296164 h 6858000"/>
+              <a:gd name="connsiteX43" fmla="*/ 152234 w 8845162"/>
+              <a:gd name="connsiteY43" fmla="*/ 1104140 h 6858000"/>
+              <a:gd name="connsiteX44" fmla="*/ 134248 w 8845162"/>
+              <a:gd name="connsiteY44" fmla="*/ 923775 h 6858000"/>
+              <a:gd name="connsiteX45" fmla="*/ 116263 w 8845162"/>
+              <a:gd name="connsiteY45" fmla="*/ 757811 h 6858000"/>
+              <a:gd name="connsiteX46" fmla="*/ 99286 w 8845162"/>
+              <a:gd name="connsiteY46" fmla="*/ 605564 h 6858000"/>
+              <a:gd name="connsiteX47" fmla="*/ 83149 w 8845162"/>
+              <a:gd name="connsiteY47" fmla="*/ 470461 h 6858000"/>
+              <a:gd name="connsiteX48" fmla="*/ 67853 w 8845162"/>
+              <a:gd name="connsiteY48" fmla="*/ 348389 h 6858000"/>
+              <a:gd name="connsiteX49" fmla="*/ 55078 w 8845162"/>
+              <a:gd name="connsiteY49" fmla="*/ 245519 h 6858000"/>
+              <a:gd name="connsiteX50" fmla="*/ 42976 w 8845162"/>
+              <a:gd name="connsiteY50" fmla="*/ 159108 h 6858000"/>
+              <a:gd name="connsiteX51" fmla="*/ 25662 w 8845162"/>
+              <a:gd name="connsiteY51" fmla="*/ 40464 h 6858000"/>
+              <a:gd name="connsiteX52" fmla="*/ 19779 w 8845162"/>
+              <a:gd name="connsiteY52" fmla="*/ 2 h 6858000"/>
+              <a:gd name="connsiteX53" fmla="*/ 26532 w 8845162"/>
+              <a:gd name="connsiteY53" fmla="*/ 2 h 6858000"/>
+              <a:gd name="connsiteX54" fmla="*/ 26532 w 8845162"/>
+              <a:gd name="connsiteY54" fmla="*/ 1 h 6858000"/>
+              <a:gd name="connsiteX55" fmla="*/ 0 w 8845162"/>
+              <a:gd name="connsiteY55" fmla="*/ 1 h 6858000"/>
+            </a:gdLst>
+            <a:ahLst/>
+            <a:cxnLst>
+              <a:cxn ang="0">
+                <a:pos x="connsiteX0" y="connsiteY0"/>
+              </a:cxn>
+              <a:cxn ang="0">
+                <a:pos x="connsiteX1" y="connsiteY1"/>
+              </a:cxn>
+              <a:cxn ang="0">
+                <a:pos x="connsiteX2" y="connsiteY2"/>
+              </a:cxn>
+              <a:cxn ang="0">
+                <a:pos x="connsiteX3" y="connsiteY3"/>
+              </a:cxn>
+              <a:cxn ang="0">
+                <a:pos x="connsiteX4" y="connsiteY4"/>
+              </a:cxn>
+              <a:cxn ang="0">
+                <a:pos x="connsiteX5" y="connsiteY5"/>
+              </a:cxn>
+              <a:cxn ang="0">
+                <a:pos x="connsiteX6" y="connsiteY6"/>
+              </a:cxn>
+              <a:cxn ang="0">
+                <a:pos x="connsiteX7" y="connsiteY7"/>
+              </a:cxn>
+              <a:cxn ang="0">
+                <a:pos x="connsiteX8" y="connsiteY8"/>
+              </a:cxn>
+              <a:cxn ang="0">
+                <a:pos x="connsiteX9" y="connsiteY9"/>
+              </a:cxn>
+              <a:cxn ang="0">
+                <a:pos x="connsiteX10" y="connsiteY10"/>
+              </a:cxn>
+              <a:cxn ang="0">
+                <a:pos x="connsiteX11" y="connsiteY11"/>
+              </a:cxn>
+              <a:cxn ang="0">
+                <a:pos x="connsiteX12" y="connsiteY12"/>
+              </a:cxn>
+              <a:cxn ang="0">
+                <a:pos x="connsiteX13" y="connsiteY13"/>
+              </a:cxn>
+              <a:cxn ang="0">
+                <a:pos x="connsiteX14" y="connsiteY14"/>
+              </a:cxn>
+              <a:cxn ang="0">
+                <a:pos x="connsiteX15" y="connsiteY15"/>
+              </a:cxn>
+              <a:cxn ang="0">
+                <a:pos x="connsiteX16" y="connsiteY16"/>
+              </a:cxn>
+              <a:cxn ang="0">
+                <a:pos x="connsiteX17" y="connsiteY17"/>
+              </a:cxn>
+              <a:cxn ang="0">
+                <a:pos x="connsiteX18" y="connsiteY18"/>
+              </a:cxn>
+              <a:cxn ang="0">
+                <a:pos x="connsiteX19" y="connsiteY19"/>
+              </a:cxn>
+              <a:cxn ang="0">
+                <a:pos x="connsiteX20" y="connsiteY20"/>
+              </a:cxn>
+              <a:cxn ang="0">
+                <a:pos x="connsiteX21" y="connsiteY21"/>
+              </a:cxn>
+              <a:cxn ang="0">
+                <a:pos x="connsiteX22" y="connsiteY22"/>
+              </a:cxn>
+              <a:cxn ang="0">
+                <a:pos x="connsiteX23" y="connsiteY23"/>
+              </a:cxn>
+              <a:cxn ang="0">
+                <a:pos x="connsiteX24" y="connsiteY24"/>
+              </a:cxn>
+              <a:cxn ang="0">
+                <a:pos x="connsiteX25" y="connsiteY25"/>
+              </a:cxn>
+              <a:cxn ang="0">
+                <a:pos x="connsiteX26" y="connsiteY26"/>
+              </a:cxn>
+              <a:cxn ang="0">
+                <a:pos x="connsiteX27" y="connsiteY27"/>
+              </a:cxn>
+              <a:cxn ang="0">
+                <a:pos x="connsiteX28" y="connsiteY28"/>
+              </a:cxn>
+              <a:cxn ang="0">
+                <a:pos x="connsiteX29" y="connsiteY29"/>
+              </a:cxn>
+              <a:cxn ang="0">
+                <a:pos x="connsiteX30" y="connsiteY30"/>
+              </a:cxn>
+              <a:cxn ang="0">
+                <a:pos x="connsiteX31" y="connsiteY31"/>
+              </a:cxn>
+              <a:cxn ang="0">
+                <a:pos x="connsiteX32" y="connsiteY32"/>
+              </a:cxn>
+              <a:cxn ang="0">
+                <a:pos x="connsiteX33" y="connsiteY33"/>
+              </a:cxn>
+              <a:cxn ang="0">
+                <a:pos x="connsiteX34" y="connsiteY34"/>
+              </a:cxn>
+              <a:cxn ang="0">
+                <a:pos x="connsiteX35" y="connsiteY35"/>
+              </a:cxn>
+              <a:cxn ang="0">
+                <a:pos x="connsiteX36" y="connsiteY36"/>
+              </a:cxn>
+              <a:cxn ang="0">
+                <a:pos x="connsiteX37" y="connsiteY37"/>
+              </a:cxn>
+              <a:cxn ang="0">
+                <a:pos x="connsiteX38" y="connsiteY38"/>
+              </a:cxn>
+              <a:cxn ang="0">
+                <a:pos x="connsiteX39" y="connsiteY39"/>
+              </a:cxn>
+              <a:cxn ang="0">
+                <a:pos x="connsiteX40" y="connsiteY40"/>
+              </a:cxn>
+              <a:cxn ang="0">
+                <a:pos x="connsiteX41" y="connsiteY41"/>
+              </a:cxn>
+              <a:cxn ang="0">
+                <a:pos x="connsiteX42" y="connsiteY42"/>
+              </a:cxn>
+              <a:cxn ang="0">
+                <a:pos x="connsiteX43" y="connsiteY43"/>
+              </a:cxn>
+              <a:cxn ang="0">
+                <a:pos x="connsiteX44" y="connsiteY44"/>
+              </a:cxn>
+              <a:cxn ang="0">
+                <a:pos x="connsiteX45" y="connsiteY45"/>
+              </a:cxn>
+              <a:cxn ang="0">
+                <a:pos x="connsiteX46" y="connsiteY46"/>
+              </a:cxn>
+              <a:cxn ang="0">
+                <a:pos x="connsiteX47" y="connsiteY47"/>
+              </a:cxn>
+              <a:cxn ang="0">
+                <a:pos x="connsiteX48" y="connsiteY48"/>
+              </a:cxn>
+              <a:cxn ang="0">
+                <a:pos x="connsiteX49" y="connsiteY49"/>
+              </a:cxn>
+              <a:cxn ang="0">
+                <a:pos x="connsiteX50" y="connsiteY50"/>
+              </a:cxn>
+              <a:cxn ang="0">
+                <a:pos x="connsiteX51" y="connsiteY51"/>
+              </a:cxn>
+              <a:cxn ang="0">
+                <a:pos x="connsiteX52" y="connsiteY52"/>
+              </a:cxn>
+              <a:cxn ang="0">
+                <a:pos x="connsiteX53" y="connsiteY53"/>
+              </a:cxn>
+              <a:cxn ang="0">
+                <a:pos x="connsiteX54" y="connsiteY54"/>
+              </a:cxn>
+              <a:cxn ang="0">
+                <a:pos x="connsiteX55" y="connsiteY55"/>
+              </a:cxn>
+            </a:cxnLst>
+            <a:rect l="l" t="t" r="r" b="b"/>
+            <a:pathLst>
+              <a:path w="8845162" h="6858000">
+                <a:moveTo>
+                  <a:pt x="0" y="0"/>
+                </a:moveTo>
+                <a:lnTo>
+                  <a:pt x="6265248" y="0"/>
+                </a:lnTo>
+                <a:lnTo>
+                  <a:pt x="7537703" y="0"/>
+                </a:lnTo>
+                <a:lnTo>
+                  <a:pt x="8845162" y="0"/>
+                </a:lnTo>
+                <a:lnTo>
+                  <a:pt x="8845162" y="6858000"/>
+                </a:lnTo>
+                <a:lnTo>
+                  <a:pt x="7537703" y="6858000"/>
+                </a:lnTo>
+                <a:lnTo>
+                  <a:pt x="6265248" y="6858000"/>
+                </a:lnTo>
+                <a:lnTo>
+                  <a:pt x="20957" y="6858000"/>
+                </a:lnTo>
+                <a:lnTo>
+                  <a:pt x="46002" y="6702325"/>
+                </a:lnTo>
+                <a:lnTo>
+                  <a:pt x="69870" y="6547334"/>
+                </a:lnTo>
+                <a:lnTo>
+                  <a:pt x="93234" y="6391658"/>
+                </a:lnTo>
+                <a:lnTo>
+                  <a:pt x="113237" y="6235295"/>
+                </a:lnTo>
+                <a:lnTo>
+                  <a:pt x="133409" y="6079619"/>
+                </a:lnTo>
+                <a:lnTo>
+                  <a:pt x="152234" y="5923256"/>
+                </a:lnTo>
+                <a:lnTo>
+                  <a:pt x="168370" y="5768951"/>
+                </a:lnTo>
+                <a:lnTo>
+                  <a:pt x="183667" y="5612589"/>
+                </a:lnTo>
+                <a:lnTo>
+                  <a:pt x="197619" y="5456912"/>
+                </a:lnTo>
+                <a:lnTo>
+                  <a:pt x="209720" y="5303979"/>
+                </a:lnTo>
+                <a:lnTo>
+                  <a:pt x="221823" y="5148988"/>
+                </a:lnTo>
+                <a:lnTo>
+                  <a:pt x="231908" y="4996055"/>
+                </a:lnTo>
+                <a:lnTo>
+                  <a:pt x="239808" y="4843121"/>
+                </a:lnTo>
+                <a:lnTo>
+                  <a:pt x="248045" y="4690874"/>
+                </a:lnTo>
+                <a:lnTo>
+                  <a:pt x="254936" y="4539998"/>
+                </a:lnTo>
+                <a:lnTo>
+                  <a:pt x="259811" y="4390493"/>
+                </a:lnTo>
+                <a:lnTo>
+                  <a:pt x="264014" y="4240989"/>
+                </a:lnTo>
+                <a:lnTo>
+                  <a:pt x="268047" y="4092856"/>
+                </a:lnTo>
+                <a:lnTo>
+                  <a:pt x="269897" y="3946781"/>
+                </a:lnTo>
+                <a:lnTo>
+                  <a:pt x="271913" y="3800705"/>
+                </a:lnTo>
+                <a:lnTo>
+                  <a:pt x="272922" y="3656687"/>
+                </a:lnTo>
+                <a:lnTo>
+                  <a:pt x="271913" y="3514041"/>
+                </a:lnTo>
+                <a:lnTo>
+                  <a:pt x="271913" y="3372766"/>
+                </a:lnTo>
+                <a:lnTo>
+                  <a:pt x="269897" y="3232863"/>
+                </a:lnTo>
+                <a:lnTo>
+                  <a:pt x="266871" y="3095703"/>
+                </a:lnTo>
+                <a:lnTo>
+                  <a:pt x="264014" y="2959915"/>
+                </a:lnTo>
+                <a:lnTo>
+                  <a:pt x="260820" y="2826869"/>
+                </a:lnTo>
+                <a:lnTo>
+                  <a:pt x="255946" y="2694510"/>
+                </a:lnTo>
+                <a:lnTo>
+                  <a:pt x="250734" y="2564209"/>
+                </a:lnTo>
+                <a:lnTo>
+                  <a:pt x="246028" y="2436650"/>
+                </a:lnTo>
+                <a:lnTo>
+                  <a:pt x="232749" y="2187704"/>
+                </a:lnTo>
+                <a:lnTo>
+                  <a:pt x="218630" y="1949046"/>
+                </a:lnTo>
+                <a:lnTo>
+                  <a:pt x="203837" y="1719989"/>
+                </a:lnTo>
+                <a:lnTo>
+                  <a:pt x="187532" y="1503276"/>
+                </a:lnTo>
+                <a:lnTo>
+                  <a:pt x="170555" y="1296164"/>
+                </a:lnTo>
+                <a:lnTo>
+                  <a:pt x="152234" y="1104140"/>
+                </a:lnTo>
+                <a:lnTo>
+                  <a:pt x="134248" y="923775"/>
+                </a:lnTo>
+                <a:lnTo>
+                  <a:pt x="116263" y="757811"/>
+                </a:lnTo>
+                <a:lnTo>
+                  <a:pt x="99286" y="605564"/>
+                </a:lnTo>
+                <a:lnTo>
+                  <a:pt x="83149" y="470461"/>
+                </a:lnTo>
+                <a:lnTo>
+                  <a:pt x="67853" y="348389"/>
+                </a:lnTo>
+                <a:lnTo>
+                  <a:pt x="55078" y="245519"/>
+                </a:lnTo>
+                <a:lnTo>
+                  <a:pt x="42976" y="159108"/>
+                </a:lnTo>
+                <a:lnTo>
+                  <a:pt x="25662" y="40464"/>
+                </a:lnTo>
+                <a:lnTo>
+                  <a:pt x="19779" y="2"/>
+                </a:lnTo>
+                <a:lnTo>
+                  <a:pt x="26532" y="2"/>
+                </a:lnTo>
+                <a:lnTo>
+                  <a:pt x="26532" y="1"/>
+                </a:lnTo>
+                <a:lnTo>
+                  <a:pt x="0" y="1"/>
+                </a:lnTo>
+                <a:close/>
+              </a:path>
+            </a:pathLst>
+          </a:custGeom>
+          <a:solidFill>
+            <a:schemeClr val="bg2"/>
+          </a:solidFill>
+          <a:ln>
+            <a:noFill/>
+          </a:ln>
+        </p:spPr>
+        <p:style>
+          <a:lnRef idx="2">
+            <a:schemeClr val="accent1">
+              <a:shade val="50000"/>
+            </a:schemeClr>
+          </a:lnRef>
+          <a:fillRef idx="1">
+            <a:schemeClr val="accent1"/>
+          </a:fillRef>
+          <a:effectRef idx="0">
+            <a:schemeClr val="accent1"/>
+          </a:effectRef>
+          <a:fontRef idx="minor">
+            <a:schemeClr val="lt1"/>
+          </a:fontRef>
+        </p:style>
+        <p:txBody>
+          <a:bodyPr rtlCol="0" anchor="ctr"/>
+          <a:lstStyle/>
+          <a:p>
+            <a:pPr algn="ctr"/>
+            <a:endParaRPr lang="en-US" sz="1350"/>
+          </a:p>
+        </p:txBody>
+      </p:sp>
+      <p:sp>
+        <p:nvSpPr>
+          <p:cNvPr id="2" name="Title 1"/>
+          <p:cNvSpPr>
+            <a:spLocks noGrp="1"/>
+          </p:cNvSpPr>
+          <p:nvPr>
+            <p:ph type="title"/>
+          </p:nvPr>
+        </p:nvSpPr>
+        <p:spPr>
+          <a:xfrm>
             <a:off x="514351" y="1232807"/>
             <a:ext cx="5551714" cy="1020536"/>
           </a:xfrm>
@@ -21488,34 +23571,9 @@
           <a:lstStyle/>
           <a:p>
             <a:r>
-              <a:rPr lang="tr-TR" dirty="0"/>
-              <a:t>How </a:t>
+              <a:rPr lang="tr-TR"/>
+              <a:t>How to Use Cursor ?</a:t>
             </a:r>
-            <a:r>
-              <a:rPr lang="tr-TR" dirty="0" err="1"/>
-              <a:t>to</a:t>
-            </a:r>
-            <a:r>
-              <a:rPr lang="tr-TR" dirty="0"/>
-              <a:t> </a:t>
-            </a:r>
-            <a:r>
-              <a:rPr lang="tr-TR" dirty="0" err="1"/>
-              <a:t>Use</a:t>
-            </a:r>
-            <a:r>
-              <a:rPr lang="tr-TR" dirty="0"/>
-              <a:t> </a:t>
-            </a:r>
-            <a:r>
-              <a:rPr lang="tr-TR" dirty="0" err="1"/>
-              <a:t>Cursor</a:t>
-            </a:r>
-            <a:r>
-              <a:rPr lang="tr-TR" dirty="0"/>
-              <a:t> ?</a:t>
-            </a:r>
-            <a:endParaRPr lang="tr-TR"/>
           </a:p>
         </p:txBody>
       </p:sp>
@@ -21786,7 +23844,7 @@
         </p:nvGraphicFramePr>
         <p:xfrm>
           <a:off x="457200" y="2141538"/>
-          <a:ext cx="7772400" cy="3649662"/>
+          <a:ext cx="7772400" cy="2595880"/>
         </p:xfrm>
         <a:graphic>
           <a:graphicData uri="http://schemas.openxmlformats.org/drawingml/2006/table">
@@ -22175,7 +24233,13 @@
       </p:grpSpPr>
       <p:sp>
         <p:nvSpPr>
-          <p:cNvPr id="2" name="Title 1"/>
+          <p:cNvPr id="2" name="Başlık 1">
+            <a:extLst>
+              <a:ext uri="{FF2B5EF4-FFF2-40B4-BE49-F238E27FC236}">
+                <a16:creationId xmlns:a16="http://schemas.microsoft.com/office/drawing/2014/main" id="{4929B292-15F6-D85C-BEB5-7FAC9FDD847D}"/>
+              </a:ext>
+            </a:extLst>
+          </p:cNvPr>
           <p:cNvSpPr>
             <a:spLocks noGrp="1"/>
           </p:cNvSpPr>
@@ -22189,82 +24253,47 @@
           <a:lstStyle/>
           <a:p>
             <a:r>
-              <a:rPr dirty="0"/>
-              <a:t>My </a:t>
-            </a:r>
-            <a:r>
-              <a:rPr dirty="0" err="1"/>
-              <a:t>Exper</a:t>
-            </a:r>
-            <a:r>
               <a:rPr lang="tr-TR" dirty="0"/>
-              <a:t>I</a:t>
-            </a:r>
-            <a:r>
-              <a:rPr dirty="0" err="1"/>
-              <a:t>ence</a:t>
-            </a:r>
-            <a:r>
-              <a:rPr dirty="0"/>
-              <a:t> w</a:t>
-            </a:r>
-            <a:r>
-              <a:rPr lang="tr-TR" dirty="0"/>
-              <a:t>I</a:t>
-            </a:r>
-            <a:r>
-              <a:rPr dirty="0" err="1"/>
-              <a:t>th</a:t>
-            </a:r>
-            <a:r>
-              <a:rPr dirty="0"/>
-              <a:t> Cursor</a:t>
+              <a:t>BEFORE WHEN I DONT USE THE CURSOR</a:t>
             </a:r>
           </a:p>
         </p:txBody>
       </p:sp>
-      <p:sp>
-        <p:nvSpPr>
-          <p:cNvPr id="3" name="Content Placeholder 2"/>
-          <p:cNvSpPr>
-            <a:spLocks noGrp="1"/>
-          </p:cNvSpPr>
+      <p:pic>
+        <p:nvPicPr>
+          <p:cNvPr id="5" name="İçerik Yer Tutucusu 4" descr="metin, ekran görüntüsü, ekran, görüntüleme, yazılım içeren bir resim&#10;&#10;Açıklama otomatik olarak oluşturuldu">
+            <a:extLst>
+              <a:ext uri="{FF2B5EF4-FFF2-40B4-BE49-F238E27FC236}">
+                <a16:creationId xmlns:a16="http://schemas.microsoft.com/office/drawing/2014/main" id="{A4191299-F543-AD05-1AC0-3FEFFD6AE00D}"/>
+              </a:ext>
+            </a:extLst>
+          </p:cNvPr>
+          <p:cNvPicPr>
+            <a:picLocks noGrp="1" noChangeAspect="1"/>
+          </p:cNvPicPr>
           <p:nvPr>
             <p:ph idx="1"/>
           </p:nvPr>
-        </p:nvSpPr>
-        <p:spPr/>
-        <p:txBody>
-          <a:bodyPr/>
-          <a:lstStyle/>
-          <a:p>
-            <a:r>
-              <a:t>- AI suggestions are fast and accurate</a:t>
-            </a:r>
-          </a:p>
-          <a:p>
-            <a:r>
-              <a:t>- Code explanation is helpful for learning</a:t>
-            </a:r>
-          </a:p>
-          <a:p>
-            <a:r>
-              <a:t>- Bug fixing is a great feature missing in Copilot</a:t>
-            </a:r>
-          </a:p>
-          <a:p>
-            <a:r>
-              <a:t>- Interface similar to VS Code, easy to adapt</a:t>
-            </a:r>
-          </a:p>
-          <a:p>
-            <a:r>
-              <a:t>- Free version is useful but has limitations</a:t>
-            </a:r>
-          </a:p>
-        </p:txBody>
-      </p:sp>
+        </p:nvPicPr>
+        <p:blipFill>
+          <a:blip r:embed="rId2"/>
+          <a:stretch>
+            <a:fillRect/>
+          </a:stretch>
+        </p:blipFill>
+        <p:spPr>
+          <a:xfrm>
+            <a:off x="465634" y="2141538"/>
+            <a:ext cx="7755531" cy="3649662"/>
+          </a:xfrm>
+        </p:spPr>
+      </p:pic>
     </p:spTree>
+    <p:extLst>
+      <p:ext uri="{BB962C8B-B14F-4D97-AF65-F5344CB8AC3E}">
+        <p14:creationId xmlns:p14="http://schemas.microsoft.com/office/powerpoint/2010/main" val="4251740519"/>
+      </p:ext>
+    </p:extLst>
   </p:cSld>
   <p:clrMapOvr>
     <a:masterClrMapping/>
@@ -22291,7 +24320,13 @@
       </p:grpSpPr>
       <p:sp>
         <p:nvSpPr>
-          <p:cNvPr id="2" name="Title 1"/>
+          <p:cNvPr id="2" name="Başlık 1">
+            <a:extLst>
+              <a:ext uri="{FF2B5EF4-FFF2-40B4-BE49-F238E27FC236}">
+                <a16:creationId xmlns:a16="http://schemas.microsoft.com/office/drawing/2014/main" id="{48250AAF-A39A-DE69-9132-B705E0F0DB0D}"/>
+              </a:ext>
+            </a:extLst>
+          </p:cNvPr>
           <p:cNvSpPr>
             <a:spLocks noGrp="1"/>
           </p:cNvSpPr>
@@ -22299,102 +24334,58 @@
             <p:ph type="title"/>
           </p:nvPr>
         </p:nvSpPr>
-        <p:spPr/>
+        <p:spPr>
+          <a:xfrm>
+            <a:off x="457200" y="156117"/>
+            <a:ext cx="7772400" cy="1909751"/>
+          </a:xfrm>
+        </p:spPr>
         <p:txBody>
           <a:bodyPr/>
           <a:lstStyle/>
           <a:p>
             <a:r>
-              <a:rPr dirty="0"/>
-              <a:t>G</a:t>
-            </a:r>
-            <a:r>
               <a:rPr lang="tr-TR" dirty="0"/>
-              <a:t>I</a:t>
-            </a:r>
-            <a:r>
-              <a:rPr dirty="0" err="1"/>
-              <a:t>tHub</a:t>
-            </a:r>
-            <a:r>
-              <a:rPr dirty="0"/>
-              <a:t> Prof</a:t>
-            </a:r>
-            <a:r>
-              <a:rPr lang="tr-TR" dirty="0"/>
-              <a:t>I</a:t>
-            </a:r>
-            <a:r>
-              <a:rPr dirty="0"/>
-              <a:t>le &amp; Ass</a:t>
-            </a:r>
-            <a:r>
-              <a:rPr lang="tr-TR" dirty="0"/>
-              <a:t>I</a:t>
-            </a:r>
-            <a:r>
-              <a:rPr dirty="0" err="1"/>
-              <a:t>gnment</a:t>
-            </a:r>
-            <a:r>
-              <a:rPr dirty="0"/>
-              <a:t> </a:t>
-            </a:r>
-            <a:r>
-              <a:rPr dirty="0" err="1"/>
-              <a:t>Subm</a:t>
-            </a:r>
-            <a:r>
-              <a:rPr lang="tr-TR" dirty="0"/>
-              <a:t>I</a:t>
-            </a:r>
-            <a:r>
-              <a:rPr dirty="0"/>
-              <a:t>ss</a:t>
-            </a:r>
-            <a:r>
-              <a:rPr lang="tr-TR" dirty="0"/>
-              <a:t>I</a:t>
-            </a:r>
-            <a:r>
-              <a:rPr dirty="0"/>
-              <a:t>on</a:t>
+              <a:t>WHEN I USE IT</a:t>
             </a:r>
           </a:p>
         </p:txBody>
       </p:sp>
-      <p:graphicFrame>
-        <p:nvGraphicFramePr>
-          <p:cNvPr id="5" name="Content Placeholder 2">
+      <p:pic>
+        <p:nvPicPr>
+          <p:cNvPr id="5" name="İçerik Yer Tutucusu 4" descr="metin, ekran görüntüsü, yazılım, multimedya yazılımı içeren bir resim&#10;&#10;Açıklama otomatik olarak oluşturuldu">
             <a:extLst>
               <a:ext uri="{FF2B5EF4-FFF2-40B4-BE49-F238E27FC236}">
-                <a16:creationId xmlns:a16="http://schemas.microsoft.com/office/drawing/2014/main" id="{5450BDE9-A422-9421-2A51-EF3C4A9CAC8E}"/>
+                <a16:creationId xmlns:a16="http://schemas.microsoft.com/office/drawing/2014/main" id="{C75B3EA1-5214-2E55-42C4-06D80BB07A20}"/>
               </a:ext>
             </a:extLst>
           </p:cNvPr>
-          <p:cNvGraphicFramePr>
-            <a:graphicFrameLocks noGrp="1"/>
-          </p:cNvGraphicFramePr>
+          <p:cNvPicPr>
+            <a:picLocks noGrp="1" noChangeAspect="1"/>
+          </p:cNvPicPr>
           <p:nvPr>
             <p:ph idx="1"/>
-            <p:extLst>
-              <p:ext uri="{D42A27DB-BD31-4B8C-83A1-F6EECF244321}">
-                <p14:modId xmlns:p14="http://schemas.microsoft.com/office/powerpoint/2010/main" val="2257310989"/>
-              </p:ext>
-            </p:extLst>
           </p:nvPr>
-        </p:nvGraphicFramePr>
-        <p:xfrm>
-          <a:off x="457200" y="2141538"/>
-          <a:ext cx="7772400" cy="3649662"/>
-        </p:xfrm>
-        <a:graphic>
-          <a:graphicData uri="http://schemas.openxmlformats.org/drawingml/2006/diagram">
-            <dgm:relIds xmlns:dgm="http://schemas.openxmlformats.org/drawingml/2006/diagram" xmlns:r="http://schemas.openxmlformats.org/officeDocument/2006/relationships" r:dm="rId2" r:lo="rId3" r:qs="rId4" r:cs="rId5"/>
-          </a:graphicData>
-        </a:graphic>
-      </p:graphicFrame>
+        </p:nvPicPr>
+        <p:blipFill>
+          <a:blip r:embed="rId2"/>
+          <a:stretch>
+            <a:fillRect/>
+          </a:stretch>
+        </p:blipFill>
+        <p:spPr>
+          <a:xfrm>
+            <a:off x="457200" y="1509698"/>
+            <a:ext cx="8374566" cy="5294004"/>
+          </a:xfrm>
+        </p:spPr>
+      </p:pic>
     </p:spTree>
+    <p:extLst>
+      <p:ext uri="{BB962C8B-B14F-4D97-AF65-F5344CB8AC3E}">
+        <p14:creationId xmlns:p14="http://schemas.microsoft.com/office/powerpoint/2010/main" val="1013122552"/>
+      </p:ext>
+    </p:extLst>
   </p:cSld>
   <p:clrMapOvr>
     <a:masterClrMapping/>
